--- a/AECAIworkshop2017/InitialPaper/Figures/FigureConstruction.pptx
+++ b/AECAIworkshop2017/InitialPaper/Figures/FigureConstruction.pptx
@@ -5,10 +5,12 @@
     <p:sldMasterId id="2147483648" r:id="rId1"/>
   </p:sldMasterIdLst>
   <p:notesMasterIdLst>
-    <p:notesMasterId r:id="rId3"/>
+    <p:notesMasterId r:id="rId5"/>
   </p:notesMasterIdLst>
   <p:sldIdLst>
     <p:sldId id="256" r:id="rId2"/>
+    <p:sldId id="258" r:id="rId3"/>
+    <p:sldId id="257" r:id="rId4"/>
   </p:sldIdLst>
   <p:sldSz cx="12192000" cy="6858000"/>
   <p:notesSz cx="6858000" cy="9144000"/>
@@ -197,7 +199,7 @@
           <a:p>
             <a:fld id="{C4F26784-1EAD-4B6C-8B14-11631FA53085}" type="datetimeFigureOut">
               <a:rPr lang="en-US" smtClean="0"/>
-              <a:t>6/2/2017</a:t>
+              <a:t>6/5/2017</a:t>
             </a:fld>
             <a:endParaRPr lang="en-US"/>
           </a:p>
@@ -680,7 +682,7 @@
           <a:p>
             <a:fld id="{14291641-C41D-479F-81D1-4B3E49AAF369}" type="datetimeFigureOut">
               <a:rPr lang="en-US" smtClean="0"/>
-              <a:t>6/2/2017</a:t>
+              <a:t>6/5/2017</a:t>
             </a:fld>
             <a:endParaRPr lang="en-US"/>
           </a:p>
@@ -850,7 +852,7 @@
           <a:p>
             <a:fld id="{14291641-C41D-479F-81D1-4B3E49AAF369}" type="datetimeFigureOut">
               <a:rPr lang="en-US" smtClean="0"/>
-              <a:t>6/2/2017</a:t>
+              <a:t>6/5/2017</a:t>
             </a:fld>
             <a:endParaRPr lang="en-US"/>
           </a:p>
@@ -1030,7 +1032,7 @@
           <a:p>
             <a:fld id="{14291641-C41D-479F-81D1-4B3E49AAF369}" type="datetimeFigureOut">
               <a:rPr lang="en-US" smtClean="0"/>
-              <a:t>6/2/2017</a:t>
+              <a:t>6/5/2017</a:t>
             </a:fld>
             <a:endParaRPr lang="en-US"/>
           </a:p>
@@ -1200,7 +1202,7 @@
           <a:p>
             <a:fld id="{14291641-C41D-479F-81D1-4B3E49AAF369}" type="datetimeFigureOut">
               <a:rPr lang="en-US" smtClean="0"/>
-              <a:t>6/2/2017</a:t>
+              <a:t>6/5/2017</a:t>
             </a:fld>
             <a:endParaRPr lang="en-US"/>
           </a:p>
@@ -1446,7 +1448,7 @@
           <a:p>
             <a:fld id="{14291641-C41D-479F-81D1-4B3E49AAF369}" type="datetimeFigureOut">
               <a:rPr lang="en-US" smtClean="0"/>
-              <a:t>6/2/2017</a:t>
+              <a:t>6/5/2017</a:t>
             </a:fld>
             <a:endParaRPr lang="en-US"/>
           </a:p>
@@ -1678,7 +1680,7 @@
           <a:p>
             <a:fld id="{14291641-C41D-479F-81D1-4B3E49AAF369}" type="datetimeFigureOut">
               <a:rPr lang="en-US" smtClean="0"/>
-              <a:t>6/2/2017</a:t>
+              <a:t>6/5/2017</a:t>
             </a:fld>
             <a:endParaRPr lang="en-US"/>
           </a:p>
@@ -2045,7 +2047,7 @@
           <a:p>
             <a:fld id="{14291641-C41D-479F-81D1-4B3E49AAF369}" type="datetimeFigureOut">
               <a:rPr lang="en-US" smtClean="0"/>
-              <a:t>6/2/2017</a:t>
+              <a:t>6/5/2017</a:t>
             </a:fld>
             <a:endParaRPr lang="en-US"/>
           </a:p>
@@ -2163,7 +2165,7 @@
           <a:p>
             <a:fld id="{14291641-C41D-479F-81D1-4B3E49AAF369}" type="datetimeFigureOut">
               <a:rPr lang="en-US" smtClean="0"/>
-              <a:t>6/2/2017</a:t>
+              <a:t>6/5/2017</a:t>
             </a:fld>
             <a:endParaRPr lang="en-US"/>
           </a:p>
@@ -2258,7 +2260,7 @@
           <a:p>
             <a:fld id="{14291641-C41D-479F-81D1-4B3E49AAF369}" type="datetimeFigureOut">
               <a:rPr lang="en-US" smtClean="0"/>
-              <a:t>6/2/2017</a:t>
+              <a:t>6/5/2017</a:t>
             </a:fld>
             <a:endParaRPr lang="en-US"/>
           </a:p>
@@ -2535,7 +2537,7 @@
           <a:p>
             <a:fld id="{14291641-C41D-479F-81D1-4B3E49AAF369}" type="datetimeFigureOut">
               <a:rPr lang="en-US" smtClean="0"/>
-              <a:t>6/2/2017</a:t>
+              <a:t>6/5/2017</a:t>
             </a:fld>
             <a:endParaRPr lang="en-US"/>
           </a:p>
@@ -2788,7 +2790,7 @@
           <a:p>
             <a:fld id="{14291641-C41D-479F-81D1-4B3E49AAF369}" type="datetimeFigureOut">
               <a:rPr lang="en-US" smtClean="0"/>
-              <a:t>6/2/2017</a:t>
+              <a:t>6/5/2017</a:t>
             </a:fld>
             <a:endParaRPr lang="en-US"/>
           </a:p>
@@ -3001,7 +3003,7 @@
           <a:p>
             <a:fld id="{14291641-C41D-479F-81D1-4B3E49AAF369}" type="datetimeFigureOut">
               <a:rPr lang="en-US" smtClean="0"/>
-              <a:t>6/2/2017</a:t>
+              <a:t>6/5/2017</a:t>
             </a:fld>
             <a:endParaRPr lang="en-US"/>
           </a:p>
@@ -3408,37 +3410,4495 @@
       </p:grpSpPr>
       <p:grpSp>
         <p:nvGrpSpPr>
-          <p:cNvPr id="4" name="Group 3"/>
+          <p:cNvPr id="7" name="Group 6"/>
           <p:cNvGrpSpPr/>
           <p:nvPr/>
         </p:nvGrpSpPr>
         <p:grpSpPr>
           <a:xfrm>
-            <a:off x="446538" y="828970"/>
-            <a:ext cx="2110154" cy="553998"/>
-            <a:chOff x="2286000" y="1776005"/>
-            <a:chExt cx="2110154" cy="553998"/>
+            <a:off x="351358" y="691091"/>
+            <a:ext cx="11477243" cy="5863033"/>
+            <a:chOff x="351358" y="691091"/>
+            <a:chExt cx="11477243" cy="5863033"/>
+          </a:xfrm>
+        </p:grpSpPr>
+        <p:grpSp>
+          <p:nvGrpSpPr>
+            <p:cNvPr id="4" name="Group 3"/>
+            <p:cNvGrpSpPr/>
+            <p:nvPr/>
+          </p:nvGrpSpPr>
+          <p:grpSpPr>
+            <a:xfrm>
+              <a:off x="446538" y="828970"/>
+              <a:ext cx="2110154" cy="553998"/>
+              <a:chOff x="2286000" y="1776005"/>
+              <a:chExt cx="2110154" cy="553998"/>
+            </a:xfrm>
+          </p:grpSpPr>
+          <p:sp>
+            <p:nvSpPr>
+              <p:cNvPr id="2" name="Rounded Rectangle 1"/>
+              <p:cNvSpPr/>
+              <p:nvPr/>
+            </p:nvSpPr>
+            <p:spPr>
+              <a:xfrm>
+                <a:off x="2286000" y="1776005"/>
+                <a:ext cx="2110154" cy="553998"/>
+              </a:xfrm>
+              <a:prstGeom prst="roundRect">
+                <a:avLst/>
+              </a:prstGeom>
+              <a:noFill/>
+              <a:ln w="57150">
+                <a:solidFill>
+                  <a:schemeClr val="tx1"/>
+                </a:solidFill>
+              </a:ln>
+            </p:spPr>
+            <p:style>
+              <a:lnRef idx="2">
+                <a:schemeClr val="accent1">
+                  <a:shade val="50000"/>
+                </a:schemeClr>
+              </a:lnRef>
+              <a:fillRef idx="1">
+                <a:schemeClr val="accent1"/>
+              </a:fillRef>
+              <a:effectRef idx="0">
+                <a:schemeClr val="accent1"/>
+              </a:effectRef>
+              <a:fontRef idx="minor">
+                <a:schemeClr val="lt1"/>
+              </a:fontRef>
+            </p:style>
+            <p:txBody>
+              <a:bodyPr rtlCol="0" anchor="ctr"/>
+              <a:lstStyle/>
+              <a:p>
+                <a:pPr algn="ctr"/>
+                <a:endParaRPr lang="en-US"/>
+              </a:p>
+            </p:txBody>
+          </p:sp>
+          <p:sp>
+            <p:nvSpPr>
+              <p:cNvPr id="3" name="TextBox 2"/>
+              <p:cNvSpPr txBox="1"/>
+              <p:nvPr/>
+            </p:nvSpPr>
+            <p:spPr>
+              <a:xfrm>
+                <a:off x="2369527" y="1868338"/>
+                <a:ext cx="1943100" cy="369332"/>
+              </a:xfrm>
+              <a:prstGeom prst="rect">
+                <a:avLst/>
+              </a:prstGeom>
+              <a:noFill/>
+            </p:spPr>
+            <p:txBody>
+              <a:bodyPr wrap="square" rtlCol="0">
+                <a:spAutoFit/>
+              </a:bodyPr>
+              <a:lstStyle/>
+              <a:p>
+                <a:r>
+                  <a:rPr lang="en-US" dirty="0" smtClean="0"/>
+                  <a:t>Input landmark set</a:t>
+                </a:r>
+                <a:endParaRPr lang="en-US" dirty="0"/>
+              </a:p>
+            </p:txBody>
+          </p:sp>
+        </p:grpSp>
+        <p:grpSp>
+          <p:nvGrpSpPr>
+            <p:cNvPr id="8" name="Group 7"/>
+            <p:cNvGrpSpPr/>
+            <p:nvPr/>
+          </p:nvGrpSpPr>
+          <p:grpSpPr>
+            <a:xfrm>
+              <a:off x="3356158" y="691091"/>
+              <a:ext cx="2403840" cy="837578"/>
+              <a:chOff x="4989633" y="1449549"/>
+              <a:chExt cx="2403840" cy="837578"/>
+            </a:xfrm>
+          </p:grpSpPr>
+          <p:sp>
+            <p:nvSpPr>
+              <p:cNvPr id="5" name="Oval 4"/>
+              <p:cNvSpPr/>
+              <p:nvPr/>
+            </p:nvSpPr>
+            <p:spPr>
+              <a:xfrm>
+                <a:off x="4989633" y="1449549"/>
+                <a:ext cx="2403840" cy="837578"/>
+              </a:xfrm>
+              <a:prstGeom prst="ellipse">
+                <a:avLst/>
+              </a:prstGeom>
+              <a:noFill/>
+              <a:ln w="57150">
+                <a:solidFill>
+                  <a:schemeClr val="tx1"/>
+                </a:solidFill>
+              </a:ln>
+            </p:spPr>
+            <p:style>
+              <a:lnRef idx="2">
+                <a:schemeClr val="accent1">
+                  <a:shade val="50000"/>
+                </a:schemeClr>
+              </a:lnRef>
+              <a:fillRef idx="1">
+                <a:schemeClr val="accent1"/>
+              </a:fillRef>
+              <a:effectRef idx="0">
+                <a:schemeClr val="accent1"/>
+              </a:effectRef>
+              <a:fontRef idx="minor">
+                <a:schemeClr val="lt1"/>
+              </a:fontRef>
+            </p:style>
+            <p:txBody>
+              <a:bodyPr rtlCol="0" anchor="ctr"/>
+              <a:lstStyle/>
+              <a:p>
+                <a:pPr algn="ctr"/>
+                <a:endParaRPr lang="en-US"/>
+              </a:p>
+            </p:txBody>
+          </p:sp>
+          <p:sp>
+            <p:nvSpPr>
+              <p:cNvPr id="6" name="TextBox 5"/>
+              <p:cNvSpPr txBox="1"/>
+              <p:nvPr/>
+            </p:nvSpPr>
+            <p:spPr>
+              <a:xfrm>
+                <a:off x="5037562" y="1591339"/>
+                <a:ext cx="2307981" cy="646331"/>
+              </a:xfrm>
+              <a:prstGeom prst="rect">
+                <a:avLst/>
+              </a:prstGeom>
+              <a:noFill/>
+            </p:spPr>
+            <p:txBody>
+              <a:bodyPr wrap="square" rtlCol="0" anchor="ctr" anchorCtr="0">
+                <a:spAutoFit/>
+              </a:bodyPr>
+              <a:lstStyle/>
+              <a:p>
+                <a:pPr algn="ctr"/>
+                <a:r>
+                  <a:rPr lang="en-US" dirty="0" smtClean="0"/>
+                  <a:t>Identify left and right sides</a:t>
+                </a:r>
+                <a:endParaRPr lang="en-US" dirty="0"/>
+              </a:p>
+            </p:txBody>
+          </p:sp>
+        </p:grpSp>
+        <p:grpSp>
+          <p:nvGrpSpPr>
+            <p:cNvPr id="9" name="Group 8"/>
+            <p:cNvGrpSpPr/>
+            <p:nvPr/>
+          </p:nvGrpSpPr>
+          <p:grpSpPr>
+            <a:xfrm>
+              <a:off x="3503000" y="1907817"/>
+              <a:ext cx="2110154" cy="646332"/>
+              <a:chOff x="2286000" y="1868337"/>
+              <a:chExt cx="2110154" cy="646332"/>
+            </a:xfrm>
+          </p:grpSpPr>
+          <p:sp>
+            <p:nvSpPr>
+              <p:cNvPr id="10" name="Rounded Rectangle 9"/>
+              <p:cNvSpPr/>
+              <p:nvPr/>
+            </p:nvSpPr>
+            <p:spPr>
+              <a:xfrm>
+                <a:off x="2286000" y="1868337"/>
+                <a:ext cx="2110154" cy="646331"/>
+              </a:xfrm>
+              <a:prstGeom prst="roundRect">
+                <a:avLst/>
+              </a:prstGeom>
+              <a:noFill/>
+              <a:ln w="57150">
+                <a:solidFill>
+                  <a:schemeClr val="tx1"/>
+                </a:solidFill>
+              </a:ln>
+            </p:spPr>
+            <p:style>
+              <a:lnRef idx="2">
+                <a:schemeClr val="accent1">
+                  <a:shade val="50000"/>
+                </a:schemeClr>
+              </a:lnRef>
+              <a:fillRef idx="1">
+                <a:schemeClr val="accent1"/>
+              </a:fillRef>
+              <a:effectRef idx="0">
+                <a:schemeClr val="accent1"/>
+              </a:effectRef>
+              <a:fontRef idx="minor">
+                <a:schemeClr val="lt1"/>
+              </a:fontRef>
+            </p:style>
+            <p:txBody>
+              <a:bodyPr rtlCol="0" anchor="ctr"/>
+              <a:lstStyle/>
+              <a:p>
+                <a:pPr algn="ctr"/>
+                <a:endParaRPr lang="en-US"/>
+              </a:p>
+            </p:txBody>
+          </p:sp>
+          <p:sp>
+            <p:nvSpPr>
+              <p:cNvPr id="11" name="TextBox 10"/>
+              <p:cNvSpPr txBox="1"/>
+              <p:nvPr/>
+            </p:nvSpPr>
+            <p:spPr>
+              <a:xfrm>
+                <a:off x="2369527" y="1868338"/>
+                <a:ext cx="1943100" cy="646331"/>
+              </a:xfrm>
+              <a:prstGeom prst="rect">
+                <a:avLst/>
+              </a:prstGeom>
+              <a:noFill/>
+            </p:spPr>
+            <p:txBody>
+              <a:bodyPr wrap="square" rtlCol="0">
+                <a:spAutoFit/>
+              </a:bodyPr>
+              <a:lstStyle/>
+              <a:p>
+                <a:pPr algn="ctr"/>
+                <a:r>
+                  <a:rPr lang="en-US" dirty="0" smtClean="0"/>
+                  <a:t>Left or right </a:t>
+                </a:r>
+                <a:br>
+                  <a:rPr lang="en-US" dirty="0" smtClean="0"/>
+                </a:br>
+                <a:r>
+                  <a:rPr lang="en-US" dirty="0" smtClean="0"/>
+                  <a:t>side landmarks</a:t>
+                </a:r>
+                <a:endParaRPr lang="en-US" dirty="0"/>
+              </a:p>
+            </p:txBody>
+          </p:sp>
+        </p:grpSp>
+        <p:grpSp>
+          <p:nvGrpSpPr>
+            <p:cNvPr id="12" name="Group 11"/>
+            <p:cNvGrpSpPr/>
+            <p:nvPr/>
+          </p:nvGrpSpPr>
+          <p:grpSpPr>
+            <a:xfrm>
+              <a:off x="351358" y="1801775"/>
+              <a:ext cx="2403840" cy="837578"/>
+              <a:chOff x="4989633" y="1449549"/>
+              <a:chExt cx="2403840" cy="837578"/>
+            </a:xfrm>
+          </p:grpSpPr>
+          <p:sp>
+            <p:nvSpPr>
+              <p:cNvPr id="13" name="Oval 12"/>
+              <p:cNvSpPr/>
+              <p:nvPr/>
+            </p:nvSpPr>
+            <p:spPr>
+              <a:xfrm>
+                <a:off x="4989633" y="1449549"/>
+                <a:ext cx="2403840" cy="837578"/>
+              </a:xfrm>
+              <a:prstGeom prst="ellipse">
+                <a:avLst/>
+              </a:prstGeom>
+              <a:noFill/>
+              <a:ln w="57150">
+                <a:solidFill>
+                  <a:schemeClr val="tx1"/>
+                </a:solidFill>
+              </a:ln>
+            </p:spPr>
+            <p:style>
+              <a:lnRef idx="2">
+                <a:schemeClr val="accent1">
+                  <a:shade val="50000"/>
+                </a:schemeClr>
+              </a:lnRef>
+              <a:fillRef idx="1">
+                <a:schemeClr val="accent1"/>
+              </a:fillRef>
+              <a:effectRef idx="0">
+                <a:schemeClr val="accent1"/>
+              </a:effectRef>
+              <a:fontRef idx="minor">
+                <a:schemeClr val="lt1"/>
+              </a:fontRef>
+            </p:style>
+            <p:txBody>
+              <a:bodyPr rtlCol="0" anchor="ctr"/>
+              <a:lstStyle/>
+              <a:p>
+                <a:pPr algn="ctr"/>
+                <a:endParaRPr lang="en-US"/>
+              </a:p>
+            </p:txBody>
+          </p:sp>
+          <p:sp>
+            <p:nvSpPr>
+              <p:cNvPr id="14" name="TextBox 13"/>
+              <p:cNvSpPr txBox="1"/>
+              <p:nvPr/>
+            </p:nvSpPr>
+            <p:spPr>
+              <a:xfrm>
+                <a:off x="5037562" y="1591339"/>
+                <a:ext cx="2307981" cy="646331"/>
+              </a:xfrm>
+              <a:prstGeom prst="rect">
+                <a:avLst/>
+              </a:prstGeom>
+              <a:noFill/>
+            </p:spPr>
+            <p:txBody>
+              <a:bodyPr wrap="square" rtlCol="0" anchor="ctr" anchorCtr="0">
+                <a:spAutoFit/>
+              </a:bodyPr>
+              <a:lstStyle/>
+              <a:p>
+                <a:pPr algn="ctr"/>
+                <a:r>
+                  <a:rPr lang="en-US" dirty="0" smtClean="0"/>
+                  <a:t>Fit polynomial to landmarks</a:t>
+                </a:r>
+                <a:endParaRPr lang="en-US" dirty="0"/>
+              </a:p>
+            </p:txBody>
+          </p:sp>
+        </p:grpSp>
+        <p:grpSp>
+          <p:nvGrpSpPr>
+            <p:cNvPr id="15" name="Group 14"/>
+            <p:cNvGrpSpPr/>
+            <p:nvPr/>
+          </p:nvGrpSpPr>
+          <p:grpSpPr>
+            <a:xfrm>
+              <a:off x="502906" y="3094340"/>
+              <a:ext cx="2110154" cy="646332"/>
+              <a:chOff x="2286000" y="1868337"/>
+              <a:chExt cx="2110154" cy="646332"/>
+            </a:xfrm>
+          </p:grpSpPr>
+          <p:sp>
+            <p:nvSpPr>
+              <p:cNvPr id="16" name="Rounded Rectangle 15"/>
+              <p:cNvSpPr/>
+              <p:nvPr/>
+            </p:nvSpPr>
+            <p:spPr>
+              <a:xfrm>
+                <a:off x="2286000" y="1868337"/>
+                <a:ext cx="2110154" cy="646331"/>
+              </a:xfrm>
+              <a:prstGeom prst="roundRect">
+                <a:avLst/>
+              </a:prstGeom>
+              <a:noFill/>
+              <a:ln w="57150">
+                <a:solidFill>
+                  <a:schemeClr val="tx1"/>
+                </a:solidFill>
+              </a:ln>
+            </p:spPr>
+            <p:style>
+              <a:lnRef idx="2">
+                <a:schemeClr val="accent1">
+                  <a:shade val="50000"/>
+                </a:schemeClr>
+              </a:lnRef>
+              <a:fillRef idx="1">
+                <a:schemeClr val="accent1"/>
+              </a:fillRef>
+              <a:effectRef idx="0">
+                <a:schemeClr val="accent1"/>
+              </a:effectRef>
+              <a:fontRef idx="minor">
+                <a:schemeClr val="lt1"/>
+              </a:fontRef>
+            </p:style>
+            <p:txBody>
+              <a:bodyPr rtlCol="0" anchor="ctr"/>
+              <a:lstStyle/>
+              <a:p>
+                <a:pPr algn="ctr"/>
+                <a:endParaRPr lang="en-US"/>
+              </a:p>
+            </p:txBody>
+          </p:sp>
+          <p:sp>
+            <p:nvSpPr>
+              <p:cNvPr id="17" name="TextBox 16"/>
+              <p:cNvSpPr txBox="1"/>
+              <p:nvPr/>
+            </p:nvSpPr>
+            <p:spPr>
+              <a:xfrm>
+                <a:off x="2369527" y="1868338"/>
+                <a:ext cx="1943100" cy="646331"/>
+              </a:xfrm>
+              <a:prstGeom prst="rect">
+                <a:avLst/>
+              </a:prstGeom>
+              <a:noFill/>
+            </p:spPr>
+            <p:txBody>
+              <a:bodyPr wrap="square" rtlCol="0">
+                <a:spAutoFit/>
+              </a:bodyPr>
+              <a:lstStyle/>
+              <a:p>
+                <a:pPr algn="ctr"/>
+                <a:r>
+                  <a:rPr lang="en-US" dirty="0" smtClean="0"/>
+                  <a:t>Landmarks polynomial fit</a:t>
+                </a:r>
+                <a:endParaRPr lang="en-US" dirty="0"/>
+              </a:p>
+            </p:txBody>
+          </p:sp>
+        </p:grpSp>
+        <p:grpSp>
+          <p:nvGrpSpPr>
+            <p:cNvPr id="18" name="Group 17"/>
+            <p:cNvGrpSpPr/>
+            <p:nvPr/>
+          </p:nvGrpSpPr>
+          <p:grpSpPr>
+            <a:xfrm>
+              <a:off x="3354803" y="3003329"/>
+              <a:ext cx="2403840" cy="837578"/>
+              <a:chOff x="4989633" y="1449549"/>
+              <a:chExt cx="2403840" cy="837578"/>
+            </a:xfrm>
+          </p:grpSpPr>
+          <p:sp>
+            <p:nvSpPr>
+              <p:cNvPr id="19" name="Oval 18"/>
+              <p:cNvSpPr/>
+              <p:nvPr/>
+            </p:nvSpPr>
+            <p:spPr>
+              <a:xfrm>
+                <a:off x="4989633" y="1449549"/>
+                <a:ext cx="2403840" cy="837578"/>
+              </a:xfrm>
+              <a:prstGeom prst="ellipse">
+                <a:avLst/>
+              </a:prstGeom>
+              <a:noFill/>
+              <a:ln w="57150">
+                <a:solidFill>
+                  <a:schemeClr val="tx1"/>
+                </a:solidFill>
+              </a:ln>
+            </p:spPr>
+            <p:style>
+              <a:lnRef idx="2">
+                <a:schemeClr val="accent1">
+                  <a:shade val="50000"/>
+                </a:schemeClr>
+              </a:lnRef>
+              <a:fillRef idx="1">
+                <a:schemeClr val="accent1"/>
+              </a:fillRef>
+              <a:effectRef idx="0">
+                <a:schemeClr val="accent1"/>
+              </a:effectRef>
+              <a:fontRef idx="minor">
+                <a:schemeClr val="lt1"/>
+              </a:fontRef>
+            </p:style>
+            <p:txBody>
+              <a:bodyPr rtlCol="0" anchor="ctr"/>
+              <a:lstStyle/>
+              <a:p>
+                <a:pPr algn="ctr"/>
+                <a:endParaRPr lang="en-US"/>
+              </a:p>
+            </p:txBody>
+          </p:sp>
+          <p:sp>
+            <p:nvSpPr>
+              <p:cNvPr id="20" name="TextBox 19"/>
+              <p:cNvSpPr txBox="1"/>
+              <p:nvPr/>
+            </p:nvSpPr>
+            <p:spPr>
+              <a:xfrm>
+                <a:off x="5073160" y="1535429"/>
+                <a:ext cx="2307981" cy="646331"/>
+              </a:xfrm>
+              <a:prstGeom prst="rect">
+                <a:avLst/>
+              </a:prstGeom>
+              <a:noFill/>
+            </p:spPr>
+            <p:txBody>
+              <a:bodyPr wrap="square" rtlCol="0" anchor="ctr" anchorCtr="0">
+                <a:spAutoFit/>
+              </a:bodyPr>
+              <a:lstStyle/>
+              <a:p>
+                <a:pPr algn="ctr"/>
+                <a:r>
+                  <a:rPr lang="en-US" dirty="0" smtClean="0"/>
+                  <a:t>Fit polynomial to landmark spacing</a:t>
+                </a:r>
+                <a:endParaRPr lang="en-US" dirty="0"/>
+              </a:p>
+            </p:txBody>
+          </p:sp>
+        </p:grpSp>
+        <p:cxnSp>
+          <p:nvCxnSpPr>
+            <p:cNvPr id="22" name="Straight Arrow Connector 21"/>
+            <p:cNvCxnSpPr>
+              <a:stCxn id="2" idx="3"/>
+              <a:endCxn id="5" idx="2"/>
+            </p:cNvCxnSpPr>
+            <p:nvPr/>
+          </p:nvCxnSpPr>
+          <p:spPr>
+            <a:xfrm>
+              <a:off x="2556692" y="1105969"/>
+              <a:ext cx="799466" cy="3911"/>
+            </a:xfrm>
+            <a:prstGeom prst="straightConnector1">
+              <a:avLst/>
+            </a:prstGeom>
+            <a:ln w="57150">
+              <a:solidFill>
+                <a:schemeClr val="tx1"/>
+              </a:solidFill>
+              <a:tailEnd type="triangle"/>
+            </a:ln>
+          </p:spPr>
+          <p:style>
+            <a:lnRef idx="1">
+              <a:schemeClr val="accent1"/>
+            </a:lnRef>
+            <a:fillRef idx="0">
+              <a:schemeClr val="accent1"/>
+            </a:fillRef>
+            <a:effectRef idx="0">
+              <a:schemeClr val="accent1"/>
+            </a:effectRef>
+            <a:fontRef idx="minor">
+              <a:schemeClr val="tx1"/>
+            </a:fontRef>
+          </p:style>
+        </p:cxnSp>
+        <p:cxnSp>
+          <p:nvCxnSpPr>
+            <p:cNvPr id="24" name="Straight Arrow Connector 23"/>
+            <p:cNvCxnSpPr>
+              <a:stCxn id="5" idx="4"/>
+              <a:endCxn id="10" idx="0"/>
+            </p:cNvCxnSpPr>
+            <p:nvPr/>
+          </p:nvCxnSpPr>
+          <p:spPr>
+            <a:xfrm flipH="1">
+              <a:off x="4558077" y="1528669"/>
+              <a:ext cx="1" cy="379148"/>
+            </a:xfrm>
+            <a:prstGeom prst="straightConnector1">
+              <a:avLst/>
+            </a:prstGeom>
+            <a:ln w="57150">
+              <a:solidFill>
+                <a:schemeClr val="tx1"/>
+              </a:solidFill>
+              <a:tailEnd type="triangle"/>
+            </a:ln>
+          </p:spPr>
+          <p:style>
+            <a:lnRef idx="1">
+              <a:schemeClr val="accent1"/>
+            </a:lnRef>
+            <a:fillRef idx="0">
+              <a:schemeClr val="accent1"/>
+            </a:fillRef>
+            <a:effectRef idx="0">
+              <a:schemeClr val="accent1"/>
+            </a:effectRef>
+            <a:fontRef idx="minor">
+              <a:schemeClr val="tx1"/>
+            </a:fontRef>
+          </p:style>
+        </p:cxnSp>
+        <p:cxnSp>
+          <p:nvCxnSpPr>
+            <p:cNvPr id="26" name="Straight Arrow Connector 25"/>
+            <p:cNvCxnSpPr>
+              <a:stCxn id="10" idx="1"/>
+              <a:endCxn id="13" idx="6"/>
+            </p:cNvCxnSpPr>
+            <p:nvPr/>
+          </p:nvCxnSpPr>
+          <p:spPr>
+            <a:xfrm flipH="1" flipV="1">
+              <a:off x="2755198" y="2220564"/>
+              <a:ext cx="747802" cy="10419"/>
+            </a:xfrm>
+            <a:prstGeom prst="straightConnector1">
+              <a:avLst/>
+            </a:prstGeom>
+            <a:ln w="57150">
+              <a:solidFill>
+                <a:schemeClr val="tx1"/>
+              </a:solidFill>
+              <a:tailEnd type="triangle"/>
+            </a:ln>
+          </p:spPr>
+          <p:style>
+            <a:lnRef idx="1">
+              <a:schemeClr val="accent1"/>
+            </a:lnRef>
+            <a:fillRef idx="0">
+              <a:schemeClr val="accent1"/>
+            </a:fillRef>
+            <a:effectRef idx="0">
+              <a:schemeClr val="accent1"/>
+            </a:effectRef>
+            <a:fontRef idx="minor">
+              <a:schemeClr val="tx1"/>
+            </a:fontRef>
+          </p:style>
+        </p:cxnSp>
+        <p:cxnSp>
+          <p:nvCxnSpPr>
+            <p:cNvPr id="30" name="Straight Arrow Connector 29"/>
+            <p:cNvCxnSpPr>
+              <a:stCxn id="13" idx="4"/>
+              <a:endCxn id="17" idx="0"/>
+            </p:cNvCxnSpPr>
+            <p:nvPr/>
+          </p:nvCxnSpPr>
+          <p:spPr>
+            <a:xfrm>
+              <a:off x="1553278" y="2639353"/>
+              <a:ext cx="4705" cy="454988"/>
+            </a:xfrm>
+            <a:prstGeom prst="straightConnector1">
+              <a:avLst/>
+            </a:prstGeom>
+            <a:ln w="57150">
+              <a:solidFill>
+                <a:schemeClr val="tx1"/>
+              </a:solidFill>
+              <a:tailEnd type="triangle"/>
+            </a:ln>
+          </p:spPr>
+          <p:style>
+            <a:lnRef idx="1">
+              <a:schemeClr val="accent1"/>
+            </a:lnRef>
+            <a:fillRef idx="0">
+              <a:schemeClr val="accent1"/>
+            </a:fillRef>
+            <a:effectRef idx="0">
+              <a:schemeClr val="accent1"/>
+            </a:effectRef>
+            <a:fontRef idx="minor">
+              <a:schemeClr val="tx1"/>
+            </a:fontRef>
+          </p:style>
+        </p:cxnSp>
+        <p:cxnSp>
+          <p:nvCxnSpPr>
+            <p:cNvPr id="32" name="Straight Arrow Connector 31"/>
+            <p:cNvCxnSpPr>
+              <a:stCxn id="11" idx="2"/>
+              <a:endCxn id="19" idx="0"/>
+            </p:cNvCxnSpPr>
+            <p:nvPr/>
+          </p:nvCxnSpPr>
+          <p:spPr>
+            <a:xfrm flipH="1">
+              <a:off x="4556723" y="2554149"/>
+              <a:ext cx="1354" cy="449180"/>
+            </a:xfrm>
+            <a:prstGeom prst="straightConnector1">
+              <a:avLst/>
+            </a:prstGeom>
+            <a:ln w="57150">
+              <a:solidFill>
+                <a:schemeClr val="tx1"/>
+              </a:solidFill>
+              <a:tailEnd type="triangle"/>
+            </a:ln>
+          </p:spPr>
+          <p:style>
+            <a:lnRef idx="1">
+              <a:schemeClr val="accent1"/>
+            </a:lnRef>
+            <a:fillRef idx="0">
+              <a:schemeClr val="accent1"/>
+            </a:fillRef>
+            <a:effectRef idx="0">
+              <a:schemeClr val="accent1"/>
+            </a:effectRef>
+            <a:fontRef idx="minor">
+              <a:schemeClr val="tx1"/>
+            </a:fontRef>
+          </p:style>
+        </p:cxnSp>
+        <p:grpSp>
+          <p:nvGrpSpPr>
+            <p:cNvPr id="39" name="Group 38"/>
+            <p:cNvGrpSpPr/>
+            <p:nvPr/>
+          </p:nvGrpSpPr>
+          <p:grpSpPr>
+            <a:xfrm>
+              <a:off x="3503000" y="4282373"/>
+              <a:ext cx="2110154" cy="646332"/>
+              <a:chOff x="2286000" y="1868337"/>
+              <a:chExt cx="2110154" cy="646332"/>
+            </a:xfrm>
+          </p:grpSpPr>
+          <p:sp>
+            <p:nvSpPr>
+              <p:cNvPr id="40" name="Rounded Rectangle 39"/>
+              <p:cNvSpPr/>
+              <p:nvPr/>
+            </p:nvSpPr>
+            <p:spPr>
+              <a:xfrm>
+                <a:off x="2286000" y="1868337"/>
+                <a:ext cx="2110154" cy="646331"/>
+              </a:xfrm>
+              <a:prstGeom prst="roundRect">
+                <a:avLst/>
+              </a:prstGeom>
+              <a:noFill/>
+              <a:ln w="57150">
+                <a:solidFill>
+                  <a:schemeClr val="tx1"/>
+                </a:solidFill>
+              </a:ln>
+            </p:spPr>
+            <p:style>
+              <a:lnRef idx="2">
+                <a:schemeClr val="accent1">
+                  <a:shade val="50000"/>
+                </a:schemeClr>
+              </a:lnRef>
+              <a:fillRef idx="1">
+                <a:schemeClr val="accent1"/>
+              </a:fillRef>
+              <a:effectRef idx="0">
+                <a:schemeClr val="accent1"/>
+              </a:effectRef>
+              <a:fontRef idx="minor">
+                <a:schemeClr val="lt1"/>
+              </a:fontRef>
+            </p:style>
+            <p:txBody>
+              <a:bodyPr rtlCol="0" anchor="ctr"/>
+              <a:lstStyle/>
+              <a:p>
+                <a:pPr algn="ctr"/>
+                <a:endParaRPr lang="en-US"/>
+              </a:p>
+            </p:txBody>
+          </p:sp>
+          <p:sp>
+            <p:nvSpPr>
+              <p:cNvPr id="41" name="TextBox 40"/>
+              <p:cNvSpPr txBox="1"/>
+              <p:nvPr/>
+            </p:nvSpPr>
+            <p:spPr>
+              <a:xfrm>
+                <a:off x="2369527" y="1868338"/>
+                <a:ext cx="1943100" cy="646331"/>
+              </a:xfrm>
+              <a:prstGeom prst="rect">
+                <a:avLst/>
+              </a:prstGeom>
+              <a:noFill/>
+            </p:spPr>
+            <p:txBody>
+              <a:bodyPr wrap="square" rtlCol="0">
+                <a:spAutoFit/>
+              </a:bodyPr>
+              <a:lstStyle/>
+              <a:p>
+                <a:pPr algn="ctr"/>
+                <a:r>
+                  <a:rPr lang="en-US" dirty="0" smtClean="0"/>
+                  <a:t>Spacing polynomial fit</a:t>
+                </a:r>
+                <a:endParaRPr lang="en-US" dirty="0"/>
+              </a:p>
+            </p:txBody>
+          </p:sp>
+        </p:grpSp>
+        <p:grpSp>
+          <p:nvGrpSpPr>
+            <p:cNvPr id="42" name="Group 41"/>
+            <p:cNvGrpSpPr/>
+            <p:nvPr/>
+          </p:nvGrpSpPr>
+          <p:grpSpPr>
+            <a:xfrm>
+              <a:off x="6419190" y="4161515"/>
+              <a:ext cx="2675048" cy="888046"/>
+              <a:chOff x="4989633" y="1407201"/>
+              <a:chExt cx="2403840" cy="837578"/>
+            </a:xfrm>
+          </p:grpSpPr>
+          <p:sp>
+            <p:nvSpPr>
+              <p:cNvPr id="43" name="Oval 42"/>
+              <p:cNvSpPr/>
+              <p:nvPr/>
+            </p:nvSpPr>
+            <p:spPr>
+              <a:xfrm>
+                <a:off x="4989633" y="1407201"/>
+                <a:ext cx="2403840" cy="837578"/>
+              </a:xfrm>
+              <a:prstGeom prst="ellipse">
+                <a:avLst/>
+              </a:prstGeom>
+              <a:noFill/>
+              <a:ln w="57150">
+                <a:solidFill>
+                  <a:schemeClr val="tx1"/>
+                </a:solidFill>
+              </a:ln>
+            </p:spPr>
+            <p:style>
+              <a:lnRef idx="2">
+                <a:schemeClr val="accent1">
+                  <a:shade val="50000"/>
+                </a:schemeClr>
+              </a:lnRef>
+              <a:fillRef idx="1">
+                <a:schemeClr val="accent1"/>
+              </a:fillRef>
+              <a:effectRef idx="0">
+                <a:schemeClr val="accent1"/>
+              </a:effectRef>
+              <a:fontRef idx="minor">
+                <a:schemeClr val="lt1"/>
+              </a:fontRef>
+            </p:style>
+            <p:txBody>
+              <a:bodyPr rtlCol="0" anchor="ctr"/>
+              <a:lstStyle/>
+              <a:p>
+                <a:pPr algn="ctr"/>
+                <a:endParaRPr lang="en-US"/>
+              </a:p>
+            </p:txBody>
+          </p:sp>
+          <p:sp>
+            <p:nvSpPr>
+              <p:cNvPr id="44" name="TextBox 43"/>
+              <p:cNvSpPr txBox="1"/>
+              <p:nvPr/>
+            </p:nvSpPr>
+            <p:spPr>
+              <a:xfrm>
+                <a:off x="5037562" y="1545172"/>
+                <a:ext cx="2307981" cy="646331"/>
+              </a:xfrm>
+              <a:prstGeom prst="rect">
+                <a:avLst/>
+              </a:prstGeom>
+              <a:noFill/>
+            </p:spPr>
+            <p:txBody>
+              <a:bodyPr wrap="square" rtlCol="0" anchor="ctr" anchorCtr="0">
+                <a:spAutoFit/>
+              </a:bodyPr>
+              <a:lstStyle/>
+              <a:p>
+                <a:pPr algn="ctr"/>
+                <a:r>
+                  <a:rPr lang="en-US" dirty="0" smtClean="0"/>
+                  <a:t>Impute points optimizing spacing fit</a:t>
+                </a:r>
+                <a:endParaRPr lang="en-US" dirty="0"/>
+              </a:p>
+            </p:txBody>
+          </p:sp>
+        </p:grpSp>
+        <p:grpSp>
+          <p:nvGrpSpPr>
+            <p:cNvPr id="45" name="Group 44"/>
+            <p:cNvGrpSpPr/>
+            <p:nvPr/>
+          </p:nvGrpSpPr>
+          <p:grpSpPr>
+            <a:xfrm>
+              <a:off x="3351524" y="5544913"/>
+              <a:ext cx="2403840" cy="837578"/>
+              <a:chOff x="4989633" y="1449549"/>
+              <a:chExt cx="2403840" cy="837578"/>
+            </a:xfrm>
+          </p:grpSpPr>
+          <p:sp>
+            <p:nvSpPr>
+              <p:cNvPr id="46" name="Oval 45"/>
+              <p:cNvSpPr/>
+              <p:nvPr/>
+            </p:nvSpPr>
+            <p:spPr>
+              <a:xfrm>
+                <a:off x="4989633" y="1449549"/>
+                <a:ext cx="2403840" cy="837578"/>
+              </a:xfrm>
+              <a:prstGeom prst="ellipse">
+                <a:avLst/>
+              </a:prstGeom>
+              <a:noFill/>
+              <a:ln w="57150">
+                <a:solidFill>
+                  <a:schemeClr val="tx1"/>
+                </a:solidFill>
+              </a:ln>
+            </p:spPr>
+            <p:style>
+              <a:lnRef idx="2">
+                <a:schemeClr val="accent1">
+                  <a:shade val="50000"/>
+                </a:schemeClr>
+              </a:lnRef>
+              <a:fillRef idx="1">
+                <a:schemeClr val="accent1"/>
+              </a:fillRef>
+              <a:effectRef idx="0">
+                <a:schemeClr val="accent1"/>
+              </a:effectRef>
+              <a:fontRef idx="minor">
+                <a:schemeClr val="lt1"/>
+              </a:fontRef>
+            </p:style>
+            <p:txBody>
+              <a:bodyPr rtlCol="0" anchor="ctr"/>
+              <a:lstStyle/>
+              <a:p>
+                <a:pPr algn="ctr"/>
+                <a:endParaRPr lang="en-US"/>
+              </a:p>
+            </p:txBody>
+          </p:sp>
+          <p:sp>
+            <p:nvSpPr>
+              <p:cNvPr id="47" name="TextBox 46"/>
+              <p:cNvSpPr txBox="1"/>
+              <p:nvPr/>
+            </p:nvSpPr>
+            <p:spPr>
+              <a:xfrm>
+                <a:off x="5073160" y="1535429"/>
+                <a:ext cx="2307981" cy="646331"/>
+              </a:xfrm>
+              <a:prstGeom prst="rect">
+                <a:avLst/>
+              </a:prstGeom>
+              <a:noFill/>
+            </p:spPr>
+            <p:txBody>
+              <a:bodyPr wrap="square" rtlCol="0" anchor="ctr" anchorCtr="0">
+                <a:spAutoFit/>
+              </a:bodyPr>
+              <a:lstStyle/>
+              <a:p>
+                <a:pPr algn="ctr"/>
+                <a:r>
+                  <a:rPr lang="en-US" dirty="0" smtClean="0"/>
+                  <a:t>Identify unusually </a:t>
+                </a:r>
+                <a:br>
+                  <a:rPr lang="en-US" dirty="0" smtClean="0"/>
+                </a:br>
+                <a:r>
+                  <a:rPr lang="en-US" dirty="0" smtClean="0"/>
+                  <a:t>long intervals</a:t>
+                </a:r>
+                <a:endParaRPr lang="en-US" dirty="0"/>
+              </a:p>
+            </p:txBody>
+          </p:sp>
+        </p:grpSp>
+        <p:cxnSp>
+          <p:nvCxnSpPr>
+            <p:cNvPr id="69" name="Straight Arrow Connector 68"/>
+            <p:cNvCxnSpPr>
+              <a:stCxn id="16" idx="3"/>
+              <a:endCxn id="19" idx="2"/>
+            </p:cNvCxnSpPr>
+            <p:nvPr/>
+          </p:nvCxnSpPr>
+          <p:spPr>
+            <a:xfrm>
+              <a:off x="2613060" y="3417506"/>
+              <a:ext cx="741743" cy="4612"/>
+            </a:xfrm>
+            <a:prstGeom prst="straightConnector1">
+              <a:avLst/>
+            </a:prstGeom>
+            <a:ln w="57150">
+              <a:solidFill>
+                <a:schemeClr val="tx1"/>
+              </a:solidFill>
+              <a:tailEnd type="triangle"/>
+            </a:ln>
+          </p:spPr>
+          <p:style>
+            <a:lnRef idx="1">
+              <a:schemeClr val="accent1"/>
+            </a:lnRef>
+            <a:fillRef idx="0">
+              <a:schemeClr val="accent1"/>
+            </a:fillRef>
+            <a:effectRef idx="0">
+              <a:schemeClr val="accent1"/>
+            </a:effectRef>
+            <a:fontRef idx="minor">
+              <a:schemeClr val="tx1"/>
+            </a:fontRef>
+          </p:style>
+        </p:cxnSp>
+        <p:cxnSp>
+          <p:nvCxnSpPr>
+            <p:cNvPr id="71" name="Straight Arrow Connector 70"/>
+            <p:cNvCxnSpPr>
+              <a:stCxn id="19" idx="4"/>
+              <a:endCxn id="41" idx="0"/>
+            </p:cNvCxnSpPr>
+            <p:nvPr/>
+          </p:nvCxnSpPr>
+          <p:spPr>
+            <a:xfrm>
+              <a:off x="4556723" y="3840907"/>
+              <a:ext cx="1354" cy="441467"/>
+            </a:xfrm>
+            <a:prstGeom prst="straightConnector1">
+              <a:avLst/>
+            </a:prstGeom>
+            <a:ln w="57150">
+              <a:solidFill>
+                <a:schemeClr val="tx1"/>
+              </a:solidFill>
+              <a:tailEnd type="triangle"/>
+            </a:ln>
+          </p:spPr>
+          <p:style>
+            <a:lnRef idx="1">
+              <a:schemeClr val="accent1"/>
+            </a:lnRef>
+            <a:fillRef idx="0">
+              <a:schemeClr val="accent1"/>
+            </a:fillRef>
+            <a:effectRef idx="0">
+              <a:schemeClr val="accent1"/>
+            </a:effectRef>
+            <a:fontRef idx="minor">
+              <a:schemeClr val="tx1"/>
+            </a:fontRef>
+          </p:style>
+        </p:cxnSp>
+        <p:cxnSp>
+          <p:nvCxnSpPr>
+            <p:cNvPr id="73" name="Straight Arrow Connector 72"/>
+            <p:cNvCxnSpPr>
+              <a:stCxn id="41" idx="2"/>
+              <a:endCxn id="46" idx="0"/>
+            </p:cNvCxnSpPr>
+            <p:nvPr/>
+          </p:nvCxnSpPr>
+          <p:spPr>
+            <a:xfrm flipH="1">
+              <a:off x="4553444" y="4928705"/>
+              <a:ext cx="4633" cy="616208"/>
+            </a:xfrm>
+            <a:prstGeom prst="straightConnector1">
+              <a:avLst/>
+            </a:prstGeom>
+            <a:ln w="57150">
+              <a:solidFill>
+                <a:schemeClr val="tx1"/>
+              </a:solidFill>
+              <a:tailEnd type="triangle"/>
+            </a:ln>
+          </p:spPr>
+          <p:style>
+            <a:lnRef idx="1">
+              <a:schemeClr val="accent1"/>
+            </a:lnRef>
+            <a:fillRef idx="0">
+              <a:schemeClr val="accent1"/>
+            </a:fillRef>
+            <a:effectRef idx="0">
+              <a:schemeClr val="accent1"/>
+            </a:effectRef>
+            <a:fontRef idx="minor">
+              <a:schemeClr val="tx1"/>
+            </a:fontRef>
+          </p:style>
+        </p:cxnSp>
+        <p:grpSp>
+          <p:nvGrpSpPr>
+            <p:cNvPr id="79" name="Group 78"/>
+            <p:cNvGrpSpPr/>
+            <p:nvPr/>
+          </p:nvGrpSpPr>
+          <p:grpSpPr>
+            <a:xfrm>
+              <a:off x="6643664" y="5630793"/>
+              <a:ext cx="2221400" cy="923331"/>
+              <a:chOff x="2286000" y="1868337"/>
+              <a:chExt cx="2110154" cy="923331"/>
+            </a:xfrm>
+          </p:grpSpPr>
+          <p:sp>
+            <p:nvSpPr>
+              <p:cNvPr id="80" name="Rounded Rectangle 79"/>
+              <p:cNvSpPr/>
+              <p:nvPr/>
+            </p:nvSpPr>
+            <p:spPr>
+              <a:xfrm>
+                <a:off x="2286000" y="1868337"/>
+                <a:ext cx="2110154" cy="646331"/>
+              </a:xfrm>
+              <a:prstGeom prst="roundRect">
+                <a:avLst/>
+              </a:prstGeom>
+              <a:noFill/>
+              <a:ln w="57150">
+                <a:solidFill>
+                  <a:schemeClr val="tx1"/>
+                </a:solidFill>
+              </a:ln>
+            </p:spPr>
+            <p:style>
+              <a:lnRef idx="2">
+                <a:schemeClr val="accent1">
+                  <a:shade val="50000"/>
+                </a:schemeClr>
+              </a:lnRef>
+              <a:fillRef idx="1">
+                <a:schemeClr val="accent1"/>
+              </a:fillRef>
+              <a:effectRef idx="0">
+                <a:schemeClr val="accent1"/>
+              </a:effectRef>
+              <a:fontRef idx="minor">
+                <a:schemeClr val="lt1"/>
+              </a:fontRef>
+            </p:style>
+            <p:txBody>
+              <a:bodyPr rtlCol="0" anchor="ctr"/>
+              <a:lstStyle/>
+              <a:p>
+                <a:pPr algn="ctr"/>
+                <a:endParaRPr lang="en-US"/>
+              </a:p>
+            </p:txBody>
+          </p:sp>
+          <p:sp>
+            <p:nvSpPr>
+              <p:cNvPr id="81" name="TextBox 80"/>
+              <p:cNvSpPr txBox="1"/>
+              <p:nvPr/>
+            </p:nvSpPr>
+            <p:spPr>
+              <a:xfrm>
+                <a:off x="2369527" y="1868338"/>
+                <a:ext cx="1943100" cy="923330"/>
+              </a:xfrm>
+              <a:prstGeom prst="rect">
+                <a:avLst/>
+              </a:prstGeom>
+              <a:noFill/>
+            </p:spPr>
+            <p:txBody>
+              <a:bodyPr wrap="square" rtlCol="0">
+                <a:spAutoFit/>
+              </a:bodyPr>
+              <a:lstStyle/>
+              <a:p>
+                <a:pPr algn="ctr"/>
+                <a:r>
+                  <a:rPr lang="en-US" dirty="0" smtClean="0"/>
+                  <a:t>Intervals suspected of omission</a:t>
+                </a:r>
+                <a:endParaRPr lang="en-US" dirty="0"/>
+              </a:p>
+            </p:txBody>
+          </p:sp>
+        </p:grpSp>
+        <p:cxnSp>
+          <p:nvCxnSpPr>
+            <p:cNvPr id="87" name="Straight Arrow Connector 86"/>
+            <p:cNvCxnSpPr>
+              <a:stCxn id="46" idx="6"/>
+              <a:endCxn id="80" idx="1"/>
+            </p:cNvCxnSpPr>
+            <p:nvPr/>
+          </p:nvCxnSpPr>
+          <p:spPr>
+            <a:xfrm flipV="1">
+              <a:off x="5755364" y="5953959"/>
+              <a:ext cx="888300" cy="9743"/>
+            </a:xfrm>
+            <a:prstGeom prst="straightConnector1">
+              <a:avLst/>
+            </a:prstGeom>
+            <a:ln w="57150">
+              <a:solidFill>
+                <a:schemeClr val="tx1"/>
+              </a:solidFill>
+              <a:tailEnd type="triangle"/>
+            </a:ln>
+          </p:spPr>
+          <p:style>
+            <a:lnRef idx="1">
+              <a:schemeClr val="accent1"/>
+            </a:lnRef>
+            <a:fillRef idx="0">
+              <a:schemeClr val="accent1"/>
+            </a:fillRef>
+            <a:effectRef idx="0">
+              <a:schemeClr val="accent1"/>
+            </a:effectRef>
+            <a:fontRef idx="minor">
+              <a:schemeClr val="tx1"/>
+            </a:fontRef>
+          </p:style>
+        </p:cxnSp>
+        <p:cxnSp>
+          <p:nvCxnSpPr>
+            <p:cNvPr id="89" name="Straight Arrow Connector 88"/>
+            <p:cNvCxnSpPr>
+              <a:stCxn id="81" idx="0"/>
+              <a:endCxn id="43" idx="4"/>
+            </p:cNvCxnSpPr>
+            <p:nvPr/>
+          </p:nvCxnSpPr>
+          <p:spPr>
+            <a:xfrm flipV="1">
+              <a:off x="7754364" y="5049561"/>
+              <a:ext cx="2350" cy="581233"/>
+            </a:xfrm>
+            <a:prstGeom prst="straightConnector1">
+              <a:avLst/>
+            </a:prstGeom>
+            <a:ln w="57150">
+              <a:solidFill>
+                <a:schemeClr val="tx1"/>
+              </a:solidFill>
+              <a:tailEnd type="triangle"/>
+            </a:ln>
+          </p:spPr>
+          <p:style>
+            <a:lnRef idx="1">
+              <a:schemeClr val="accent1"/>
+            </a:lnRef>
+            <a:fillRef idx="0">
+              <a:schemeClr val="accent1"/>
+            </a:fillRef>
+            <a:effectRef idx="0">
+              <a:schemeClr val="accent1"/>
+            </a:effectRef>
+            <a:fontRef idx="minor">
+              <a:schemeClr val="tx1"/>
+            </a:fontRef>
+          </p:style>
+        </p:cxnSp>
+        <p:grpSp>
+          <p:nvGrpSpPr>
+            <p:cNvPr id="98" name="Group 97"/>
+            <p:cNvGrpSpPr/>
+            <p:nvPr/>
+          </p:nvGrpSpPr>
+          <p:grpSpPr>
+            <a:xfrm>
+              <a:off x="6547344" y="1819881"/>
+              <a:ext cx="2403840" cy="837578"/>
+              <a:chOff x="4989633" y="1449549"/>
+              <a:chExt cx="2403840" cy="837578"/>
+            </a:xfrm>
+          </p:grpSpPr>
+          <p:sp>
+            <p:nvSpPr>
+              <p:cNvPr id="99" name="Oval 98"/>
+              <p:cNvSpPr/>
+              <p:nvPr/>
+            </p:nvSpPr>
+            <p:spPr>
+              <a:xfrm>
+                <a:off x="4989633" y="1449549"/>
+                <a:ext cx="2403840" cy="837578"/>
+              </a:xfrm>
+              <a:prstGeom prst="ellipse">
+                <a:avLst/>
+              </a:prstGeom>
+              <a:noFill/>
+              <a:ln w="57150">
+                <a:solidFill>
+                  <a:schemeClr val="tx1"/>
+                </a:solidFill>
+              </a:ln>
+            </p:spPr>
+            <p:style>
+              <a:lnRef idx="2">
+                <a:schemeClr val="accent1">
+                  <a:shade val="50000"/>
+                </a:schemeClr>
+              </a:lnRef>
+              <a:fillRef idx="1">
+                <a:schemeClr val="accent1"/>
+              </a:fillRef>
+              <a:effectRef idx="0">
+                <a:schemeClr val="accent1"/>
+              </a:effectRef>
+              <a:fontRef idx="minor">
+                <a:schemeClr val="lt1"/>
+              </a:fontRef>
+            </p:style>
+            <p:txBody>
+              <a:bodyPr rtlCol="0" anchor="ctr"/>
+              <a:lstStyle/>
+              <a:p>
+                <a:pPr algn="ctr"/>
+                <a:endParaRPr lang="en-US"/>
+              </a:p>
+            </p:txBody>
+          </p:sp>
+          <p:sp>
+            <p:nvSpPr>
+              <p:cNvPr id="100" name="TextBox 99"/>
+              <p:cNvSpPr txBox="1"/>
+              <p:nvPr/>
+            </p:nvSpPr>
+            <p:spPr>
+              <a:xfrm>
+                <a:off x="5073160" y="1673928"/>
+                <a:ext cx="2307981" cy="369332"/>
+              </a:xfrm>
+              <a:prstGeom prst="rect">
+                <a:avLst/>
+              </a:prstGeom>
+              <a:noFill/>
+            </p:spPr>
+            <p:txBody>
+              <a:bodyPr wrap="square" rtlCol="0" anchor="ctr" anchorCtr="0">
+                <a:spAutoFit/>
+              </a:bodyPr>
+              <a:lstStyle/>
+              <a:p>
+                <a:pPr algn="ctr"/>
+                <a:r>
+                  <a:rPr lang="en-US" dirty="0" smtClean="0"/>
+                  <a:t>Operator is satisfied?</a:t>
+                </a:r>
+                <a:endParaRPr lang="en-US" dirty="0"/>
+              </a:p>
+            </p:txBody>
+          </p:sp>
+        </p:grpSp>
+        <p:grpSp>
+          <p:nvGrpSpPr>
+            <p:cNvPr id="101" name="Group 100"/>
+            <p:cNvGrpSpPr/>
+            <p:nvPr/>
+          </p:nvGrpSpPr>
+          <p:grpSpPr>
+            <a:xfrm>
+              <a:off x="6697850" y="3061617"/>
+              <a:ext cx="2110154" cy="646332"/>
+              <a:chOff x="2286000" y="1868337"/>
+              <a:chExt cx="2110154" cy="646332"/>
+            </a:xfrm>
+          </p:grpSpPr>
+          <p:sp>
+            <p:nvSpPr>
+              <p:cNvPr id="102" name="Rounded Rectangle 101"/>
+              <p:cNvSpPr/>
+              <p:nvPr/>
+            </p:nvSpPr>
+            <p:spPr>
+              <a:xfrm>
+                <a:off x="2286000" y="1868337"/>
+                <a:ext cx="2110154" cy="646331"/>
+              </a:xfrm>
+              <a:prstGeom prst="roundRect">
+                <a:avLst/>
+              </a:prstGeom>
+              <a:noFill/>
+              <a:ln w="57150">
+                <a:solidFill>
+                  <a:schemeClr val="tx1"/>
+                </a:solidFill>
+              </a:ln>
+            </p:spPr>
+            <p:style>
+              <a:lnRef idx="2">
+                <a:schemeClr val="accent1">
+                  <a:shade val="50000"/>
+                </a:schemeClr>
+              </a:lnRef>
+              <a:fillRef idx="1">
+                <a:schemeClr val="accent1"/>
+              </a:fillRef>
+              <a:effectRef idx="0">
+                <a:schemeClr val="accent1"/>
+              </a:effectRef>
+              <a:fontRef idx="minor">
+                <a:schemeClr val="lt1"/>
+              </a:fontRef>
+            </p:style>
+            <p:txBody>
+              <a:bodyPr rtlCol="0" anchor="ctr"/>
+              <a:lstStyle/>
+              <a:p>
+                <a:pPr algn="ctr"/>
+                <a:endParaRPr lang="en-US"/>
+              </a:p>
+            </p:txBody>
+          </p:sp>
+          <p:sp>
+            <p:nvSpPr>
+              <p:cNvPr id="103" name="TextBox 102"/>
+              <p:cNvSpPr txBox="1"/>
+              <p:nvPr/>
+            </p:nvSpPr>
+            <p:spPr>
+              <a:xfrm>
+                <a:off x="2369527" y="1868338"/>
+                <a:ext cx="1943100" cy="646331"/>
+              </a:xfrm>
+              <a:prstGeom prst="rect">
+                <a:avLst/>
+              </a:prstGeom>
+              <a:noFill/>
+            </p:spPr>
+            <p:txBody>
+              <a:bodyPr wrap="square" rtlCol="0">
+                <a:spAutoFit/>
+              </a:bodyPr>
+              <a:lstStyle/>
+              <a:p>
+                <a:pPr algn="ctr"/>
+                <a:r>
+                  <a:rPr lang="en-US" dirty="0" smtClean="0"/>
+                  <a:t>Potentially repaired side</a:t>
+                </a:r>
+                <a:endParaRPr lang="en-US" dirty="0"/>
+              </a:p>
+            </p:txBody>
+          </p:sp>
+        </p:grpSp>
+        <p:cxnSp>
+          <p:nvCxnSpPr>
+            <p:cNvPr id="105" name="Straight Arrow Connector 104"/>
+            <p:cNvCxnSpPr>
+              <a:stCxn id="103" idx="0"/>
+              <a:endCxn id="99" idx="4"/>
+            </p:cNvCxnSpPr>
+            <p:nvPr/>
+          </p:nvCxnSpPr>
+          <p:spPr>
+            <a:xfrm flipH="1" flipV="1">
+              <a:off x="7749264" y="2657459"/>
+              <a:ext cx="3663" cy="404159"/>
+            </a:xfrm>
+            <a:prstGeom prst="straightConnector1">
+              <a:avLst/>
+            </a:prstGeom>
+            <a:ln w="57150">
+              <a:solidFill>
+                <a:schemeClr val="tx1"/>
+              </a:solidFill>
+              <a:tailEnd type="triangle"/>
+            </a:ln>
+          </p:spPr>
+          <p:style>
+            <a:lnRef idx="1">
+              <a:schemeClr val="accent1"/>
+            </a:lnRef>
+            <a:fillRef idx="0">
+              <a:schemeClr val="accent1"/>
+            </a:fillRef>
+            <a:effectRef idx="0">
+              <a:schemeClr val="accent1"/>
+            </a:effectRef>
+            <a:fontRef idx="minor">
+              <a:schemeClr val="tx1"/>
+            </a:fontRef>
+          </p:style>
+        </p:cxnSp>
+        <p:cxnSp>
+          <p:nvCxnSpPr>
+            <p:cNvPr id="107" name="Straight Arrow Connector 106"/>
+            <p:cNvCxnSpPr>
+              <a:stCxn id="99" idx="2"/>
+              <a:endCxn id="10" idx="3"/>
+            </p:cNvCxnSpPr>
+            <p:nvPr/>
+          </p:nvCxnSpPr>
+          <p:spPr>
+            <a:xfrm flipH="1" flipV="1">
+              <a:off x="5613154" y="2230983"/>
+              <a:ext cx="934190" cy="7687"/>
+            </a:xfrm>
+            <a:prstGeom prst="straightConnector1">
+              <a:avLst/>
+            </a:prstGeom>
+            <a:ln w="57150">
+              <a:solidFill>
+                <a:schemeClr val="tx1"/>
+              </a:solidFill>
+              <a:tailEnd type="triangle"/>
+            </a:ln>
+          </p:spPr>
+          <p:style>
+            <a:lnRef idx="1">
+              <a:schemeClr val="accent1"/>
+            </a:lnRef>
+            <a:fillRef idx="0">
+              <a:schemeClr val="accent1"/>
+            </a:fillRef>
+            <a:effectRef idx="0">
+              <a:schemeClr val="accent1"/>
+            </a:effectRef>
+            <a:fontRef idx="minor">
+              <a:schemeClr val="tx1"/>
+            </a:fontRef>
+          </p:style>
+        </p:cxnSp>
+        <p:cxnSp>
+          <p:nvCxnSpPr>
+            <p:cNvPr id="109" name="Straight Arrow Connector 108"/>
+            <p:cNvCxnSpPr>
+              <a:stCxn id="43" idx="0"/>
+              <a:endCxn id="102" idx="2"/>
+            </p:cNvCxnSpPr>
+            <p:nvPr/>
+          </p:nvCxnSpPr>
+          <p:spPr>
+            <a:xfrm flipH="1" flipV="1">
+              <a:off x="7752927" y="3707948"/>
+              <a:ext cx="3787" cy="453567"/>
+            </a:xfrm>
+            <a:prstGeom prst="straightConnector1">
+              <a:avLst/>
+            </a:prstGeom>
+            <a:ln w="57150">
+              <a:solidFill>
+                <a:schemeClr val="tx1"/>
+              </a:solidFill>
+              <a:tailEnd type="triangle"/>
+            </a:ln>
+          </p:spPr>
+          <p:style>
+            <a:lnRef idx="1">
+              <a:schemeClr val="accent1"/>
+            </a:lnRef>
+            <a:fillRef idx="0">
+              <a:schemeClr val="accent1"/>
+            </a:fillRef>
+            <a:effectRef idx="0">
+              <a:schemeClr val="accent1"/>
+            </a:effectRef>
+            <a:fontRef idx="minor">
+              <a:schemeClr val="tx1"/>
+            </a:fontRef>
+          </p:style>
+        </p:cxnSp>
+        <p:sp>
+          <p:nvSpPr>
+            <p:cNvPr id="110" name="TextBox 109"/>
+            <p:cNvSpPr txBox="1"/>
+            <p:nvPr/>
+          </p:nvSpPr>
+          <p:spPr>
+            <a:xfrm>
+              <a:off x="5853437" y="1712732"/>
+              <a:ext cx="554299" cy="461665"/>
+            </a:xfrm>
+            <a:prstGeom prst="rect">
+              <a:avLst/>
+            </a:prstGeom>
+            <a:noFill/>
+          </p:spPr>
+          <p:txBody>
+            <a:bodyPr wrap="square" rtlCol="0">
+              <a:spAutoFit/>
+            </a:bodyPr>
+            <a:lstStyle/>
+            <a:p>
+              <a:r>
+                <a:rPr lang="en-US" sz="2400" dirty="0" smtClean="0"/>
+                <a:t>No</a:t>
+              </a:r>
+              <a:endParaRPr lang="en-US" sz="2400" dirty="0"/>
+            </a:p>
+          </p:txBody>
+        </p:sp>
+        <p:grpSp>
+          <p:nvGrpSpPr>
+            <p:cNvPr id="111" name="Group 110"/>
+            <p:cNvGrpSpPr/>
+            <p:nvPr/>
+          </p:nvGrpSpPr>
+          <p:grpSpPr>
+            <a:xfrm>
+              <a:off x="9568524" y="3071916"/>
+              <a:ext cx="2110154" cy="646331"/>
+              <a:chOff x="2286000" y="1868337"/>
+              <a:chExt cx="2110154" cy="646331"/>
+            </a:xfrm>
+          </p:grpSpPr>
+          <p:sp>
+            <p:nvSpPr>
+              <p:cNvPr id="112" name="Rounded Rectangle 111"/>
+              <p:cNvSpPr/>
+              <p:nvPr/>
+            </p:nvSpPr>
+            <p:spPr>
+              <a:xfrm>
+                <a:off x="2286000" y="1868337"/>
+                <a:ext cx="2110154" cy="646331"/>
+              </a:xfrm>
+              <a:prstGeom prst="roundRect">
+                <a:avLst/>
+              </a:prstGeom>
+              <a:noFill/>
+              <a:ln w="57150">
+                <a:solidFill>
+                  <a:schemeClr val="tx1"/>
+                </a:solidFill>
+              </a:ln>
+            </p:spPr>
+            <p:style>
+              <a:lnRef idx="2">
+                <a:schemeClr val="accent1">
+                  <a:shade val="50000"/>
+                </a:schemeClr>
+              </a:lnRef>
+              <a:fillRef idx="1">
+                <a:schemeClr val="accent1"/>
+              </a:fillRef>
+              <a:effectRef idx="0">
+                <a:schemeClr val="accent1"/>
+              </a:effectRef>
+              <a:fontRef idx="minor">
+                <a:schemeClr val="lt1"/>
+              </a:fontRef>
+            </p:style>
+            <p:txBody>
+              <a:bodyPr rtlCol="0" anchor="ctr"/>
+              <a:lstStyle/>
+              <a:p>
+                <a:pPr algn="ctr"/>
+                <a:endParaRPr lang="en-US"/>
+              </a:p>
+            </p:txBody>
+          </p:sp>
+          <p:sp>
+            <p:nvSpPr>
+              <p:cNvPr id="113" name="TextBox 112"/>
+              <p:cNvSpPr txBox="1"/>
+              <p:nvPr/>
+            </p:nvSpPr>
+            <p:spPr>
+              <a:xfrm>
+                <a:off x="2369527" y="2006836"/>
+                <a:ext cx="1943100" cy="369332"/>
+              </a:xfrm>
+              <a:prstGeom prst="rect">
+                <a:avLst/>
+              </a:prstGeom>
+              <a:noFill/>
+            </p:spPr>
+            <p:txBody>
+              <a:bodyPr wrap="square" rtlCol="0">
+                <a:spAutoFit/>
+              </a:bodyPr>
+              <a:lstStyle/>
+              <a:p>
+                <a:pPr algn="ctr"/>
+                <a:r>
+                  <a:rPr lang="en-US" dirty="0"/>
+                  <a:t>R</a:t>
+                </a:r>
+                <a:r>
+                  <a:rPr lang="en-US" dirty="0" smtClean="0"/>
+                  <a:t>epaired side</a:t>
+                </a:r>
+                <a:endParaRPr lang="en-US" dirty="0"/>
+              </a:p>
+            </p:txBody>
+          </p:sp>
+        </p:grpSp>
+        <p:cxnSp>
+          <p:nvCxnSpPr>
+            <p:cNvPr id="115" name="Elbow Connector 114"/>
+            <p:cNvCxnSpPr>
+              <a:stCxn id="100" idx="3"/>
+              <a:endCxn id="112" idx="0"/>
+            </p:cNvCxnSpPr>
+            <p:nvPr/>
+          </p:nvCxnSpPr>
+          <p:spPr>
+            <a:xfrm>
+              <a:off x="8938852" y="2228926"/>
+              <a:ext cx="1684749" cy="842990"/>
+            </a:xfrm>
+            <a:prstGeom prst="bentConnector2">
+              <a:avLst/>
+            </a:prstGeom>
+            <a:ln w="57150">
+              <a:solidFill>
+                <a:schemeClr val="tx1"/>
+              </a:solidFill>
+              <a:tailEnd type="triangle"/>
+            </a:ln>
+          </p:spPr>
+          <p:style>
+            <a:lnRef idx="1">
+              <a:schemeClr val="accent1"/>
+            </a:lnRef>
+            <a:fillRef idx="0">
+              <a:schemeClr val="accent1"/>
+            </a:fillRef>
+            <a:effectRef idx="0">
+              <a:schemeClr val="accent1"/>
+            </a:effectRef>
+            <a:fontRef idx="minor">
+              <a:schemeClr val="tx1"/>
+            </a:fontRef>
+          </p:style>
+        </p:cxnSp>
+        <p:sp>
+          <p:nvSpPr>
+            <p:cNvPr id="116" name="TextBox 115"/>
+            <p:cNvSpPr txBox="1"/>
+            <p:nvPr/>
+          </p:nvSpPr>
+          <p:spPr>
+            <a:xfrm>
+              <a:off x="9547186" y="1767261"/>
+              <a:ext cx="676376" cy="461665"/>
+            </a:xfrm>
+            <a:prstGeom prst="rect">
+              <a:avLst/>
+            </a:prstGeom>
+            <a:noFill/>
+          </p:spPr>
+          <p:txBody>
+            <a:bodyPr wrap="square" rtlCol="0">
+              <a:spAutoFit/>
+            </a:bodyPr>
+            <a:lstStyle/>
+            <a:p>
+              <a:r>
+                <a:rPr lang="en-US" sz="2400" dirty="0" smtClean="0"/>
+                <a:t>Yes</a:t>
+              </a:r>
+              <a:endParaRPr lang="en-US" sz="2400" dirty="0"/>
+            </a:p>
+          </p:txBody>
+        </p:sp>
+        <p:grpSp>
+          <p:nvGrpSpPr>
+            <p:cNvPr id="123" name="Group 122"/>
+            <p:cNvGrpSpPr/>
+            <p:nvPr/>
+          </p:nvGrpSpPr>
+          <p:grpSpPr>
+            <a:xfrm>
+              <a:off x="9424761" y="4187171"/>
+              <a:ext cx="2403840" cy="837578"/>
+              <a:chOff x="4989633" y="1449549"/>
+              <a:chExt cx="2403840" cy="837578"/>
+            </a:xfrm>
+          </p:grpSpPr>
+          <p:sp>
+            <p:nvSpPr>
+              <p:cNvPr id="124" name="Oval 123"/>
+              <p:cNvSpPr/>
+              <p:nvPr/>
+            </p:nvSpPr>
+            <p:spPr>
+              <a:xfrm>
+                <a:off x="4989633" y="1449549"/>
+                <a:ext cx="2403840" cy="837578"/>
+              </a:xfrm>
+              <a:prstGeom prst="ellipse">
+                <a:avLst/>
+              </a:prstGeom>
+              <a:noFill/>
+              <a:ln w="57150">
+                <a:solidFill>
+                  <a:schemeClr val="tx1"/>
+                </a:solidFill>
+              </a:ln>
+            </p:spPr>
+            <p:style>
+              <a:lnRef idx="2">
+                <a:schemeClr val="accent1">
+                  <a:shade val="50000"/>
+                </a:schemeClr>
+              </a:lnRef>
+              <a:fillRef idx="1">
+                <a:schemeClr val="accent1"/>
+              </a:fillRef>
+              <a:effectRef idx="0">
+                <a:schemeClr val="accent1"/>
+              </a:effectRef>
+              <a:fontRef idx="minor">
+                <a:schemeClr val="lt1"/>
+              </a:fontRef>
+            </p:style>
+            <p:txBody>
+              <a:bodyPr rtlCol="0" anchor="ctr"/>
+              <a:lstStyle/>
+              <a:p>
+                <a:pPr algn="ctr"/>
+                <a:endParaRPr lang="en-US"/>
+              </a:p>
+            </p:txBody>
+          </p:sp>
+          <p:sp>
+            <p:nvSpPr>
+              <p:cNvPr id="125" name="TextBox 124"/>
+              <p:cNvSpPr txBox="1"/>
+              <p:nvPr/>
+            </p:nvSpPr>
+            <p:spPr>
+              <a:xfrm>
+                <a:off x="5073160" y="1535429"/>
+                <a:ext cx="2307981" cy="646331"/>
+              </a:xfrm>
+              <a:prstGeom prst="rect">
+                <a:avLst/>
+              </a:prstGeom>
+              <a:noFill/>
+            </p:spPr>
+            <p:txBody>
+              <a:bodyPr wrap="square" rtlCol="0" anchor="ctr" anchorCtr="0">
+                <a:spAutoFit/>
+              </a:bodyPr>
+              <a:lstStyle/>
+              <a:p>
+                <a:pPr algn="ctr"/>
+                <a:r>
+                  <a:rPr lang="en-US" dirty="0" smtClean="0"/>
+                  <a:t>Combine with other repaired side</a:t>
+                </a:r>
+                <a:endParaRPr lang="en-US" dirty="0"/>
+              </a:p>
+            </p:txBody>
+          </p:sp>
+        </p:grpSp>
+        <p:cxnSp>
+          <p:nvCxnSpPr>
+            <p:cNvPr id="127" name="Straight Arrow Connector 126"/>
+            <p:cNvCxnSpPr>
+              <a:stCxn id="112" idx="2"/>
+              <a:endCxn id="124" idx="0"/>
+            </p:cNvCxnSpPr>
+            <p:nvPr/>
+          </p:nvCxnSpPr>
+          <p:spPr>
+            <a:xfrm>
+              <a:off x="10623601" y="3718247"/>
+              <a:ext cx="3080" cy="468924"/>
+            </a:xfrm>
+            <a:prstGeom prst="straightConnector1">
+              <a:avLst/>
+            </a:prstGeom>
+            <a:ln w="57150">
+              <a:solidFill>
+                <a:schemeClr val="tx1"/>
+              </a:solidFill>
+              <a:tailEnd type="triangle"/>
+            </a:ln>
+          </p:spPr>
+          <p:style>
+            <a:lnRef idx="1">
+              <a:schemeClr val="accent1"/>
+            </a:lnRef>
+            <a:fillRef idx="0">
+              <a:schemeClr val="accent1"/>
+            </a:fillRef>
+            <a:effectRef idx="0">
+              <a:schemeClr val="accent1"/>
+            </a:effectRef>
+            <a:fontRef idx="minor">
+              <a:schemeClr val="tx1"/>
+            </a:fontRef>
+          </p:style>
+        </p:cxnSp>
+        <p:grpSp>
+          <p:nvGrpSpPr>
+            <p:cNvPr id="128" name="Group 127"/>
+            <p:cNvGrpSpPr/>
+            <p:nvPr/>
+          </p:nvGrpSpPr>
+          <p:grpSpPr>
+            <a:xfrm>
+              <a:off x="9455664" y="5643827"/>
+              <a:ext cx="2341372" cy="738664"/>
+              <a:chOff x="2286000" y="1776005"/>
+              <a:chExt cx="2110154" cy="738664"/>
+            </a:xfrm>
+          </p:grpSpPr>
+          <p:sp>
+            <p:nvSpPr>
+              <p:cNvPr id="129" name="Rounded Rectangle 128"/>
+              <p:cNvSpPr/>
+              <p:nvPr/>
+            </p:nvSpPr>
+            <p:spPr>
+              <a:xfrm>
+                <a:off x="2286000" y="1776005"/>
+                <a:ext cx="2110154" cy="553998"/>
+              </a:xfrm>
+              <a:prstGeom prst="roundRect">
+                <a:avLst/>
+              </a:prstGeom>
+              <a:noFill/>
+              <a:ln w="57150">
+                <a:solidFill>
+                  <a:schemeClr val="tx1"/>
+                </a:solidFill>
+              </a:ln>
+            </p:spPr>
+            <p:style>
+              <a:lnRef idx="2">
+                <a:schemeClr val="accent1">
+                  <a:shade val="50000"/>
+                </a:schemeClr>
+              </a:lnRef>
+              <a:fillRef idx="1">
+                <a:schemeClr val="accent1"/>
+              </a:fillRef>
+              <a:effectRef idx="0">
+                <a:schemeClr val="accent1"/>
+              </a:effectRef>
+              <a:fontRef idx="minor">
+                <a:schemeClr val="lt1"/>
+              </a:fontRef>
+            </p:style>
+            <p:txBody>
+              <a:bodyPr rtlCol="0" anchor="ctr"/>
+              <a:lstStyle/>
+              <a:p>
+                <a:pPr algn="ctr"/>
+                <a:endParaRPr lang="en-US"/>
+              </a:p>
+            </p:txBody>
+          </p:sp>
+          <p:sp>
+            <p:nvSpPr>
+              <p:cNvPr id="130" name="TextBox 129"/>
+              <p:cNvSpPr txBox="1"/>
+              <p:nvPr/>
+            </p:nvSpPr>
+            <p:spPr>
+              <a:xfrm>
+                <a:off x="2369527" y="1868338"/>
+                <a:ext cx="1943100" cy="646331"/>
+              </a:xfrm>
+              <a:prstGeom prst="rect">
+                <a:avLst/>
+              </a:prstGeom>
+              <a:noFill/>
+            </p:spPr>
+            <p:txBody>
+              <a:bodyPr wrap="square" rtlCol="0">
+                <a:spAutoFit/>
+              </a:bodyPr>
+              <a:lstStyle/>
+              <a:p>
+                <a:r>
+                  <a:rPr lang="en-US" dirty="0" smtClean="0"/>
+                  <a:t>Output landmark set</a:t>
+                </a:r>
+                <a:endParaRPr lang="en-US" dirty="0"/>
+              </a:p>
+            </p:txBody>
+          </p:sp>
+        </p:grpSp>
+        <p:cxnSp>
+          <p:nvCxnSpPr>
+            <p:cNvPr id="132" name="Straight Arrow Connector 131"/>
+            <p:cNvCxnSpPr>
+              <a:stCxn id="124" idx="4"/>
+              <a:endCxn id="129" idx="0"/>
+            </p:cNvCxnSpPr>
+            <p:nvPr/>
+          </p:nvCxnSpPr>
+          <p:spPr>
+            <a:xfrm flipH="1">
+              <a:off x="10626350" y="5024749"/>
+              <a:ext cx="331" cy="619078"/>
+            </a:xfrm>
+            <a:prstGeom prst="straightConnector1">
+              <a:avLst/>
+            </a:prstGeom>
+            <a:ln w="57150">
+              <a:solidFill>
+                <a:schemeClr val="tx1"/>
+              </a:solidFill>
+              <a:tailEnd type="triangle"/>
+            </a:ln>
+          </p:spPr>
+          <p:style>
+            <a:lnRef idx="1">
+              <a:schemeClr val="accent1"/>
+            </a:lnRef>
+            <a:fillRef idx="0">
+              <a:schemeClr val="accent1"/>
+            </a:fillRef>
+            <a:effectRef idx="0">
+              <a:schemeClr val="accent1"/>
+            </a:effectRef>
+            <a:fontRef idx="minor">
+              <a:schemeClr val="tx1"/>
+            </a:fontRef>
+          </p:style>
+        </p:cxnSp>
+        <p:cxnSp>
+          <p:nvCxnSpPr>
+            <p:cNvPr id="134" name="Straight Arrow Connector 133"/>
+            <p:cNvCxnSpPr>
+              <a:stCxn id="40" idx="3"/>
+              <a:endCxn id="43" idx="2"/>
+            </p:cNvCxnSpPr>
+            <p:nvPr/>
+          </p:nvCxnSpPr>
+          <p:spPr>
+            <a:xfrm flipV="1">
+              <a:off x="5613154" y="4605538"/>
+              <a:ext cx="806036" cy="1"/>
+            </a:xfrm>
+            <a:prstGeom prst="straightConnector1">
+              <a:avLst/>
+            </a:prstGeom>
+            <a:ln w="57150">
+              <a:solidFill>
+                <a:schemeClr val="tx1"/>
+              </a:solidFill>
+              <a:tailEnd type="triangle"/>
+            </a:ln>
+          </p:spPr>
+          <p:style>
+            <a:lnRef idx="1">
+              <a:schemeClr val="accent1"/>
+            </a:lnRef>
+            <a:fillRef idx="0">
+              <a:schemeClr val="accent1"/>
+            </a:fillRef>
+            <a:effectRef idx="0">
+              <a:schemeClr val="accent1"/>
+            </a:effectRef>
+            <a:fontRef idx="minor">
+              <a:schemeClr val="tx1"/>
+            </a:fontRef>
+          </p:style>
+        </p:cxnSp>
+      </p:grpSp>
+    </p:spTree>
+    <p:extLst>
+      <p:ext uri="{BB962C8B-B14F-4D97-AF65-F5344CB8AC3E}">
+        <p14:creationId xmlns:p14="http://schemas.microsoft.com/office/powerpoint/2010/main" val="3333418677"/>
+      </p:ext>
+    </p:extLst>
+  </p:cSld>
+  <p:clrMapOvr>
+    <a:masterClrMapping/>
+  </p:clrMapOvr>
+  <p:timing>
+    <p:tnLst>
+      <p:par>
+        <p:cTn id="1" dur="indefinite" restart="never" nodeType="tmRoot"/>
+      </p:par>
+    </p:tnLst>
+  </p:timing>
+</p:sld>
+</file>
+
+<file path=ppt/slides/slide2.xml><?xml version="1.0" encoding="utf-8"?>
+<p:sld xmlns:a="http://schemas.openxmlformats.org/drawingml/2006/main" xmlns:r="http://schemas.openxmlformats.org/officeDocument/2006/relationships" xmlns:p="http://schemas.openxmlformats.org/presentationml/2006/main">
+  <p:cSld>
+    <p:spTree>
+      <p:nvGrpSpPr>
+        <p:cNvPr id="1" name=""/>
+        <p:cNvGrpSpPr/>
+        <p:nvPr/>
+      </p:nvGrpSpPr>
+      <p:grpSpPr>
+        <a:xfrm>
+          <a:off x="0" y="0"/>
+          <a:ext cx="0" cy="0"/>
+          <a:chOff x="0" y="0"/>
+          <a:chExt cx="0" cy="0"/>
+        </a:xfrm>
+      </p:grpSpPr>
+      <p:grpSp>
+        <p:nvGrpSpPr>
+          <p:cNvPr id="106" name="Group 105"/>
+          <p:cNvGrpSpPr/>
+          <p:nvPr/>
+        </p:nvGrpSpPr>
+        <p:grpSpPr>
+          <a:xfrm>
+            <a:off x="332308" y="-2543895"/>
+            <a:ext cx="8157140" cy="12772751"/>
+            <a:chOff x="332308" y="-2543895"/>
+            <a:chExt cx="8157140" cy="12772751"/>
+          </a:xfrm>
+        </p:grpSpPr>
+        <p:grpSp>
+          <p:nvGrpSpPr>
+            <p:cNvPr id="3" name="Group 2"/>
+            <p:cNvGrpSpPr/>
+            <p:nvPr/>
+          </p:nvGrpSpPr>
+          <p:grpSpPr>
+            <a:xfrm>
+              <a:off x="3336529" y="-2543895"/>
+              <a:ext cx="2110154" cy="550087"/>
+              <a:chOff x="2286000" y="1779915"/>
+              <a:chExt cx="2110154" cy="550087"/>
+            </a:xfrm>
+          </p:grpSpPr>
+          <p:sp>
+            <p:nvSpPr>
+              <p:cNvPr id="65" name="Rounded Rectangle 64"/>
+              <p:cNvSpPr/>
+              <p:nvPr/>
+            </p:nvSpPr>
+            <p:spPr>
+              <a:xfrm>
+                <a:off x="2286000" y="1779915"/>
+                <a:ext cx="2110154" cy="550087"/>
+              </a:xfrm>
+              <a:prstGeom prst="roundRect">
+                <a:avLst/>
+              </a:prstGeom>
+              <a:noFill/>
+              <a:ln w="57150">
+                <a:solidFill>
+                  <a:schemeClr val="tx1"/>
+                </a:solidFill>
+              </a:ln>
+            </p:spPr>
+            <p:style>
+              <a:lnRef idx="2">
+                <a:schemeClr val="accent1">
+                  <a:shade val="50000"/>
+                </a:schemeClr>
+              </a:lnRef>
+              <a:fillRef idx="1">
+                <a:schemeClr val="accent1"/>
+              </a:fillRef>
+              <a:effectRef idx="0">
+                <a:schemeClr val="accent1"/>
+              </a:effectRef>
+              <a:fontRef idx="minor">
+                <a:schemeClr val="lt1"/>
+              </a:fontRef>
+            </p:style>
+            <p:txBody>
+              <a:bodyPr rtlCol="0" anchor="ctr"/>
+              <a:lstStyle/>
+              <a:p>
+                <a:pPr algn="ctr"/>
+                <a:endParaRPr lang="en-US"/>
+              </a:p>
+            </p:txBody>
+          </p:sp>
+          <p:sp>
+            <p:nvSpPr>
+              <p:cNvPr id="66" name="TextBox 65"/>
+              <p:cNvSpPr txBox="1"/>
+              <p:nvPr/>
+            </p:nvSpPr>
+            <p:spPr>
+              <a:xfrm>
+                <a:off x="2369527" y="1868338"/>
+                <a:ext cx="1943100" cy="369332"/>
+              </a:xfrm>
+              <a:prstGeom prst="rect">
+                <a:avLst/>
+              </a:prstGeom>
+              <a:noFill/>
+            </p:spPr>
+            <p:txBody>
+              <a:bodyPr wrap="square" rtlCol="0">
+                <a:spAutoFit/>
+              </a:bodyPr>
+              <a:lstStyle/>
+              <a:p>
+                <a:r>
+                  <a:rPr lang="en-US" dirty="0" smtClean="0"/>
+                  <a:t>Input landmark set</a:t>
+                </a:r>
+                <a:endParaRPr lang="en-US" dirty="0"/>
+              </a:p>
+            </p:txBody>
+          </p:sp>
+        </p:grpSp>
+        <p:grpSp>
+          <p:nvGrpSpPr>
+            <p:cNvPr id="4" name="Group 3"/>
+            <p:cNvGrpSpPr/>
+            <p:nvPr/>
+          </p:nvGrpSpPr>
+          <p:grpSpPr>
+            <a:xfrm>
+              <a:off x="3190264" y="-1576269"/>
+              <a:ext cx="2403840" cy="837578"/>
+              <a:chOff x="4989633" y="1449549"/>
+              <a:chExt cx="2403840" cy="837578"/>
+            </a:xfrm>
+          </p:grpSpPr>
+          <p:sp>
+            <p:nvSpPr>
+              <p:cNvPr id="63" name="Oval 62"/>
+              <p:cNvSpPr/>
+              <p:nvPr/>
+            </p:nvSpPr>
+            <p:spPr>
+              <a:xfrm>
+                <a:off x="4989633" y="1449549"/>
+                <a:ext cx="2403840" cy="837578"/>
+              </a:xfrm>
+              <a:prstGeom prst="ellipse">
+                <a:avLst/>
+              </a:prstGeom>
+              <a:noFill/>
+              <a:ln w="57150">
+                <a:solidFill>
+                  <a:schemeClr val="tx1"/>
+                </a:solidFill>
+              </a:ln>
+            </p:spPr>
+            <p:style>
+              <a:lnRef idx="2">
+                <a:schemeClr val="accent1">
+                  <a:shade val="50000"/>
+                </a:schemeClr>
+              </a:lnRef>
+              <a:fillRef idx="1">
+                <a:schemeClr val="accent1"/>
+              </a:fillRef>
+              <a:effectRef idx="0">
+                <a:schemeClr val="accent1"/>
+              </a:effectRef>
+              <a:fontRef idx="minor">
+                <a:schemeClr val="lt1"/>
+              </a:fontRef>
+            </p:style>
+            <p:txBody>
+              <a:bodyPr rtlCol="0" anchor="ctr"/>
+              <a:lstStyle/>
+              <a:p>
+                <a:pPr algn="ctr"/>
+                <a:endParaRPr lang="en-US"/>
+              </a:p>
+            </p:txBody>
+          </p:sp>
+          <p:sp>
+            <p:nvSpPr>
+              <p:cNvPr id="64" name="TextBox 63"/>
+              <p:cNvSpPr txBox="1"/>
+              <p:nvPr/>
+            </p:nvSpPr>
+            <p:spPr>
+              <a:xfrm>
+                <a:off x="5037562" y="1591339"/>
+                <a:ext cx="2307981" cy="646331"/>
+              </a:xfrm>
+              <a:prstGeom prst="rect">
+                <a:avLst/>
+              </a:prstGeom>
+              <a:noFill/>
+            </p:spPr>
+            <p:txBody>
+              <a:bodyPr wrap="square" rtlCol="0" anchor="ctr" anchorCtr="0">
+                <a:spAutoFit/>
+              </a:bodyPr>
+              <a:lstStyle/>
+              <a:p>
+                <a:pPr algn="ctr"/>
+                <a:r>
+                  <a:rPr lang="en-US" dirty="0" smtClean="0"/>
+                  <a:t>Identify left and right sides</a:t>
+                </a:r>
+                <a:endParaRPr lang="en-US" dirty="0"/>
+              </a:p>
+            </p:txBody>
+          </p:sp>
+        </p:grpSp>
+        <p:grpSp>
+          <p:nvGrpSpPr>
+            <p:cNvPr id="5" name="Group 4"/>
+            <p:cNvGrpSpPr/>
+            <p:nvPr/>
+          </p:nvGrpSpPr>
+          <p:grpSpPr>
+            <a:xfrm>
+              <a:off x="3340350" y="-266166"/>
+              <a:ext cx="2110154" cy="646332"/>
+              <a:chOff x="2286000" y="1868337"/>
+              <a:chExt cx="2110154" cy="646332"/>
+            </a:xfrm>
+          </p:grpSpPr>
+          <p:sp>
+            <p:nvSpPr>
+              <p:cNvPr id="61" name="Rounded Rectangle 60"/>
+              <p:cNvSpPr/>
+              <p:nvPr/>
+            </p:nvSpPr>
+            <p:spPr>
+              <a:xfrm>
+                <a:off x="2286000" y="1868337"/>
+                <a:ext cx="2110154" cy="646331"/>
+              </a:xfrm>
+              <a:prstGeom prst="roundRect">
+                <a:avLst/>
+              </a:prstGeom>
+              <a:noFill/>
+              <a:ln w="57150">
+                <a:solidFill>
+                  <a:schemeClr val="tx1"/>
+                </a:solidFill>
+              </a:ln>
+            </p:spPr>
+            <p:style>
+              <a:lnRef idx="2">
+                <a:schemeClr val="accent1">
+                  <a:shade val="50000"/>
+                </a:schemeClr>
+              </a:lnRef>
+              <a:fillRef idx="1">
+                <a:schemeClr val="accent1"/>
+              </a:fillRef>
+              <a:effectRef idx="0">
+                <a:schemeClr val="accent1"/>
+              </a:effectRef>
+              <a:fontRef idx="minor">
+                <a:schemeClr val="lt1"/>
+              </a:fontRef>
+            </p:style>
+            <p:txBody>
+              <a:bodyPr rtlCol="0" anchor="ctr"/>
+              <a:lstStyle/>
+              <a:p>
+                <a:pPr algn="ctr"/>
+                <a:endParaRPr lang="en-US"/>
+              </a:p>
+            </p:txBody>
+          </p:sp>
+          <p:sp>
+            <p:nvSpPr>
+              <p:cNvPr id="62" name="TextBox 61"/>
+              <p:cNvSpPr txBox="1"/>
+              <p:nvPr/>
+            </p:nvSpPr>
+            <p:spPr>
+              <a:xfrm>
+                <a:off x="2369527" y="1868338"/>
+                <a:ext cx="1943100" cy="646331"/>
+              </a:xfrm>
+              <a:prstGeom prst="rect">
+                <a:avLst/>
+              </a:prstGeom>
+              <a:noFill/>
+            </p:spPr>
+            <p:txBody>
+              <a:bodyPr wrap="square" rtlCol="0">
+                <a:spAutoFit/>
+              </a:bodyPr>
+              <a:lstStyle/>
+              <a:p>
+                <a:pPr algn="ctr"/>
+                <a:r>
+                  <a:rPr lang="en-US" dirty="0" smtClean="0"/>
+                  <a:t>Left or right </a:t>
+                </a:r>
+                <a:br>
+                  <a:rPr lang="en-US" dirty="0" smtClean="0"/>
+                </a:br>
+                <a:r>
+                  <a:rPr lang="en-US" dirty="0" smtClean="0"/>
+                  <a:t>side landmarks</a:t>
+                </a:r>
+                <a:endParaRPr lang="en-US" dirty="0"/>
+              </a:p>
+            </p:txBody>
+          </p:sp>
+        </p:grpSp>
+        <p:grpSp>
+          <p:nvGrpSpPr>
+            <p:cNvPr id="6" name="Group 5"/>
+            <p:cNvGrpSpPr/>
+            <p:nvPr/>
+          </p:nvGrpSpPr>
+          <p:grpSpPr>
+            <a:xfrm>
+              <a:off x="332308" y="-361760"/>
+              <a:ext cx="2403840" cy="837578"/>
+              <a:chOff x="4989633" y="1449549"/>
+              <a:chExt cx="2403840" cy="837578"/>
+            </a:xfrm>
+          </p:grpSpPr>
+          <p:sp>
+            <p:nvSpPr>
+              <p:cNvPr id="59" name="Oval 58"/>
+              <p:cNvSpPr/>
+              <p:nvPr/>
+            </p:nvSpPr>
+            <p:spPr>
+              <a:xfrm>
+                <a:off x="4989633" y="1449549"/>
+                <a:ext cx="2403840" cy="837578"/>
+              </a:xfrm>
+              <a:prstGeom prst="ellipse">
+                <a:avLst/>
+              </a:prstGeom>
+              <a:noFill/>
+              <a:ln w="57150">
+                <a:solidFill>
+                  <a:schemeClr val="tx1"/>
+                </a:solidFill>
+              </a:ln>
+            </p:spPr>
+            <p:style>
+              <a:lnRef idx="2">
+                <a:schemeClr val="accent1">
+                  <a:shade val="50000"/>
+                </a:schemeClr>
+              </a:lnRef>
+              <a:fillRef idx="1">
+                <a:schemeClr val="accent1"/>
+              </a:fillRef>
+              <a:effectRef idx="0">
+                <a:schemeClr val="accent1"/>
+              </a:effectRef>
+              <a:fontRef idx="minor">
+                <a:schemeClr val="lt1"/>
+              </a:fontRef>
+            </p:style>
+            <p:txBody>
+              <a:bodyPr rtlCol="0" anchor="ctr"/>
+              <a:lstStyle/>
+              <a:p>
+                <a:pPr algn="ctr"/>
+                <a:endParaRPr lang="en-US"/>
+              </a:p>
+            </p:txBody>
+          </p:sp>
+          <p:sp>
+            <p:nvSpPr>
+              <p:cNvPr id="60" name="TextBox 59"/>
+              <p:cNvSpPr txBox="1"/>
+              <p:nvPr/>
+            </p:nvSpPr>
+            <p:spPr>
+              <a:xfrm>
+                <a:off x="5037562" y="1591339"/>
+                <a:ext cx="2307981" cy="646331"/>
+              </a:xfrm>
+              <a:prstGeom prst="rect">
+                <a:avLst/>
+              </a:prstGeom>
+              <a:noFill/>
+            </p:spPr>
+            <p:txBody>
+              <a:bodyPr wrap="square" rtlCol="0" anchor="ctr" anchorCtr="0">
+                <a:spAutoFit/>
+              </a:bodyPr>
+              <a:lstStyle/>
+              <a:p>
+                <a:pPr algn="ctr"/>
+                <a:r>
+                  <a:rPr lang="en-US" dirty="0" smtClean="0"/>
+                  <a:t>Fit polynomial to landmarks</a:t>
+                </a:r>
+                <a:endParaRPr lang="en-US" dirty="0"/>
+              </a:p>
+            </p:txBody>
+          </p:sp>
+        </p:grpSp>
+        <p:grpSp>
+          <p:nvGrpSpPr>
+            <p:cNvPr id="7" name="Group 6"/>
+            <p:cNvGrpSpPr/>
+            <p:nvPr/>
+          </p:nvGrpSpPr>
+          <p:grpSpPr>
+            <a:xfrm>
+              <a:off x="483856" y="872746"/>
+              <a:ext cx="2110154" cy="646332"/>
+              <a:chOff x="2286000" y="1868337"/>
+              <a:chExt cx="2110154" cy="646332"/>
+            </a:xfrm>
+          </p:grpSpPr>
+          <p:sp>
+            <p:nvSpPr>
+              <p:cNvPr id="57" name="Rounded Rectangle 56"/>
+              <p:cNvSpPr/>
+              <p:nvPr/>
+            </p:nvSpPr>
+            <p:spPr>
+              <a:xfrm>
+                <a:off x="2286000" y="1868337"/>
+                <a:ext cx="2110154" cy="646331"/>
+              </a:xfrm>
+              <a:prstGeom prst="roundRect">
+                <a:avLst/>
+              </a:prstGeom>
+              <a:noFill/>
+              <a:ln w="57150">
+                <a:solidFill>
+                  <a:schemeClr val="tx1"/>
+                </a:solidFill>
+              </a:ln>
+            </p:spPr>
+            <p:style>
+              <a:lnRef idx="2">
+                <a:schemeClr val="accent1">
+                  <a:shade val="50000"/>
+                </a:schemeClr>
+              </a:lnRef>
+              <a:fillRef idx="1">
+                <a:schemeClr val="accent1"/>
+              </a:fillRef>
+              <a:effectRef idx="0">
+                <a:schemeClr val="accent1"/>
+              </a:effectRef>
+              <a:fontRef idx="minor">
+                <a:schemeClr val="lt1"/>
+              </a:fontRef>
+            </p:style>
+            <p:txBody>
+              <a:bodyPr rtlCol="0" anchor="ctr"/>
+              <a:lstStyle/>
+              <a:p>
+                <a:pPr algn="ctr"/>
+                <a:endParaRPr lang="en-US"/>
+              </a:p>
+            </p:txBody>
+          </p:sp>
+          <p:sp>
+            <p:nvSpPr>
+              <p:cNvPr id="58" name="TextBox 57"/>
+              <p:cNvSpPr txBox="1"/>
+              <p:nvPr/>
+            </p:nvSpPr>
+            <p:spPr>
+              <a:xfrm>
+                <a:off x="2369527" y="1868338"/>
+                <a:ext cx="1943100" cy="646331"/>
+              </a:xfrm>
+              <a:prstGeom prst="rect">
+                <a:avLst/>
+              </a:prstGeom>
+              <a:noFill/>
+            </p:spPr>
+            <p:txBody>
+              <a:bodyPr wrap="square" rtlCol="0">
+                <a:spAutoFit/>
+              </a:bodyPr>
+              <a:lstStyle/>
+              <a:p>
+                <a:pPr algn="ctr"/>
+                <a:r>
+                  <a:rPr lang="en-US" dirty="0" smtClean="0"/>
+                  <a:t>Landmarks polynomial fit</a:t>
+                </a:r>
+                <a:endParaRPr lang="en-US" dirty="0"/>
+              </a:p>
+            </p:txBody>
+          </p:sp>
+        </p:grpSp>
+        <p:grpSp>
+          <p:nvGrpSpPr>
+            <p:cNvPr id="8" name="Group 7"/>
+            <p:cNvGrpSpPr/>
+            <p:nvPr/>
+          </p:nvGrpSpPr>
+          <p:grpSpPr>
+            <a:xfrm>
+              <a:off x="3202403" y="774479"/>
+              <a:ext cx="2403840" cy="837578"/>
+              <a:chOff x="4989633" y="1449549"/>
+              <a:chExt cx="2403840" cy="837578"/>
+            </a:xfrm>
+          </p:grpSpPr>
+          <p:sp>
+            <p:nvSpPr>
+              <p:cNvPr id="55" name="Oval 54"/>
+              <p:cNvSpPr/>
+              <p:nvPr/>
+            </p:nvSpPr>
+            <p:spPr>
+              <a:xfrm>
+                <a:off x="4989633" y="1449549"/>
+                <a:ext cx="2403840" cy="837578"/>
+              </a:xfrm>
+              <a:prstGeom prst="ellipse">
+                <a:avLst/>
+              </a:prstGeom>
+              <a:noFill/>
+              <a:ln w="57150">
+                <a:solidFill>
+                  <a:schemeClr val="tx1"/>
+                </a:solidFill>
+              </a:ln>
+            </p:spPr>
+            <p:style>
+              <a:lnRef idx="2">
+                <a:schemeClr val="accent1">
+                  <a:shade val="50000"/>
+                </a:schemeClr>
+              </a:lnRef>
+              <a:fillRef idx="1">
+                <a:schemeClr val="accent1"/>
+              </a:fillRef>
+              <a:effectRef idx="0">
+                <a:schemeClr val="accent1"/>
+              </a:effectRef>
+              <a:fontRef idx="minor">
+                <a:schemeClr val="lt1"/>
+              </a:fontRef>
+            </p:style>
+            <p:txBody>
+              <a:bodyPr rtlCol="0" anchor="ctr"/>
+              <a:lstStyle/>
+              <a:p>
+                <a:pPr algn="ctr"/>
+                <a:endParaRPr lang="en-US"/>
+              </a:p>
+            </p:txBody>
+          </p:sp>
+          <p:sp>
+            <p:nvSpPr>
+              <p:cNvPr id="56" name="TextBox 55"/>
+              <p:cNvSpPr txBox="1"/>
+              <p:nvPr/>
+            </p:nvSpPr>
+            <p:spPr>
+              <a:xfrm>
+                <a:off x="5073160" y="1535429"/>
+                <a:ext cx="2307981" cy="646331"/>
+              </a:xfrm>
+              <a:prstGeom prst="rect">
+                <a:avLst/>
+              </a:prstGeom>
+              <a:noFill/>
+            </p:spPr>
+            <p:txBody>
+              <a:bodyPr wrap="square" rtlCol="0" anchor="ctr" anchorCtr="0">
+                <a:spAutoFit/>
+              </a:bodyPr>
+              <a:lstStyle/>
+              <a:p>
+                <a:pPr algn="ctr"/>
+                <a:r>
+                  <a:rPr lang="en-US" dirty="0" smtClean="0"/>
+                  <a:t>Fit polynomial to landmark spacing</a:t>
+                </a:r>
+                <a:endParaRPr lang="en-US" dirty="0"/>
+              </a:p>
+            </p:txBody>
+          </p:sp>
+        </p:grpSp>
+        <p:cxnSp>
+          <p:nvCxnSpPr>
+            <p:cNvPr id="9" name="Straight Arrow Connector 8"/>
+            <p:cNvCxnSpPr>
+              <a:stCxn id="65" idx="2"/>
+              <a:endCxn id="63" idx="0"/>
+            </p:cNvCxnSpPr>
+            <p:nvPr/>
+          </p:nvCxnSpPr>
+          <p:spPr>
+            <a:xfrm>
+              <a:off x="4391606" y="-1993808"/>
+              <a:ext cx="578" cy="417539"/>
+            </a:xfrm>
+            <a:prstGeom prst="straightConnector1">
+              <a:avLst/>
+            </a:prstGeom>
+            <a:ln w="57150">
+              <a:solidFill>
+                <a:schemeClr val="tx1"/>
+              </a:solidFill>
+              <a:tailEnd type="triangle"/>
+            </a:ln>
+          </p:spPr>
+          <p:style>
+            <a:lnRef idx="1">
+              <a:schemeClr val="accent1"/>
+            </a:lnRef>
+            <a:fillRef idx="0">
+              <a:schemeClr val="accent1"/>
+            </a:fillRef>
+            <a:effectRef idx="0">
+              <a:schemeClr val="accent1"/>
+            </a:effectRef>
+            <a:fontRef idx="minor">
+              <a:schemeClr val="tx1"/>
+            </a:fontRef>
+          </p:style>
+        </p:cxnSp>
+        <p:cxnSp>
+          <p:nvCxnSpPr>
+            <p:cNvPr id="10" name="Straight Arrow Connector 9"/>
+            <p:cNvCxnSpPr>
+              <a:stCxn id="63" idx="4"/>
+              <a:endCxn id="61" idx="0"/>
+            </p:cNvCxnSpPr>
+            <p:nvPr/>
+          </p:nvCxnSpPr>
+          <p:spPr>
+            <a:xfrm>
+              <a:off x="4392184" y="-738691"/>
+              <a:ext cx="3243" cy="472525"/>
+            </a:xfrm>
+            <a:prstGeom prst="straightConnector1">
+              <a:avLst/>
+            </a:prstGeom>
+            <a:ln w="57150">
+              <a:solidFill>
+                <a:schemeClr val="tx1"/>
+              </a:solidFill>
+              <a:tailEnd type="triangle"/>
+            </a:ln>
+          </p:spPr>
+          <p:style>
+            <a:lnRef idx="1">
+              <a:schemeClr val="accent1"/>
+            </a:lnRef>
+            <a:fillRef idx="0">
+              <a:schemeClr val="accent1"/>
+            </a:fillRef>
+            <a:effectRef idx="0">
+              <a:schemeClr val="accent1"/>
+            </a:effectRef>
+            <a:fontRef idx="minor">
+              <a:schemeClr val="tx1"/>
+            </a:fontRef>
+          </p:style>
+        </p:cxnSp>
+        <p:cxnSp>
+          <p:nvCxnSpPr>
+            <p:cNvPr id="11" name="Straight Arrow Connector 10"/>
+            <p:cNvCxnSpPr>
+              <a:stCxn id="61" idx="1"/>
+              <a:endCxn id="59" idx="6"/>
+            </p:cNvCxnSpPr>
+            <p:nvPr/>
+          </p:nvCxnSpPr>
+          <p:spPr>
+            <a:xfrm flipH="1">
+              <a:off x="2736148" y="57000"/>
+              <a:ext cx="604202" cy="29"/>
+            </a:xfrm>
+            <a:prstGeom prst="straightConnector1">
+              <a:avLst/>
+            </a:prstGeom>
+            <a:ln w="57150">
+              <a:solidFill>
+                <a:schemeClr val="tx1"/>
+              </a:solidFill>
+              <a:tailEnd type="triangle"/>
+            </a:ln>
+          </p:spPr>
+          <p:style>
+            <a:lnRef idx="1">
+              <a:schemeClr val="accent1"/>
+            </a:lnRef>
+            <a:fillRef idx="0">
+              <a:schemeClr val="accent1"/>
+            </a:fillRef>
+            <a:effectRef idx="0">
+              <a:schemeClr val="accent1"/>
+            </a:effectRef>
+            <a:fontRef idx="minor">
+              <a:schemeClr val="tx1"/>
+            </a:fontRef>
+          </p:style>
+        </p:cxnSp>
+        <p:cxnSp>
+          <p:nvCxnSpPr>
+            <p:cNvPr id="12" name="Straight Arrow Connector 11"/>
+            <p:cNvCxnSpPr>
+              <a:stCxn id="59" idx="4"/>
+              <a:endCxn id="58" idx="0"/>
+            </p:cNvCxnSpPr>
+            <p:nvPr/>
+          </p:nvCxnSpPr>
+          <p:spPr>
+            <a:xfrm>
+              <a:off x="1534228" y="475818"/>
+              <a:ext cx="4705" cy="396929"/>
+            </a:xfrm>
+            <a:prstGeom prst="straightConnector1">
+              <a:avLst/>
+            </a:prstGeom>
+            <a:ln w="57150">
+              <a:solidFill>
+                <a:schemeClr val="tx1"/>
+              </a:solidFill>
+              <a:tailEnd type="triangle"/>
+            </a:ln>
+          </p:spPr>
+          <p:style>
+            <a:lnRef idx="1">
+              <a:schemeClr val="accent1"/>
+            </a:lnRef>
+            <a:fillRef idx="0">
+              <a:schemeClr val="accent1"/>
+            </a:fillRef>
+            <a:effectRef idx="0">
+              <a:schemeClr val="accent1"/>
+            </a:effectRef>
+            <a:fontRef idx="minor">
+              <a:schemeClr val="tx1"/>
+            </a:fontRef>
+          </p:style>
+        </p:cxnSp>
+        <p:cxnSp>
+          <p:nvCxnSpPr>
+            <p:cNvPr id="13" name="Straight Arrow Connector 12"/>
+            <p:cNvCxnSpPr>
+              <a:stCxn id="62" idx="2"/>
+              <a:endCxn id="55" idx="0"/>
+            </p:cNvCxnSpPr>
+            <p:nvPr/>
+          </p:nvCxnSpPr>
+          <p:spPr>
+            <a:xfrm>
+              <a:off x="4395427" y="380166"/>
+              <a:ext cx="8896" cy="394313"/>
+            </a:xfrm>
+            <a:prstGeom prst="straightConnector1">
+              <a:avLst/>
+            </a:prstGeom>
+            <a:ln w="57150">
+              <a:solidFill>
+                <a:schemeClr val="tx1"/>
+              </a:solidFill>
+              <a:tailEnd type="triangle"/>
+            </a:ln>
+          </p:spPr>
+          <p:style>
+            <a:lnRef idx="1">
+              <a:schemeClr val="accent1"/>
+            </a:lnRef>
+            <a:fillRef idx="0">
+              <a:schemeClr val="accent1"/>
+            </a:fillRef>
+            <a:effectRef idx="0">
+              <a:schemeClr val="accent1"/>
+            </a:effectRef>
+            <a:fontRef idx="minor">
+              <a:schemeClr val="tx1"/>
+            </a:fontRef>
+          </p:style>
+        </p:cxnSp>
+        <p:grpSp>
+          <p:nvGrpSpPr>
+            <p:cNvPr id="14" name="Group 13"/>
+            <p:cNvGrpSpPr/>
+            <p:nvPr/>
+          </p:nvGrpSpPr>
+          <p:grpSpPr>
+            <a:xfrm>
+              <a:off x="3350600" y="2015423"/>
+              <a:ext cx="2110154" cy="646332"/>
+              <a:chOff x="2286000" y="1868337"/>
+              <a:chExt cx="2110154" cy="646332"/>
+            </a:xfrm>
+          </p:grpSpPr>
+          <p:sp>
+            <p:nvSpPr>
+              <p:cNvPr id="53" name="Rounded Rectangle 52"/>
+              <p:cNvSpPr/>
+              <p:nvPr/>
+            </p:nvSpPr>
+            <p:spPr>
+              <a:xfrm>
+                <a:off x="2286000" y="1868337"/>
+                <a:ext cx="2110154" cy="646331"/>
+              </a:xfrm>
+              <a:prstGeom prst="roundRect">
+                <a:avLst/>
+              </a:prstGeom>
+              <a:noFill/>
+              <a:ln w="57150">
+                <a:solidFill>
+                  <a:schemeClr val="tx1"/>
+                </a:solidFill>
+              </a:ln>
+            </p:spPr>
+            <p:style>
+              <a:lnRef idx="2">
+                <a:schemeClr val="accent1">
+                  <a:shade val="50000"/>
+                </a:schemeClr>
+              </a:lnRef>
+              <a:fillRef idx="1">
+                <a:schemeClr val="accent1"/>
+              </a:fillRef>
+              <a:effectRef idx="0">
+                <a:schemeClr val="accent1"/>
+              </a:effectRef>
+              <a:fontRef idx="minor">
+                <a:schemeClr val="lt1"/>
+              </a:fontRef>
+            </p:style>
+            <p:txBody>
+              <a:bodyPr rtlCol="0" anchor="ctr"/>
+              <a:lstStyle/>
+              <a:p>
+                <a:pPr algn="ctr"/>
+                <a:endParaRPr lang="en-US"/>
+              </a:p>
+            </p:txBody>
+          </p:sp>
+          <p:sp>
+            <p:nvSpPr>
+              <p:cNvPr id="54" name="TextBox 53"/>
+              <p:cNvSpPr txBox="1"/>
+              <p:nvPr/>
+            </p:nvSpPr>
+            <p:spPr>
+              <a:xfrm>
+                <a:off x="2369527" y="1868338"/>
+                <a:ext cx="1943100" cy="646331"/>
+              </a:xfrm>
+              <a:prstGeom prst="rect">
+                <a:avLst/>
+              </a:prstGeom>
+              <a:noFill/>
+            </p:spPr>
+            <p:txBody>
+              <a:bodyPr wrap="square" rtlCol="0">
+                <a:spAutoFit/>
+              </a:bodyPr>
+              <a:lstStyle/>
+              <a:p>
+                <a:pPr algn="ctr"/>
+                <a:r>
+                  <a:rPr lang="en-US" dirty="0" smtClean="0"/>
+                  <a:t>Spacing polynomial fit</a:t>
+                </a:r>
+                <a:endParaRPr lang="en-US" dirty="0"/>
+              </a:p>
+            </p:txBody>
+          </p:sp>
+        </p:grpSp>
+        <p:grpSp>
+          <p:nvGrpSpPr>
+            <p:cNvPr id="15" name="Group 14"/>
+            <p:cNvGrpSpPr/>
+            <p:nvPr/>
+          </p:nvGrpSpPr>
+          <p:grpSpPr>
+            <a:xfrm>
+              <a:off x="3075786" y="3099655"/>
+              <a:ext cx="2675048" cy="888046"/>
+              <a:chOff x="4989633" y="1407201"/>
+              <a:chExt cx="2403840" cy="837578"/>
+            </a:xfrm>
+          </p:grpSpPr>
+          <p:sp>
+            <p:nvSpPr>
+              <p:cNvPr id="51" name="Oval 50"/>
+              <p:cNvSpPr/>
+              <p:nvPr/>
+            </p:nvSpPr>
+            <p:spPr>
+              <a:xfrm>
+                <a:off x="4989633" y="1407201"/>
+                <a:ext cx="2403840" cy="837578"/>
+              </a:xfrm>
+              <a:prstGeom prst="ellipse">
+                <a:avLst/>
+              </a:prstGeom>
+              <a:noFill/>
+              <a:ln w="57150">
+                <a:solidFill>
+                  <a:schemeClr val="tx1"/>
+                </a:solidFill>
+              </a:ln>
+            </p:spPr>
+            <p:style>
+              <a:lnRef idx="2">
+                <a:schemeClr val="accent1">
+                  <a:shade val="50000"/>
+                </a:schemeClr>
+              </a:lnRef>
+              <a:fillRef idx="1">
+                <a:schemeClr val="accent1"/>
+              </a:fillRef>
+              <a:effectRef idx="0">
+                <a:schemeClr val="accent1"/>
+              </a:effectRef>
+              <a:fontRef idx="minor">
+                <a:schemeClr val="lt1"/>
+              </a:fontRef>
+            </p:style>
+            <p:txBody>
+              <a:bodyPr rtlCol="0" anchor="ctr"/>
+              <a:lstStyle/>
+              <a:p>
+                <a:pPr algn="ctr"/>
+                <a:endParaRPr lang="en-US"/>
+              </a:p>
+            </p:txBody>
+          </p:sp>
+          <p:sp>
+            <p:nvSpPr>
+              <p:cNvPr id="52" name="TextBox 51"/>
+              <p:cNvSpPr txBox="1"/>
+              <p:nvPr/>
+            </p:nvSpPr>
+            <p:spPr>
+              <a:xfrm>
+                <a:off x="5037562" y="1545172"/>
+                <a:ext cx="2307981" cy="646331"/>
+              </a:xfrm>
+              <a:prstGeom prst="rect">
+                <a:avLst/>
+              </a:prstGeom>
+              <a:noFill/>
+            </p:spPr>
+            <p:txBody>
+              <a:bodyPr wrap="square" rtlCol="0" anchor="ctr" anchorCtr="0">
+                <a:spAutoFit/>
+              </a:bodyPr>
+              <a:lstStyle/>
+              <a:p>
+                <a:pPr algn="ctr"/>
+                <a:r>
+                  <a:rPr lang="en-US" dirty="0" smtClean="0"/>
+                  <a:t>Impute points optimizing spacing fit</a:t>
+                </a:r>
+                <a:endParaRPr lang="en-US" dirty="0"/>
+              </a:p>
+            </p:txBody>
+          </p:sp>
+        </p:grpSp>
+        <p:grpSp>
+          <p:nvGrpSpPr>
+            <p:cNvPr id="16" name="Group 15"/>
+            <p:cNvGrpSpPr/>
+            <p:nvPr/>
+          </p:nvGrpSpPr>
+          <p:grpSpPr>
+            <a:xfrm>
+              <a:off x="6085608" y="1920221"/>
+              <a:ext cx="2403840" cy="837578"/>
+              <a:chOff x="4989633" y="1449549"/>
+              <a:chExt cx="2403840" cy="837578"/>
+            </a:xfrm>
+          </p:grpSpPr>
+          <p:sp>
+            <p:nvSpPr>
+              <p:cNvPr id="49" name="Oval 48"/>
+              <p:cNvSpPr/>
+              <p:nvPr/>
+            </p:nvSpPr>
+            <p:spPr>
+              <a:xfrm>
+                <a:off x="4989633" y="1449549"/>
+                <a:ext cx="2403840" cy="837578"/>
+              </a:xfrm>
+              <a:prstGeom prst="ellipse">
+                <a:avLst/>
+              </a:prstGeom>
+              <a:noFill/>
+              <a:ln w="57150">
+                <a:solidFill>
+                  <a:schemeClr val="tx1"/>
+                </a:solidFill>
+              </a:ln>
+            </p:spPr>
+            <p:style>
+              <a:lnRef idx="2">
+                <a:schemeClr val="accent1">
+                  <a:shade val="50000"/>
+                </a:schemeClr>
+              </a:lnRef>
+              <a:fillRef idx="1">
+                <a:schemeClr val="accent1"/>
+              </a:fillRef>
+              <a:effectRef idx="0">
+                <a:schemeClr val="accent1"/>
+              </a:effectRef>
+              <a:fontRef idx="minor">
+                <a:schemeClr val="lt1"/>
+              </a:fontRef>
+            </p:style>
+            <p:txBody>
+              <a:bodyPr rtlCol="0" anchor="ctr"/>
+              <a:lstStyle/>
+              <a:p>
+                <a:pPr algn="ctr"/>
+                <a:endParaRPr lang="en-US"/>
+              </a:p>
+            </p:txBody>
+          </p:sp>
+          <p:sp>
+            <p:nvSpPr>
+              <p:cNvPr id="50" name="TextBox 49"/>
+              <p:cNvSpPr txBox="1"/>
+              <p:nvPr/>
+            </p:nvSpPr>
+            <p:spPr>
+              <a:xfrm>
+                <a:off x="5073160" y="1535429"/>
+                <a:ext cx="2307981" cy="646331"/>
+              </a:xfrm>
+              <a:prstGeom prst="rect">
+                <a:avLst/>
+              </a:prstGeom>
+              <a:noFill/>
+            </p:spPr>
+            <p:txBody>
+              <a:bodyPr wrap="square" rtlCol="0" anchor="ctr" anchorCtr="0">
+                <a:spAutoFit/>
+              </a:bodyPr>
+              <a:lstStyle/>
+              <a:p>
+                <a:pPr algn="ctr"/>
+                <a:r>
+                  <a:rPr lang="en-US" dirty="0" smtClean="0"/>
+                  <a:t>Identify unusually </a:t>
+                </a:r>
+                <a:br>
+                  <a:rPr lang="en-US" dirty="0" smtClean="0"/>
+                </a:br>
+                <a:r>
+                  <a:rPr lang="en-US" dirty="0" smtClean="0"/>
+                  <a:t>long intervals</a:t>
+                </a:r>
+                <a:endParaRPr lang="en-US" dirty="0"/>
+              </a:p>
+            </p:txBody>
+          </p:sp>
+        </p:grpSp>
+        <p:cxnSp>
+          <p:nvCxnSpPr>
+            <p:cNvPr id="17" name="Straight Arrow Connector 16"/>
+            <p:cNvCxnSpPr>
+              <a:stCxn id="57" idx="3"/>
+              <a:endCxn id="55" idx="2"/>
+            </p:cNvCxnSpPr>
+            <p:nvPr/>
+          </p:nvCxnSpPr>
+          <p:spPr>
+            <a:xfrm flipV="1">
+              <a:off x="2594010" y="1193268"/>
+              <a:ext cx="608393" cy="2644"/>
+            </a:xfrm>
+            <a:prstGeom prst="straightConnector1">
+              <a:avLst/>
+            </a:prstGeom>
+            <a:ln w="57150">
+              <a:solidFill>
+                <a:schemeClr val="tx1"/>
+              </a:solidFill>
+              <a:tailEnd type="triangle"/>
+            </a:ln>
+          </p:spPr>
+          <p:style>
+            <a:lnRef idx="1">
+              <a:schemeClr val="accent1"/>
+            </a:lnRef>
+            <a:fillRef idx="0">
+              <a:schemeClr val="accent1"/>
+            </a:fillRef>
+            <a:effectRef idx="0">
+              <a:schemeClr val="accent1"/>
+            </a:effectRef>
+            <a:fontRef idx="minor">
+              <a:schemeClr val="tx1"/>
+            </a:fontRef>
+          </p:style>
+        </p:cxnSp>
+        <p:cxnSp>
+          <p:nvCxnSpPr>
+            <p:cNvPr id="18" name="Straight Arrow Connector 17"/>
+            <p:cNvCxnSpPr>
+              <a:stCxn id="55" idx="4"/>
+              <a:endCxn id="54" idx="0"/>
+            </p:cNvCxnSpPr>
+            <p:nvPr/>
+          </p:nvCxnSpPr>
+          <p:spPr>
+            <a:xfrm>
+              <a:off x="4404323" y="1612057"/>
+              <a:ext cx="1354" cy="403367"/>
+            </a:xfrm>
+            <a:prstGeom prst="straightConnector1">
+              <a:avLst/>
+            </a:prstGeom>
+            <a:ln w="57150">
+              <a:solidFill>
+                <a:schemeClr val="tx1"/>
+              </a:solidFill>
+              <a:tailEnd type="triangle"/>
+            </a:ln>
+          </p:spPr>
+          <p:style>
+            <a:lnRef idx="1">
+              <a:schemeClr val="accent1"/>
+            </a:lnRef>
+            <a:fillRef idx="0">
+              <a:schemeClr val="accent1"/>
+            </a:fillRef>
+            <a:effectRef idx="0">
+              <a:schemeClr val="accent1"/>
+            </a:effectRef>
+            <a:fontRef idx="minor">
+              <a:schemeClr val="tx1"/>
+            </a:fontRef>
+          </p:style>
+        </p:cxnSp>
+        <p:cxnSp>
+          <p:nvCxnSpPr>
+            <p:cNvPr id="19" name="Straight Arrow Connector 18"/>
+            <p:cNvCxnSpPr>
+              <a:stCxn id="53" idx="3"/>
+              <a:endCxn id="49" idx="2"/>
+            </p:cNvCxnSpPr>
+            <p:nvPr/>
+          </p:nvCxnSpPr>
+          <p:spPr>
+            <a:xfrm>
+              <a:off x="5460754" y="2338589"/>
+              <a:ext cx="624854" cy="421"/>
+            </a:xfrm>
+            <a:prstGeom prst="straightConnector1">
+              <a:avLst/>
+            </a:prstGeom>
+            <a:ln w="57150">
+              <a:solidFill>
+                <a:schemeClr val="tx1"/>
+              </a:solidFill>
+              <a:tailEnd type="triangle"/>
+            </a:ln>
+          </p:spPr>
+          <p:style>
+            <a:lnRef idx="1">
+              <a:schemeClr val="accent1"/>
+            </a:lnRef>
+            <a:fillRef idx="0">
+              <a:schemeClr val="accent1"/>
+            </a:fillRef>
+            <a:effectRef idx="0">
+              <a:schemeClr val="accent1"/>
+            </a:effectRef>
+            <a:fontRef idx="minor">
+              <a:schemeClr val="tx1"/>
+            </a:fontRef>
+          </p:style>
+        </p:cxnSp>
+        <p:grpSp>
+          <p:nvGrpSpPr>
+            <p:cNvPr id="20" name="Group 19"/>
+            <p:cNvGrpSpPr/>
+            <p:nvPr/>
+          </p:nvGrpSpPr>
+          <p:grpSpPr>
+            <a:xfrm>
+              <a:off x="6186464" y="3263152"/>
+              <a:ext cx="2221400" cy="923331"/>
+              <a:chOff x="2286000" y="1868337"/>
+              <a:chExt cx="2110154" cy="923331"/>
+            </a:xfrm>
+          </p:grpSpPr>
+          <p:sp>
+            <p:nvSpPr>
+              <p:cNvPr id="47" name="Rounded Rectangle 46"/>
+              <p:cNvSpPr/>
+              <p:nvPr/>
+            </p:nvSpPr>
+            <p:spPr>
+              <a:xfrm>
+                <a:off x="2286000" y="1868337"/>
+                <a:ext cx="2110154" cy="646331"/>
+              </a:xfrm>
+              <a:prstGeom prst="roundRect">
+                <a:avLst/>
+              </a:prstGeom>
+              <a:noFill/>
+              <a:ln w="57150">
+                <a:solidFill>
+                  <a:schemeClr val="tx1"/>
+                </a:solidFill>
+              </a:ln>
+            </p:spPr>
+            <p:style>
+              <a:lnRef idx="2">
+                <a:schemeClr val="accent1">
+                  <a:shade val="50000"/>
+                </a:schemeClr>
+              </a:lnRef>
+              <a:fillRef idx="1">
+                <a:schemeClr val="accent1"/>
+              </a:fillRef>
+              <a:effectRef idx="0">
+                <a:schemeClr val="accent1"/>
+              </a:effectRef>
+              <a:fontRef idx="minor">
+                <a:schemeClr val="lt1"/>
+              </a:fontRef>
+            </p:style>
+            <p:txBody>
+              <a:bodyPr rtlCol="0" anchor="ctr"/>
+              <a:lstStyle/>
+              <a:p>
+                <a:pPr algn="ctr"/>
+                <a:endParaRPr lang="en-US"/>
+              </a:p>
+            </p:txBody>
+          </p:sp>
+          <p:sp>
+            <p:nvSpPr>
+              <p:cNvPr id="48" name="TextBox 47"/>
+              <p:cNvSpPr txBox="1"/>
+              <p:nvPr/>
+            </p:nvSpPr>
+            <p:spPr>
+              <a:xfrm>
+                <a:off x="2369527" y="1868338"/>
+                <a:ext cx="1943100" cy="923330"/>
+              </a:xfrm>
+              <a:prstGeom prst="rect">
+                <a:avLst/>
+              </a:prstGeom>
+              <a:noFill/>
+            </p:spPr>
+            <p:txBody>
+              <a:bodyPr wrap="square" rtlCol="0">
+                <a:spAutoFit/>
+              </a:bodyPr>
+              <a:lstStyle/>
+              <a:p>
+                <a:pPr algn="ctr"/>
+                <a:r>
+                  <a:rPr lang="en-US" dirty="0" smtClean="0"/>
+                  <a:t>Intervals suspected of omission</a:t>
+                </a:r>
+                <a:endParaRPr lang="en-US" dirty="0"/>
+              </a:p>
+            </p:txBody>
+          </p:sp>
+        </p:grpSp>
+        <p:cxnSp>
+          <p:nvCxnSpPr>
+            <p:cNvPr id="21" name="Straight Arrow Connector 20"/>
+            <p:cNvCxnSpPr>
+              <a:stCxn id="49" idx="4"/>
+              <a:endCxn id="48" idx="0"/>
+            </p:cNvCxnSpPr>
+            <p:nvPr/>
+          </p:nvCxnSpPr>
+          <p:spPr>
+            <a:xfrm>
+              <a:off x="7287528" y="2757799"/>
+              <a:ext cx="9636" cy="505354"/>
+            </a:xfrm>
+            <a:prstGeom prst="straightConnector1">
+              <a:avLst/>
+            </a:prstGeom>
+            <a:ln w="57150">
+              <a:solidFill>
+                <a:schemeClr val="tx1"/>
+              </a:solidFill>
+              <a:tailEnd type="triangle"/>
+            </a:ln>
+          </p:spPr>
+          <p:style>
+            <a:lnRef idx="1">
+              <a:schemeClr val="accent1"/>
+            </a:lnRef>
+            <a:fillRef idx="0">
+              <a:schemeClr val="accent1"/>
+            </a:fillRef>
+            <a:effectRef idx="0">
+              <a:schemeClr val="accent1"/>
+            </a:effectRef>
+            <a:fontRef idx="minor">
+              <a:schemeClr val="tx1"/>
+            </a:fontRef>
+          </p:style>
+        </p:cxnSp>
+        <p:cxnSp>
+          <p:nvCxnSpPr>
+            <p:cNvPr id="22" name="Straight Arrow Connector 21"/>
+            <p:cNvCxnSpPr>
+              <a:stCxn id="47" idx="1"/>
+              <a:endCxn id="52" idx="3"/>
+            </p:cNvCxnSpPr>
+            <p:nvPr/>
+          </p:nvCxnSpPr>
+          <p:spPr>
+            <a:xfrm flipH="1">
+              <a:off x="5697496" y="3586318"/>
+              <a:ext cx="488968" cy="2259"/>
+            </a:xfrm>
+            <a:prstGeom prst="straightConnector1">
+              <a:avLst/>
+            </a:prstGeom>
+            <a:ln w="57150">
+              <a:solidFill>
+                <a:schemeClr val="tx1"/>
+              </a:solidFill>
+              <a:tailEnd type="triangle"/>
+            </a:ln>
+          </p:spPr>
+          <p:style>
+            <a:lnRef idx="1">
+              <a:schemeClr val="accent1"/>
+            </a:lnRef>
+            <a:fillRef idx="0">
+              <a:schemeClr val="accent1"/>
+            </a:fillRef>
+            <a:effectRef idx="0">
+              <a:schemeClr val="accent1"/>
+            </a:effectRef>
+            <a:fontRef idx="minor">
+              <a:schemeClr val="tx1"/>
+            </a:fontRef>
+          </p:style>
+        </p:cxnSp>
+        <p:grpSp>
+          <p:nvGrpSpPr>
+            <p:cNvPr id="23" name="Group 22"/>
+            <p:cNvGrpSpPr/>
+            <p:nvPr/>
+          </p:nvGrpSpPr>
+          <p:grpSpPr>
+            <a:xfrm>
+              <a:off x="3209121" y="5619448"/>
+              <a:ext cx="2403840" cy="837578"/>
+              <a:chOff x="4989633" y="1449549"/>
+              <a:chExt cx="2403840" cy="837578"/>
+            </a:xfrm>
+          </p:grpSpPr>
+          <p:sp>
+            <p:nvSpPr>
+              <p:cNvPr id="45" name="Oval 44"/>
+              <p:cNvSpPr/>
+              <p:nvPr/>
+            </p:nvSpPr>
+            <p:spPr>
+              <a:xfrm>
+                <a:off x="4989633" y="1449549"/>
+                <a:ext cx="2403840" cy="837578"/>
+              </a:xfrm>
+              <a:prstGeom prst="ellipse">
+                <a:avLst/>
+              </a:prstGeom>
+              <a:noFill/>
+              <a:ln w="57150">
+                <a:solidFill>
+                  <a:schemeClr val="tx1"/>
+                </a:solidFill>
+              </a:ln>
+            </p:spPr>
+            <p:style>
+              <a:lnRef idx="2">
+                <a:schemeClr val="accent1">
+                  <a:shade val="50000"/>
+                </a:schemeClr>
+              </a:lnRef>
+              <a:fillRef idx="1">
+                <a:schemeClr val="accent1"/>
+              </a:fillRef>
+              <a:effectRef idx="0">
+                <a:schemeClr val="accent1"/>
+              </a:effectRef>
+              <a:fontRef idx="minor">
+                <a:schemeClr val="lt1"/>
+              </a:fontRef>
+            </p:style>
+            <p:txBody>
+              <a:bodyPr rtlCol="0" anchor="ctr"/>
+              <a:lstStyle/>
+              <a:p>
+                <a:pPr algn="ctr"/>
+                <a:endParaRPr lang="en-US"/>
+              </a:p>
+            </p:txBody>
+          </p:sp>
+          <p:sp>
+            <p:nvSpPr>
+              <p:cNvPr id="46" name="TextBox 45"/>
+              <p:cNvSpPr txBox="1"/>
+              <p:nvPr/>
+            </p:nvSpPr>
+            <p:spPr>
+              <a:xfrm>
+                <a:off x="5073160" y="1673928"/>
+                <a:ext cx="2307981" cy="369332"/>
+              </a:xfrm>
+              <a:prstGeom prst="rect">
+                <a:avLst/>
+              </a:prstGeom>
+              <a:noFill/>
+            </p:spPr>
+            <p:txBody>
+              <a:bodyPr wrap="square" rtlCol="0" anchor="ctr" anchorCtr="0">
+                <a:spAutoFit/>
+              </a:bodyPr>
+              <a:lstStyle/>
+              <a:p>
+                <a:pPr algn="ctr"/>
+                <a:r>
+                  <a:rPr lang="en-US" dirty="0" smtClean="0"/>
+                  <a:t>Operator is satisfied?</a:t>
+                </a:r>
+                <a:endParaRPr lang="en-US" dirty="0"/>
+              </a:p>
+            </p:txBody>
+          </p:sp>
+        </p:grpSp>
+        <p:grpSp>
+          <p:nvGrpSpPr>
+            <p:cNvPr id="24" name="Group 23"/>
+            <p:cNvGrpSpPr/>
+            <p:nvPr/>
+          </p:nvGrpSpPr>
+          <p:grpSpPr>
+            <a:xfrm>
+              <a:off x="3359208" y="4503771"/>
+              <a:ext cx="2110154" cy="646332"/>
+              <a:chOff x="2286000" y="1868337"/>
+              <a:chExt cx="2110154" cy="646332"/>
+            </a:xfrm>
+          </p:grpSpPr>
+          <p:sp>
+            <p:nvSpPr>
+              <p:cNvPr id="43" name="Rounded Rectangle 42"/>
+              <p:cNvSpPr/>
+              <p:nvPr/>
+            </p:nvSpPr>
+            <p:spPr>
+              <a:xfrm>
+                <a:off x="2286000" y="1868337"/>
+                <a:ext cx="2110154" cy="646331"/>
+              </a:xfrm>
+              <a:prstGeom prst="roundRect">
+                <a:avLst/>
+              </a:prstGeom>
+              <a:noFill/>
+              <a:ln w="57150">
+                <a:solidFill>
+                  <a:schemeClr val="tx1"/>
+                </a:solidFill>
+              </a:ln>
+            </p:spPr>
+            <p:style>
+              <a:lnRef idx="2">
+                <a:schemeClr val="accent1">
+                  <a:shade val="50000"/>
+                </a:schemeClr>
+              </a:lnRef>
+              <a:fillRef idx="1">
+                <a:schemeClr val="accent1"/>
+              </a:fillRef>
+              <a:effectRef idx="0">
+                <a:schemeClr val="accent1"/>
+              </a:effectRef>
+              <a:fontRef idx="minor">
+                <a:schemeClr val="lt1"/>
+              </a:fontRef>
+            </p:style>
+            <p:txBody>
+              <a:bodyPr rtlCol="0" anchor="ctr"/>
+              <a:lstStyle/>
+              <a:p>
+                <a:pPr algn="ctr"/>
+                <a:endParaRPr lang="en-US"/>
+              </a:p>
+            </p:txBody>
+          </p:sp>
+          <p:sp>
+            <p:nvSpPr>
+              <p:cNvPr id="44" name="TextBox 43"/>
+              <p:cNvSpPr txBox="1"/>
+              <p:nvPr/>
+            </p:nvSpPr>
+            <p:spPr>
+              <a:xfrm>
+                <a:off x="2369527" y="1868338"/>
+                <a:ext cx="1943100" cy="646331"/>
+              </a:xfrm>
+              <a:prstGeom prst="rect">
+                <a:avLst/>
+              </a:prstGeom>
+              <a:noFill/>
+            </p:spPr>
+            <p:txBody>
+              <a:bodyPr wrap="square" rtlCol="0">
+                <a:spAutoFit/>
+              </a:bodyPr>
+              <a:lstStyle/>
+              <a:p>
+                <a:pPr algn="ctr"/>
+                <a:r>
+                  <a:rPr lang="en-US" dirty="0" smtClean="0"/>
+                  <a:t>Potentially repaired side</a:t>
+                </a:r>
+                <a:endParaRPr lang="en-US" dirty="0"/>
+              </a:p>
+            </p:txBody>
+          </p:sp>
+        </p:grpSp>
+        <p:cxnSp>
+          <p:nvCxnSpPr>
+            <p:cNvPr id="25" name="Straight Arrow Connector 24"/>
+            <p:cNvCxnSpPr>
+              <a:stCxn id="43" idx="2"/>
+              <a:endCxn id="45" idx="0"/>
+            </p:cNvCxnSpPr>
+            <p:nvPr/>
+          </p:nvCxnSpPr>
+          <p:spPr>
+            <a:xfrm flipH="1">
+              <a:off x="4411041" y="5150102"/>
+              <a:ext cx="3244" cy="469346"/>
+            </a:xfrm>
+            <a:prstGeom prst="straightConnector1">
+              <a:avLst/>
+            </a:prstGeom>
+            <a:ln w="57150">
+              <a:solidFill>
+                <a:schemeClr val="tx1"/>
+              </a:solidFill>
+              <a:tailEnd type="triangle"/>
+            </a:ln>
+          </p:spPr>
+          <p:style>
+            <a:lnRef idx="1">
+              <a:schemeClr val="accent1"/>
+            </a:lnRef>
+            <a:fillRef idx="0">
+              <a:schemeClr val="accent1"/>
+            </a:fillRef>
+            <a:effectRef idx="0">
+              <a:schemeClr val="accent1"/>
+            </a:effectRef>
+            <a:fontRef idx="minor">
+              <a:schemeClr val="tx1"/>
+            </a:fontRef>
+          </p:style>
+        </p:cxnSp>
+        <p:cxnSp>
+          <p:nvCxnSpPr>
+            <p:cNvPr id="27" name="Straight Arrow Connector 26"/>
+            <p:cNvCxnSpPr>
+              <a:stCxn id="51" idx="4"/>
+              <a:endCxn id="44" idx="0"/>
+            </p:cNvCxnSpPr>
+            <p:nvPr/>
+          </p:nvCxnSpPr>
+          <p:spPr>
+            <a:xfrm>
+              <a:off x="4413310" y="3987701"/>
+              <a:ext cx="975" cy="516071"/>
+            </a:xfrm>
+            <a:prstGeom prst="straightConnector1">
+              <a:avLst/>
+            </a:prstGeom>
+            <a:ln w="57150">
+              <a:solidFill>
+                <a:schemeClr val="tx1"/>
+              </a:solidFill>
+              <a:tailEnd type="triangle"/>
+            </a:ln>
+          </p:spPr>
+          <p:style>
+            <a:lnRef idx="1">
+              <a:schemeClr val="accent1"/>
+            </a:lnRef>
+            <a:fillRef idx="0">
+              <a:schemeClr val="accent1"/>
+            </a:fillRef>
+            <a:effectRef idx="0">
+              <a:schemeClr val="accent1"/>
+            </a:effectRef>
+            <a:fontRef idx="minor">
+              <a:schemeClr val="tx1"/>
+            </a:fontRef>
+          </p:style>
+        </p:cxnSp>
+        <p:sp>
+          <p:nvSpPr>
+            <p:cNvPr id="28" name="TextBox 27"/>
+            <p:cNvSpPr txBox="1"/>
+            <p:nvPr/>
+          </p:nvSpPr>
+          <p:spPr>
+            <a:xfrm>
+              <a:off x="5720095" y="5519560"/>
+              <a:ext cx="554299" cy="461665"/>
+            </a:xfrm>
+            <a:prstGeom prst="rect">
+              <a:avLst/>
+            </a:prstGeom>
+            <a:noFill/>
+          </p:spPr>
+          <p:txBody>
+            <a:bodyPr wrap="square" rtlCol="0">
+              <a:spAutoFit/>
+            </a:bodyPr>
+            <a:lstStyle/>
+            <a:p>
+              <a:r>
+                <a:rPr lang="en-US" sz="2400" dirty="0" smtClean="0"/>
+                <a:t>No</a:t>
+              </a:r>
+              <a:endParaRPr lang="en-US" sz="2400" dirty="0"/>
+            </a:p>
+          </p:txBody>
+        </p:sp>
+        <p:grpSp>
+          <p:nvGrpSpPr>
+            <p:cNvPr id="29" name="Group 28"/>
+            <p:cNvGrpSpPr/>
+            <p:nvPr/>
+          </p:nvGrpSpPr>
+          <p:grpSpPr>
+            <a:xfrm>
+              <a:off x="3362906" y="7045282"/>
+              <a:ext cx="2110154" cy="646331"/>
+              <a:chOff x="2286000" y="1868337"/>
+              <a:chExt cx="2110154" cy="646331"/>
+            </a:xfrm>
+          </p:grpSpPr>
+          <p:sp>
+            <p:nvSpPr>
+              <p:cNvPr id="41" name="Rounded Rectangle 40"/>
+              <p:cNvSpPr/>
+              <p:nvPr/>
+            </p:nvSpPr>
+            <p:spPr>
+              <a:xfrm>
+                <a:off x="2286000" y="1868337"/>
+                <a:ext cx="2110154" cy="646331"/>
+              </a:xfrm>
+              <a:prstGeom prst="roundRect">
+                <a:avLst/>
+              </a:prstGeom>
+              <a:noFill/>
+              <a:ln w="57150">
+                <a:solidFill>
+                  <a:schemeClr val="tx1"/>
+                </a:solidFill>
+              </a:ln>
+            </p:spPr>
+            <p:style>
+              <a:lnRef idx="2">
+                <a:schemeClr val="accent1">
+                  <a:shade val="50000"/>
+                </a:schemeClr>
+              </a:lnRef>
+              <a:fillRef idx="1">
+                <a:schemeClr val="accent1"/>
+              </a:fillRef>
+              <a:effectRef idx="0">
+                <a:schemeClr val="accent1"/>
+              </a:effectRef>
+              <a:fontRef idx="minor">
+                <a:schemeClr val="lt1"/>
+              </a:fontRef>
+            </p:style>
+            <p:txBody>
+              <a:bodyPr rtlCol="0" anchor="ctr"/>
+              <a:lstStyle/>
+              <a:p>
+                <a:pPr algn="ctr"/>
+                <a:endParaRPr lang="en-US"/>
+              </a:p>
+            </p:txBody>
+          </p:sp>
+          <p:sp>
+            <p:nvSpPr>
+              <p:cNvPr id="42" name="TextBox 41"/>
+              <p:cNvSpPr txBox="1"/>
+              <p:nvPr/>
+            </p:nvSpPr>
+            <p:spPr>
+              <a:xfrm>
+                <a:off x="2369527" y="2006836"/>
+                <a:ext cx="1943100" cy="369332"/>
+              </a:xfrm>
+              <a:prstGeom prst="rect">
+                <a:avLst/>
+              </a:prstGeom>
+              <a:noFill/>
+            </p:spPr>
+            <p:txBody>
+              <a:bodyPr wrap="square" rtlCol="0">
+                <a:spAutoFit/>
+              </a:bodyPr>
+              <a:lstStyle/>
+              <a:p>
+                <a:pPr algn="ctr"/>
+                <a:r>
+                  <a:rPr lang="en-US" dirty="0"/>
+                  <a:t>R</a:t>
+                </a:r>
+                <a:r>
+                  <a:rPr lang="en-US" dirty="0" smtClean="0"/>
+                  <a:t>epaired side</a:t>
+                </a:r>
+                <a:endParaRPr lang="en-US" dirty="0"/>
+              </a:p>
+            </p:txBody>
+          </p:sp>
+        </p:grpSp>
+        <p:sp>
+          <p:nvSpPr>
+            <p:cNvPr id="31" name="TextBox 30"/>
+            <p:cNvSpPr txBox="1"/>
+            <p:nvPr/>
+          </p:nvSpPr>
+          <p:spPr>
+            <a:xfrm>
+              <a:off x="3741607" y="6479600"/>
+              <a:ext cx="676376" cy="461665"/>
+            </a:xfrm>
+            <a:prstGeom prst="rect">
+              <a:avLst/>
+            </a:prstGeom>
+            <a:noFill/>
+          </p:spPr>
+          <p:txBody>
+            <a:bodyPr wrap="square" rtlCol="0">
+              <a:spAutoFit/>
+            </a:bodyPr>
+            <a:lstStyle/>
+            <a:p>
+              <a:r>
+                <a:rPr lang="en-US" sz="2400" dirty="0" smtClean="0"/>
+                <a:t>Yes</a:t>
+              </a:r>
+              <a:endParaRPr lang="en-US" sz="2400" dirty="0"/>
+            </a:p>
+          </p:txBody>
+        </p:sp>
+        <p:grpSp>
+          <p:nvGrpSpPr>
+            <p:cNvPr id="32" name="Group 31"/>
+            <p:cNvGrpSpPr/>
+            <p:nvPr/>
+          </p:nvGrpSpPr>
+          <p:grpSpPr>
+            <a:xfrm>
+              <a:off x="3219143" y="8170515"/>
+              <a:ext cx="2403840" cy="837578"/>
+              <a:chOff x="4989633" y="1449549"/>
+              <a:chExt cx="2403840" cy="837578"/>
+            </a:xfrm>
+          </p:grpSpPr>
+          <p:sp>
+            <p:nvSpPr>
+              <p:cNvPr id="39" name="Oval 38"/>
+              <p:cNvSpPr/>
+              <p:nvPr/>
+            </p:nvSpPr>
+            <p:spPr>
+              <a:xfrm>
+                <a:off x="4989633" y="1449549"/>
+                <a:ext cx="2403840" cy="837578"/>
+              </a:xfrm>
+              <a:prstGeom prst="ellipse">
+                <a:avLst/>
+              </a:prstGeom>
+              <a:noFill/>
+              <a:ln w="57150">
+                <a:solidFill>
+                  <a:schemeClr val="tx1"/>
+                </a:solidFill>
+              </a:ln>
+            </p:spPr>
+            <p:style>
+              <a:lnRef idx="2">
+                <a:schemeClr val="accent1">
+                  <a:shade val="50000"/>
+                </a:schemeClr>
+              </a:lnRef>
+              <a:fillRef idx="1">
+                <a:schemeClr val="accent1"/>
+              </a:fillRef>
+              <a:effectRef idx="0">
+                <a:schemeClr val="accent1"/>
+              </a:effectRef>
+              <a:fontRef idx="minor">
+                <a:schemeClr val="lt1"/>
+              </a:fontRef>
+            </p:style>
+            <p:txBody>
+              <a:bodyPr rtlCol="0" anchor="ctr"/>
+              <a:lstStyle/>
+              <a:p>
+                <a:pPr algn="ctr"/>
+                <a:endParaRPr lang="en-US"/>
+              </a:p>
+            </p:txBody>
+          </p:sp>
+          <p:sp>
+            <p:nvSpPr>
+              <p:cNvPr id="40" name="TextBox 39"/>
+              <p:cNvSpPr txBox="1"/>
+              <p:nvPr/>
+            </p:nvSpPr>
+            <p:spPr>
+              <a:xfrm>
+                <a:off x="5073160" y="1535429"/>
+                <a:ext cx="2307981" cy="646331"/>
+              </a:xfrm>
+              <a:prstGeom prst="rect">
+                <a:avLst/>
+              </a:prstGeom>
+              <a:noFill/>
+            </p:spPr>
+            <p:txBody>
+              <a:bodyPr wrap="square" rtlCol="0" anchor="ctr" anchorCtr="0">
+                <a:spAutoFit/>
+              </a:bodyPr>
+              <a:lstStyle/>
+              <a:p>
+                <a:pPr algn="ctr"/>
+                <a:r>
+                  <a:rPr lang="en-US" dirty="0" smtClean="0"/>
+                  <a:t>Combine with other repaired side</a:t>
+                </a:r>
+                <a:endParaRPr lang="en-US" dirty="0"/>
+              </a:p>
+            </p:txBody>
+          </p:sp>
+        </p:grpSp>
+        <p:cxnSp>
+          <p:nvCxnSpPr>
+            <p:cNvPr id="33" name="Straight Arrow Connector 32"/>
+            <p:cNvCxnSpPr>
+              <a:stCxn id="41" idx="2"/>
+              <a:endCxn id="39" idx="0"/>
+            </p:cNvCxnSpPr>
+            <p:nvPr/>
+          </p:nvCxnSpPr>
+          <p:spPr>
+            <a:xfrm>
+              <a:off x="4417983" y="7691613"/>
+              <a:ext cx="3080" cy="478902"/>
+            </a:xfrm>
+            <a:prstGeom prst="straightConnector1">
+              <a:avLst/>
+            </a:prstGeom>
+            <a:ln w="57150">
+              <a:solidFill>
+                <a:schemeClr val="tx1"/>
+              </a:solidFill>
+              <a:tailEnd type="triangle"/>
+            </a:ln>
+          </p:spPr>
+          <p:style>
+            <a:lnRef idx="1">
+              <a:schemeClr val="accent1"/>
+            </a:lnRef>
+            <a:fillRef idx="0">
+              <a:schemeClr val="accent1"/>
+            </a:fillRef>
+            <a:effectRef idx="0">
+              <a:schemeClr val="accent1"/>
+            </a:effectRef>
+            <a:fontRef idx="minor">
+              <a:schemeClr val="tx1"/>
+            </a:fontRef>
+          </p:style>
+        </p:cxnSp>
+        <p:grpSp>
+          <p:nvGrpSpPr>
+            <p:cNvPr id="34" name="Group 33"/>
+            <p:cNvGrpSpPr/>
+            <p:nvPr/>
+          </p:nvGrpSpPr>
+          <p:grpSpPr>
+            <a:xfrm>
+              <a:off x="3250046" y="9490192"/>
+              <a:ext cx="2341372" cy="738664"/>
+              <a:chOff x="2286000" y="1776005"/>
+              <a:chExt cx="2110154" cy="738664"/>
+            </a:xfrm>
+          </p:grpSpPr>
+          <p:sp>
+            <p:nvSpPr>
+              <p:cNvPr id="37" name="Rounded Rectangle 36"/>
+              <p:cNvSpPr/>
+              <p:nvPr/>
+            </p:nvSpPr>
+            <p:spPr>
+              <a:xfrm>
+                <a:off x="2286000" y="1776005"/>
+                <a:ext cx="2110154" cy="553998"/>
+              </a:xfrm>
+              <a:prstGeom prst="roundRect">
+                <a:avLst/>
+              </a:prstGeom>
+              <a:noFill/>
+              <a:ln w="57150">
+                <a:solidFill>
+                  <a:schemeClr val="tx1"/>
+                </a:solidFill>
+              </a:ln>
+            </p:spPr>
+            <p:style>
+              <a:lnRef idx="2">
+                <a:schemeClr val="accent1">
+                  <a:shade val="50000"/>
+                </a:schemeClr>
+              </a:lnRef>
+              <a:fillRef idx="1">
+                <a:schemeClr val="accent1"/>
+              </a:fillRef>
+              <a:effectRef idx="0">
+                <a:schemeClr val="accent1"/>
+              </a:effectRef>
+              <a:fontRef idx="minor">
+                <a:schemeClr val="lt1"/>
+              </a:fontRef>
+            </p:style>
+            <p:txBody>
+              <a:bodyPr rtlCol="0" anchor="ctr"/>
+              <a:lstStyle/>
+              <a:p>
+                <a:pPr algn="ctr"/>
+                <a:endParaRPr lang="en-US"/>
+              </a:p>
+            </p:txBody>
+          </p:sp>
+          <p:sp>
+            <p:nvSpPr>
+              <p:cNvPr id="38" name="TextBox 37"/>
+              <p:cNvSpPr txBox="1"/>
+              <p:nvPr/>
+            </p:nvSpPr>
+            <p:spPr>
+              <a:xfrm>
+                <a:off x="2369527" y="1868338"/>
+                <a:ext cx="1943100" cy="646331"/>
+              </a:xfrm>
+              <a:prstGeom prst="rect">
+                <a:avLst/>
+              </a:prstGeom>
+              <a:noFill/>
+            </p:spPr>
+            <p:txBody>
+              <a:bodyPr wrap="square" rtlCol="0">
+                <a:spAutoFit/>
+              </a:bodyPr>
+              <a:lstStyle/>
+              <a:p>
+                <a:r>
+                  <a:rPr lang="en-US" dirty="0" smtClean="0"/>
+                  <a:t>Output landmark set</a:t>
+                </a:r>
+                <a:endParaRPr lang="en-US" dirty="0"/>
+              </a:p>
+            </p:txBody>
+          </p:sp>
+        </p:grpSp>
+        <p:cxnSp>
+          <p:nvCxnSpPr>
+            <p:cNvPr id="35" name="Straight Arrow Connector 34"/>
+            <p:cNvCxnSpPr>
+              <a:stCxn id="39" idx="4"/>
+              <a:endCxn id="37" idx="0"/>
+            </p:cNvCxnSpPr>
+            <p:nvPr/>
+          </p:nvCxnSpPr>
+          <p:spPr>
+            <a:xfrm flipH="1">
+              <a:off x="4420732" y="9008093"/>
+              <a:ext cx="331" cy="482099"/>
+            </a:xfrm>
+            <a:prstGeom prst="straightConnector1">
+              <a:avLst/>
+            </a:prstGeom>
+            <a:ln w="57150">
+              <a:solidFill>
+                <a:schemeClr val="tx1"/>
+              </a:solidFill>
+              <a:tailEnd type="triangle"/>
+            </a:ln>
+          </p:spPr>
+          <p:style>
+            <a:lnRef idx="1">
+              <a:schemeClr val="accent1"/>
+            </a:lnRef>
+            <a:fillRef idx="0">
+              <a:schemeClr val="accent1"/>
+            </a:fillRef>
+            <a:effectRef idx="0">
+              <a:schemeClr val="accent1"/>
+            </a:effectRef>
+            <a:fontRef idx="minor">
+              <a:schemeClr val="tx1"/>
+            </a:fontRef>
+          </p:style>
+        </p:cxnSp>
+        <p:cxnSp>
+          <p:nvCxnSpPr>
+            <p:cNvPr id="36" name="Straight Arrow Connector 35"/>
+            <p:cNvCxnSpPr>
+              <a:stCxn id="54" idx="2"/>
+              <a:endCxn id="51" idx="0"/>
+            </p:cNvCxnSpPr>
+            <p:nvPr/>
+          </p:nvCxnSpPr>
+          <p:spPr>
+            <a:xfrm>
+              <a:off x="4405677" y="2661755"/>
+              <a:ext cx="7633" cy="437900"/>
+            </a:xfrm>
+            <a:prstGeom prst="straightConnector1">
+              <a:avLst/>
+            </a:prstGeom>
+            <a:ln w="57150">
+              <a:solidFill>
+                <a:schemeClr val="tx1"/>
+              </a:solidFill>
+              <a:tailEnd type="triangle"/>
+            </a:ln>
+          </p:spPr>
+          <p:style>
+            <a:lnRef idx="1">
+              <a:schemeClr val="accent1"/>
+            </a:lnRef>
+            <a:fillRef idx="0">
+              <a:schemeClr val="accent1"/>
+            </a:fillRef>
+            <a:effectRef idx="0">
+              <a:schemeClr val="accent1"/>
+            </a:effectRef>
+            <a:fontRef idx="minor">
+              <a:schemeClr val="tx1"/>
+            </a:fontRef>
+          </p:style>
+        </p:cxnSp>
+        <p:cxnSp>
+          <p:nvCxnSpPr>
+            <p:cNvPr id="89" name="Straight Arrow Connector 88"/>
+            <p:cNvCxnSpPr>
+              <a:stCxn id="45" idx="4"/>
+              <a:endCxn id="41" idx="0"/>
+            </p:cNvCxnSpPr>
+            <p:nvPr/>
+          </p:nvCxnSpPr>
+          <p:spPr>
+            <a:xfrm>
+              <a:off x="4411041" y="6457026"/>
+              <a:ext cx="6942" cy="588256"/>
+            </a:xfrm>
+            <a:prstGeom prst="straightConnector1">
+              <a:avLst/>
+            </a:prstGeom>
+            <a:ln w="57150">
+              <a:solidFill>
+                <a:schemeClr val="tx1"/>
+              </a:solidFill>
+              <a:tailEnd type="triangle"/>
+            </a:ln>
+          </p:spPr>
+          <p:style>
+            <a:lnRef idx="1">
+              <a:schemeClr val="accent1"/>
+            </a:lnRef>
+            <a:fillRef idx="0">
+              <a:schemeClr val="accent1"/>
+            </a:fillRef>
+            <a:effectRef idx="0">
+              <a:schemeClr val="accent1"/>
+            </a:effectRef>
+            <a:fontRef idx="minor">
+              <a:schemeClr val="tx1"/>
+            </a:fontRef>
+          </p:style>
+        </p:cxnSp>
+        <p:cxnSp>
+          <p:nvCxnSpPr>
+            <p:cNvPr id="94" name="Elbow Connector 93"/>
+            <p:cNvCxnSpPr>
+              <a:stCxn id="58" idx="2"/>
+              <a:endCxn id="51" idx="2"/>
+            </p:cNvCxnSpPr>
+            <p:nvPr/>
+          </p:nvCxnSpPr>
+          <p:spPr>
+            <a:xfrm rot="16200000" flipH="1">
+              <a:off x="1295059" y="1762951"/>
+              <a:ext cx="2024600" cy="1536853"/>
+            </a:xfrm>
+            <a:prstGeom prst="bentConnector2">
+              <a:avLst/>
+            </a:prstGeom>
+            <a:ln w="57150">
+              <a:solidFill>
+                <a:schemeClr val="tx1"/>
+              </a:solidFill>
+              <a:tailEnd type="triangle"/>
+            </a:ln>
+          </p:spPr>
+          <p:style>
+            <a:lnRef idx="1">
+              <a:schemeClr val="accent1"/>
+            </a:lnRef>
+            <a:fillRef idx="0">
+              <a:schemeClr val="accent1"/>
+            </a:fillRef>
+            <a:effectRef idx="0">
+              <a:schemeClr val="accent1"/>
+            </a:effectRef>
+            <a:fontRef idx="minor">
+              <a:schemeClr val="tx1"/>
+            </a:fontRef>
+          </p:style>
+        </p:cxnSp>
+        <p:cxnSp>
+          <p:nvCxnSpPr>
+            <p:cNvPr id="104" name="Elbow Connector 103"/>
+            <p:cNvCxnSpPr>
+              <a:stCxn id="45" idx="6"/>
+              <a:endCxn id="61" idx="3"/>
+            </p:cNvCxnSpPr>
+            <p:nvPr/>
+          </p:nvCxnSpPr>
+          <p:spPr>
+            <a:xfrm flipH="1" flipV="1">
+              <a:off x="5450504" y="57000"/>
+              <a:ext cx="162457" cy="5981237"/>
+            </a:xfrm>
+            <a:prstGeom prst="bentConnector3">
+              <a:avLst>
+                <a:gd name="adj1" fmla="val -1900758"/>
+              </a:avLst>
+            </a:prstGeom>
+            <a:ln w="57150">
+              <a:solidFill>
+                <a:schemeClr val="tx1"/>
+              </a:solidFill>
+              <a:tailEnd type="triangle"/>
+            </a:ln>
+          </p:spPr>
+          <p:style>
+            <a:lnRef idx="1">
+              <a:schemeClr val="accent1"/>
+            </a:lnRef>
+            <a:fillRef idx="0">
+              <a:schemeClr val="accent1"/>
+            </a:fillRef>
+            <a:effectRef idx="0">
+              <a:schemeClr val="accent1"/>
+            </a:effectRef>
+            <a:fontRef idx="minor">
+              <a:schemeClr val="tx1"/>
+            </a:fontRef>
+          </p:style>
+        </p:cxnSp>
+      </p:grpSp>
+    </p:spTree>
+    <p:extLst>
+      <p:ext uri="{BB962C8B-B14F-4D97-AF65-F5344CB8AC3E}">
+        <p14:creationId xmlns:p14="http://schemas.microsoft.com/office/powerpoint/2010/main" val="561493381"/>
+      </p:ext>
+    </p:extLst>
+  </p:cSld>
+  <p:clrMapOvr>
+    <a:masterClrMapping/>
+  </p:clrMapOvr>
+  <p:timing>
+    <p:tnLst>
+      <p:par>
+        <p:cTn id="1" dur="indefinite" restart="never" nodeType="tmRoot"/>
+      </p:par>
+    </p:tnLst>
+  </p:timing>
+</p:sld>
+</file>
+
+<file path=ppt/slides/slide3.xml><?xml version="1.0" encoding="utf-8"?>
+<p:sld xmlns:a="http://schemas.openxmlformats.org/drawingml/2006/main" xmlns:r="http://schemas.openxmlformats.org/officeDocument/2006/relationships" xmlns:p="http://schemas.openxmlformats.org/presentationml/2006/main">
+  <p:cSld>
+    <p:spTree>
+      <p:nvGrpSpPr>
+        <p:cNvPr id="1" name=""/>
+        <p:cNvGrpSpPr/>
+        <p:nvPr/>
+      </p:nvGrpSpPr>
+      <p:grpSpPr>
+        <a:xfrm>
+          <a:off x="0" y="0"/>
+          <a:ext cx="0" cy="0"/>
+          <a:chOff x="0" y="0"/>
+          <a:chExt cx="0" cy="0"/>
+        </a:xfrm>
+      </p:grpSpPr>
+      <p:grpSp>
+        <p:nvGrpSpPr>
+          <p:cNvPr id="7" name="Group 6"/>
+          <p:cNvGrpSpPr/>
+          <p:nvPr/>
+        </p:nvGrpSpPr>
+        <p:grpSpPr>
+          <a:xfrm>
+            <a:off x="0" y="926398"/>
+            <a:ext cx="5384218" cy="4825084"/>
+            <a:chOff x="2870571" y="882436"/>
+            <a:chExt cx="5384218" cy="4825084"/>
+          </a:xfrm>
+        </p:grpSpPr>
+        <p:pic>
+          <p:nvPicPr>
+            <p:cNvPr id="5" name="Picture 4"/>
+            <p:cNvPicPr>
+              <a:picLocks noChangeAspect="1"/>
+            </p:cNvPicPr>
+            <p:nvPr/>
+          </p:nvPicPr>
+          <p:blipFill rotWithShape="1">
+            <a:blip r:embed="rId2">
+              <a:extLst>
+                <a:ext uri="{28A0092B-C50C-407E-A947-70E740481C1C}">
+                  <a14:useLocalDpi xmlns:a14="http://schemas.microsoft.com/office/drawing/2010/main" val="0"/>
+                </a:ext>
+              </a:extLst>
+            </a:blip>
+            <a:srcRect l="23512" r="23512"/>
+            <a:stretch/>
+          </p:blipFill>
+          <p:spPr>
+            <a:xfrm>
+              <a:off x="2870571" y="882438"/>
+              <a:ext cx="2782882" cy="4825082"/>
+            </a:xfrm>
+            <a:prstGeom prst="rect">
+              <a:avLst/>
+            </a:prstGeom>
+          </p:spPr>
+        </p:pic>
+        <p:pic>
+          <p:nvPicPr>
+            <p:cNvPr id="6" name="Picture 5"/>
+            <p:cNvPicPr>
+              <a:picLocks noChangeAspect="1"/>
+            </p:cNvPicPr>
+            <p:nvPr/>
+          </p:nvPicPr>
+          <p:blipFill rotWithShape="1">
+            <a:blip r:embed="rId3">
+              <a:extLst>
+                <a:ext uri="{28A0092B-C50C-407E-A947-70E740481C1C}">
+                  <a14:useLocalDpi xmlns:a14="http://schemas.microsoft.com/office/drawing/2010/main" val="0"/>
+                </a:ext>
+              </a:extLst>
+            </a:blip>
+            <a:srcRect l="25225" r="25225"/>
+            <a:stretch/>
+          </p:blipFill>
+          <p:spPr>
+            <a:xfrm>
+              <a:off x="5651874" y="882436"/>
+              <a:ext cx="2602915" cy="4825083"/>
+            </a:xfrm>
+            <a:prstGeom prst="rect">
+              <a:avLst/>
+            </a:prstGeom>
+          </p:spPr>
+        </p:pic>
+      </p:grpSp>
+      <p:grpSp>
+        <p:nvGrpSpPr>
+          <p:cNvPr id="12" name="Group 11"/>
+          <p:cNvGrpSpPr>
+            <a:grpSpLocks noChangeAspect="1"/>
+          </p:cNvGrpSpPr>
+          <p:nvPr/>
+        </p:nvGrpSpPr>
+        <p:grpSpPr>
+          <a:xfrm>
+            <a:off x="6081002" y="537899"/>
+            <a:ext cx="5153055" cy="5602078"/>
+            <a:chOff x="5384218" y="-1"/>
+            <a:chExt cx="6308312" cy="6858001"/>
           </a:xfrm>
         </p:grpSpPr>
         <p:sp>
           <p:nvSpPr>
-            <p:cNvPr id="2" name="Rounded Rectangle 1"/>
+            <p:cNvPr id="11" name="Rectangle 10"/>
             <p:cNvSpPr/>
             <p:nvPr/>
           </p:nvSpPr>
           <p:spPr>
             <a:xfrm>
-              <a:off x="2286000" y="1776005"/>
-              <a:ext cx="2110154" cy="553998"/>
+              <a:off x="5627357" y="-1"/>
+              <a:ext cx="6065173" cy="6858000"/>
             </a:xfrm>
-            <a:prstGeom prst="roundRect">
+            <a:prstGeom prst="rect">
               <a:avLst/>
             </a:prstGeom>
-            <a:noFill/>
-            <a:ln w="57150">
-              <a:solidFill>
-                <a:schemeClr val="tx1"/>
-              </a:solidFill>
+            <a:solidFill>
+              <a:schemeClr val="bg1"/>
+            </a:solidFill>
+            <a:ln>
+              <a:noFill/>
             </a:ln>
           </p:spPr>
           <p:style>
@@ -3466,2091 +7926,115 @@
             </a:p>
           </p:txBody>
         </p:sp>
-        <p:sp>
-          <p:nvSpPr>
-            <p:cNvPr id="3" name="TextBox 2"/>
-            <p:cNvSpPr txBox="1"/>
+        <p:grpSp>
+          <p:nvGrpSpPr>
+            <p:cNvPr id="10" name="Group 9"/>
+            <p:cNvGrpSpPr/>
             <p:nvPr/>
-          </p:nvSpPr>
-          <p:spPr>
+          </p:nvGrpSpPr>
+          <p:grpSpPr>
             <a:xfrm>
-              <a:off x="2369527" y="1868338"/>
-              <a:ext cx="1943100" cy="369332"/>
+              <a:off x="5384218" y="-1"/>
+              <a:ext cx="6308312" cy="6858001"/>
+              <a:chOff x="5384218" y="-1"/>
+              <a:chExt cx="6308312" cy="6858001"/>
             </a:xfrm>
-            <a:prstGeom prst="rect">
-              <a:avLst/>
-            </a:prstGeom>
-            <a:noFill/>
-          </p:spPr>
-          <p:txBody>
-            <a:bodyPr wrap="square" rtlCol="0">
-              <a:spAutoFit/>
-            </a:bodyPr>
-            <a:lstStyle/>
-            <a:p>
-              <a:r>
-                <a:rPr lang="en-US" dirty="0" smtClean="0"/>
-                <a:t>Input landmark set</a:t>
-              </a:r>
-              <a:endParaRPr lang="en-US" dirty="0"/>
-            </a:p>
-          </p:txBody>
-        </p:sp>
+          </p:grpSpPr>
+          <p:pic>
+            <p:nvPicPr>
+              <p:cNvPr id="8" name="Picture 7"/>
+              <p:cNvPicPr>
+                <a:picLocks noChangeAspect="1"/>
+              </p:cNvPicPr>
+              <p:nvPr/>
+            </p:nvPicPr>
+            <p:blipFill rotWithShape="1">
+              <a:blip r:embed="rId4">
+                <a:extLst>
+                  <a:ext uri="{BEBA8EAE-BF5A-486C-A8C5-ECC9F3942E4B}">
+                    <a14:imgProps xmlns:a14="http://schemas.microsoft.com/office/drawing/2010/main">
+                      <a14:imgLayer r:embed="rId5">
+                        <a14:imgEffect>
+                          <a14:backgroundRemoval t="4213" b="95344" l="28819" r="72098"/>
+                        </a14:imgEffect>
+                      </a14:imgLayer>
+                    </a14:imgProps>
+                  </a:ext>
+                  <a:ext uri="{28A0092B-C50C-407E-A947-70E740481C1C}">
+                    <a14:useLocalDpi xmlns:a14="http://schemas.microsoft.com/office/drawing/2010/main" val="0"/>
+                  </a:ext>
+                </a:extLst>
+              </a:blip>
+              <a:srcRect l="24838" r="24838"/>
+              <a:stretch/>
+            </p:blipFill>
+            <p:spPr>
+              <a:xfrm>
+                <a:off x="5384218" y="0"/>
+                <a:ext cx="3757246" cy="6858000"/>
+              </a:xfrm>
+              <a:prstGeom prst="rect">
+                <a:avLst/>
+              </a:prstGeom>
+            </p:spPr>
+          </p:pic>
+          <p:pic>
+            <p:nvPicPr>
+              <p:cNvPr id="9" name="Picture 8"/>
+              <p:cNvPicPr>
+                <a:picLocks noChangeAspect="1"/>
+              </p:cNvPicPr>
+              <p:nvPr/>
+            </p:nvPicPr>
+            <p:blipFill rotWithShape="1">
+              <a:blip r:embed="rId6">
+                <a:extLst>
+                  <a:ext uri="{BEBA8EAE-BF5A-486C-A8C5-ECC9F3942E4B}">
+                    <a14:imgProps xmlns:a14="http://schemas.microsoft.com/office/drawing/2010/main">
+                      <a14:imgLayer r:embed="rId7">
+                        <a14:imgEffect>
+                          <a14:backgroundRemoval t="5322" b="94789" l="28921" r="72811"/>
+                        </a14:imgEffect>
+                      </a14:imgLayer>
+                    </a14:imgProps>
+                  </a:ext>
+                  <a:ext uri="{28A0092B-C50C-407E-A947-70E740481C1C}">
+                    <a14:useLocalDpi xmlns:a14="http://schemas.microsoft.com/office/drawing/2010/main" val="0"/>
+                  </a:ext>
+                </a:extLst>
+              </a:blip>
+              <a:srcRect l="24838" r="24838"/>
+              <a:stretch/>
+            </p:blipFill>
+            <p:spPr>
+              <a:xfrm>
+                <a:off x="7935284" y="-1"/>
+                <a:ext cx="3757246" cy="6858000"/>
+              </a:xfrm>
+              <a:prstGeom prst="rect">
+                <a:avLst/>
+              </a:prstGeom>
+            </p:spPr>
+          </p:pic>
+        </p:grpSp>
       </p:grpSp>
-      <p:grpSp>
-        <p:nvGrpSpPr>
-          <p:cNvPr id="8" name="Group 7"/>
-          <p:cNvGrpSpPr/>
-          <p:nvPr/>
-        </p:nvGrpSpPr>
-        <p:grpSpPr>
-          <a:xfrm>
-            <a:off x="3356158" y="691091"/>
-            <a:ext cx="2403840" cy="837578"/>
-            <a:chOff x="4989633" y="1449549"/>
-            <a:chExt cx="2403840" cy="837578"/>
-          </a:xfrm>
-        </p:grpSpPr>
-        <p:sp>
-          <p:nvSpPr>
-            <p:cNvPr id="5" name="Oval 4"/>
-            <p:cNvSpPr/>
-            <p:nvPr/>
-          </p:nvSpPr>
-          <p:spPr>
-            <a:xfrm>
-              <a:off x="4989633" y="1449549"/>
-              <a:ext cx="2403840" cy="837578"/>
-            </a:xfrm>
-            <a:prstGeom prst="ellipse">
-              <a:avLst/>
-            </a:prstGeom>
-            <a:noFill/>
-            <a:ln w="57150">
-              <a:solidFill>
-                <a:schemeClr val="tx1"/>
-              </a:solidFill>
-            </a:ln>
-          </p:spPr>
-          <p:style>
-            <a:lnRef idx="2">
-              <a:schemeClr val="accent1">
-                <a:shade val="50000"/>
-              </a:schemeClr>
-            </a:lnRef>
-            <a:fillRef idx="1">
-              <a:schemeClr val="accent1"/>
-            </a:fillRef>
-            <a:effectRef idx="0">
-              <a:schemeClr val="accent1"/>
-            </a:effectRef>
-            <a:fontRef idx="minor">
-              <a:schemeClr val="lt1"/>
-            </a:fontRef>
-          </p:style>
-          <p:txBody>
-            <a:bodyPr rtlCol="0" anchor="ctr"/>
-            <a:lstStyle/>
-            <a:p>
-              <a:pPr algn="ctr"/>
-              <a:endParaRPr lang="en-US"/>
-            </a:p>
-          </p:txBody>
-        </p:sp>
-        <p:sp>
-          <p:nvSpPr>
-            <p:cNvPr id="6" name="TextBox 5"/>
-            <p:cNvSpPr txBox="1"/>
-            <p:nvPr/>
-          </p:nvSpPr>
-          <p:spPr>
-            <a:xfrm>
-              <a:off x="5037562" y="1591339"/>
-              <a:ext cx="2307981" cy="646331"/>
-            </a:xfrm>
-            <a:prstGeom prst="rect">
-              <a:avLst/>
-            </a:prstGeom>
-            <a:noFill/>
-          </p:spPr>
-          <p:txBody>
-            <a:bodyPr wrap="square" rtlCol="0" anchor="ctr" anchorCtr="0">
-              <a:spAutoFit/>
-            </a:bodyPr>
-            <a:lstStyle/>
-            <a:p>
-              <a:pPr algn="ctr"/>
-              <a:r>
-                <a:rPr lang="en-US" dirty="0" smtClean="0"/>
-                <a:t>Identify left and right sides</a:t>
-              </a:r>
-              <a:endParaRPr lang="en-US" dirty="0"/>
-            </a:p>
-          </p:txBody>
-        </p:sp>
-      </p:grpSp>
-      <p:grpSp>
-        <p:nvGrpSpPr>
-          <p:cNvPr id="9" name="Group 8"/>
-          <p:cNvGrpSpPr/>
-          <p:nvPr/>
-        </p:nvGrpSpPr>
-        <p:grpSpPr>
-          <a:xfrm>
-            <a:off x="3503000" y="1907817"/>
-            <a:ext cx="2110154" cy="646332"/>
-            <a:chOff x="2286000" y="1868337"/>
-            <a:chExt cx="2110154" cy="646332"/>
-          </a:xfrm>
-        </p:grpSpPr>
-        <p:sp>
-          <p:nvSpPr>
-            <p:cNvPr id="10" name="Rounded Rectangle 9"/>
-            <p:cNvSpPr/>
-            <p:nvPr/>
-          </p:nvSpPr>
-          <p:spPr>
-            <a:xfrm>
-              <a:off x="2286000" y="1868337"/>
-              <a:ext cx="2110154" cy="646331"/>
-            </a:xfrm>
-            <a:prstGeom prst="roundRect">
-              <a:avLst/>
-            </a:prstGeom>
-            <a:noFill/>
-            <a:ln w="57150">
-              <a:solidFill>
-                <a:schemeClr val="tx1"/>
-              </a:solidFill>
-            </a:ln>
-          </p:spPr>
-          <p:style>
-            <a:lnRef idx="2">
-              <a:schemeClr val="accent1">
-                <a:shade val="50000"/>
-              </a:schemeClr>
-            </a:lnRef>
-            <a:fillRef idx="1">
-              <a:schemeClr val="accent1"/>
-            </a:fillRef>
-            <a:effectRef idx="0">
-              <a:schemeClr val="accent1"/>
-            </a:effectRef>
-            <a:fontRef idx="minor">
-              <a:schemeClr val="lt1"/>
-            </a:fontRef>
-          </p:style>
-          <p:txBody>
-            <a:bodyPr rtlCol="0" anchor="ctr"/>
-            <a:lstStyle/>
-            <a:p>
-              <a:pPr algn="ctr"/>
-              <a:endParaRPr lang="en-US"/>
-            </a:p>
-          </p:txBody>
-        </p:sp>
-        <p:sp>
-          <p:nvSpPr>
-            <p:cNvPr id="11" name="TextBox 10"/>
-            <p:cNvSpPr txBox="1"/>
-            <p:nvPr/>
-          </p:nvSpPr>
-          <p:spPr>
-            <a:xfrm>
-              <a:off x="2369527" y="1868338"/>
-              <a:ext cx="1943100" cy="646331"/>
-            </a:xfrm>
-            <a:prstGeom prst="rect">
-              <a:avLst/>
-            </a:prstGeom>
-            <a:noFill/>
-          </p:spPr>
-          <p:txBody>
-            <a:bodyPr wrap="square" rtlCol="0">
-              <a:spAutoFit/>
-            </a:bodyPr>
-            <a:lstStyle/>
-            <a:p>
-              <a:pPr algn="ctr"/>
-              <a:r>
-                <a:rPr lang="en-US" dirty="0" smtClean="0"/>
-                <a:t>Left or </a:t>
-              </a:r>
-              <a:r>
-                <a:rPr lang="en-US" dirty="0" smtClean="0"/>
-                <a:t>right </a:t>
-              </a:r>
-              <a:br>
-                <a:rPr lang="en-US" dirty="0" smtClean="0"/>
-              </a:br>
-              <a:r>
-                <a:rPr lang="en-US" dirty="0" smtClean="0"/>
-                <a:t>side </a:t>
-              </a:r>
-              <a:r>
-                <a:rPr lang="en-US" dirty="0" smtClean="0"/>
-                <a:t>landmarks</a:t>
-              </a:r>
-              <a:endParaRPr lang="en-US" dirty="0"/>
-            </a:p>
-          </p:txBody>
-        </p:sp>
-      </p:grpSp>
-      <p:grpSp>
-        <p:nvGrpSpPr>
-          <p:cNvPr id="12" name="Group 11"/>
-          <p:cNvGrpSpPr/>
-          <p:nvPr/>
-        </p:nvGrpSpPr>
-        <p:grpSpPr>
-          <a:xfrm>
-            <a:off x="351358" y="1801775"/>
-            <a:ext cx="2403840" cy="837578"/>
-            <a:chOff x="4989633" y="1449549"/>
-            <a:chExt cx="2403840" cy="837578"/>
-          </a:xfrm>
-        </p:grpSpPr>
-        <p:sp>
-          <p:nvSpPr>
-            <p:cNvPr id="13" name="Oval 12"/>
-            <p:cNvSpPr/>
-            <p:nvPr/>
-          </p:nvSpPr>
-          <p:spPr>
-            <a:xfrm>
-              <a:off x="4989633" y="1449549"/>
-              <a:ext cx="2403840" cy="837578"/>
-            </a:xfrm>
-            <a:prstGeom prst="ellipse">
-              <a:avLst/>
-            </a:prstGeom>
-            <a:noFill/>
-            <a:ln w="57150">
-              <a:solidFill>
-                <a:schemeClr val="tx1"/>
-              </a:solidFill>
-            </a:ln>
-          </p:spPr>
-          <p:style>
-            <a:lnRef idx="2">
-              <a:schemeClr val="accent1">
-                <a:shade val="50000"/>
-              </a:schemeClr>
-            </a:lnRef>
-            <a:fillRef idx="1">
-              <a:schemeClr val="accent1"/>
-            </a:fillRef>
-            <a:effectRef idx="0">
-              <a:schemeClr val="accent1"/>
-            </a:effectRef>
-            <a:fontRef idx="minor">
-              <a:schemeClr val="lt1"/>
-            </a:fontRef>
-          </p:style>
-          <p:txBody>
-            <a:bodyPr rtlCol="0" anchor="ctr"/>
-            <a:lstStyle/>
-            <a:p>
-              <a:pPr algn="ctr"/>
-              <a:endParaRPr lang="en-US"/>
-            </a:p>
-          </p:txBody>
-        </p:sp>
-        <p:sp>
-          <p:nvSpPr>
-            <p:cNvPr id="14" name="TextBox 13"/>
-            <p:cNvSpPr txBox="1"/>
-            <p:nvPr/>
-          </p:nvSpPr>
-          <p:spPr>
-            <a:xfrm>
-              <a:off x="5037562" y="1591339"/>
-              <a:ext cx="2307981" cy="646331"/>
-            </a:xfrm>
-            <a:prstGeom prst="rect">
-              <a:avLst/>
-            </a:prstGeom>
-            <a:noFill/>
-          </p:spPr>
-          <p:txBody>
-            <a:bodyPr wrap="square" rtlCol="0" anchor="ctr" anchorCtr="0">
-              <a:spAutoFit/>
-            </a:bodyPr>
-            <a:lstStyle/>
-            <a:p>
-              <a:pPr algn="ctr"/>
-              <a:r>
-                <a:rPr lang="en-US" dirty="0" smtClean="0"/>
-                <a:t>Fit polynomial to landmarks</a:t>
-              </a:r>
-              <a:endParaRPr lang="en-US" dirty="0"/>
-            </a:p>
-          </p:txBody>
-        </p:sp>
-      </p:grpSp>
-      <p:grpSp>
-        <p:nvGrpSpPr>
-          <p:cNvPr id="15" name="Group 14"/>
-          <p:cNvGrpSpPr/>
-          <p:nvPr/>
-        </p:nvGrpSpPr>
-        <p:grpSpPr>
-          <a:xfrm>
-            <a:off x="502906" y="3094340"/>
-            <a:ext cx="2110154" cy="646332"/>
-            <a:chOff x="2286000" y="1868337"/>
-            <a:chExt cx="2110154" cy="646332"/>
-          </a:xfrm>
-        </p:grpSpPr>
-        <p:sp>
-          <p:nvSpPr>
-            <p:cNvPr id="16" name="Rounded Rectangle 15"/>
-            <p:cNvSpPr/>
-            <p:nvPr/>
-          </p:nvSpPr>
-          <p:spPr>
-            <a:xfrm>
-              <a:off x="2286000" y="1868337"/>
-              <a:ext cx="2110154" cy="646331"/>
-            </a:xfrm>
-            <a:prstGeom prst="roundRect">
-              <a:avLst/>
-            </a:prstGeom>
-            <a:noFill/>
-            <a:ln w="57150">
-              <a:solidFill>
-                <a:schemeClr val="tx1"/>
-              </a:solidFill>
-            </a:ln>
-          </p:spPr>
-          <p:style>
-            <a:lnRef idx="2">
-              <a:schemeClr val="accent1">
-                <a:shade val="50000"/>
-              </a:schemeClr>
-            </a:lnRef>
-            <a:fillRef idx="1">
-              <a:schemeClr val="accent1"/>
-            </a:fillRef>
-            <a:effectRef idx="0">
-              <a:schemeClr val="accent1"/>
-            </a:effectRef>
-            <a:fontRef idx="minor">
-              <a:schemeClr val="lt1"/>
-            </a:fontRef>
-          </p:style>
-          <p:txBody>
-            <a:bodyPr rtlCol="0" anchor="ctr"/>
-            <a:lstStyle/>
-            <a:p>
-              <a:pPr algn="ctr"/>
-              <a:endParaRPr lang="en-US"/>
-            </a:p>
-          </p:txBody>
-        </p:sp>
-        <p:sp>
-          <p:nvSpPr>
-            <p:cNvPr id="17" name="TextBox 16"/>
-            <p:cNvSpPr txBox="1"/>
-            <p:nvPr/>
-          </p:nvSpPr>
-          <p:spPr>
-            <a:xfrm>
-              <a:off x="2369527" y="1868338"/>
-              <a:ext cx="1943100" cy="646331"/>
-            </a:xfrm>
-            <a:prstGeom prst="rect">
-              <a:avLst/>
-            </a:prstGeom>
-            <a:noFill/>
-          </p:spPr>
-          <p:txBody>
-            <a:bodyPr wrap="square" rtlCol="0">
-              <a:spAutoFit/>
-            </a:bodyPr>
-            <a:lstStyle/>
-            <a:p>
-              <a:pPr algn="ctr"/>
-              <a:r>
-                <a:rPr lang="en-US" dirty="0" smtClean="0"/>
-                <a:t>Landmarks polynomial fit</a:t>
-              </a:r>
-              <a:endParaRPr lang="en-US" dirty="0"/>
-            </a:p>
-          </p:txBody>
-        </p:sp>
-      </p:grpSp>
-      <p:grpSp>
-        <p:nvGrpSpPr>
-          <p:cNvPr id="18" name="Group 17"/>
-          <p:cNvGrpSpPr/>
-          <p:nvPr/>
-        </p:nvGrpSpPr>
-        <p:grpSpPr>
-          <a:xfrm>
-            <a:off x="3354803" y="3003329"/>
-            <a:ext cx="2403840" cy="837578"/>
-            <a:chOff x="4989633" y="1449549"/>
-            <a:chExt cx="2403840" cy="837578"/>
-          </a:xfrm>
-        </p:grpSpPr>
-        <p:sp>
-          <p:nvSpPr>
-            <p:cNvPr id="19" name="Oval 18"/>
-            <p:cNvSpPr/>
-            <p:nvPr/>
-          </p:nvSpPr>
-          <p:spPr>
-            <a:xfrm>
-              <a:off x="4989633" y="1449549"/>
-              <a:ext cx="2403840" cy="837578"/>
-            </a:xfrm>
-            <a:prstGeom prst="ellipse">
-              <a:avLst/>
-            </a:prstGeom>
-            <a:noFill/>
-            <a:ln w="57150">
-              <a:solidFill>
-                <a:schemeClr val="tx1"/>
-              </a:solidFill>
-            </a:ln>
-          </p:spPr>
-          <p:style>
-            <a:lnRef idx="2">
-              <a:schemeClr val="accent1">
-                <a:shade val="50000"/>
-              </a:schemeClr>
-            </a:lnRef>
-            <a:fillRef idx="1">
-              <a:schemeClr val="accent1"/>
-            </a:fillRef>
-            <a:effectRef idx="0">
-              <a:schemeClr val="accent1"/>
-            </a:effectRef>
-            <a:fontRef idx="minor">
-              <a:schemeClr val="lt1"/>
-            </a:fontRef>
-          </p:style>
-          <p:txBody>
-            <a:bodyPr rtlCol="0" anchor="ctr"/>
-            <a:lstStyle/>
-            <a:p>
-              <a:pPr algn="ctr"/>
-              <a:endParaRPr lang="en-US"/>
-            </a:p>
-          </p:txBody>
-        </p:sp>
-        <p:sp>
-          <p:nvSpPr>
-            <p:cNvPr id="20" name="TextBox 19"/>
-            <p:cNvSpPr txBox="1"/>
-            <p:nvPr/>
-          </p:nvSpPr>
-          <p:spPr>
-            <a:xfrm>
-              <a:off x="5073160" y="1535429"/>
-              <a:ext cx="2307981" cy="646331"/>
-            </a:xfrm>
-            <a:prstGeom prst="rect">
-              <a:avLst/>
-            </a:prstGeom>
-            <a:noFill/>
-          </p:spPr>
-          <p:txBody>
-            <a:bodyPr wrap="square" rtlCol="0" anchor="ctr" anchorCtr="0">
-              <a:spAutoFit/>
-            </a:bodyPr>
-            <a:lstStyle/>
-            <a:p>
-              <a:pPr algn="ctr"/>
-              <a:r>
-                <a:rPr lang="en-US" dirty="0" smtClean="0"/>
-                <a:t>Fit polynomial to landmark spacing</a:t>
-              </a:r>
-              <a:endParaRPr lang="en-US" dirty="0"/>
-            </a:p>
-          </p:txBody>
-        </p:sp>
-      </p:grpSp>
-      <p:cxnSp>
-        <p:nvCxnSpPr>
-          <p:cNvPr id="22" name="Straight Arrow Connector 21"/>
-          <p:cNvCxnSpPr>
-            <a:stCxn id="2" idx="3"/>
-            <a:endCxn id="5" idx="2"/>
-          </p:cNvCxnSpPr>
-          <p:nvPr/>
-        </p:nvCxnSpPr>
-        <p:spPr>
-          <a:xfrm>
-            <a:off x="2556692" y="1105969"/>
-            <a:ext cx="799466" cy="3911"/>
-          </a:xfrm>
-          <a:prstGeom prst="straightConnector1">
-            <a:avLst/>
-          </a:prstGeom>
-          <a:ln w="57150">
-            <a:solidFill>
-              <a:schemeClr val="tx1"/>
-            </a:solidFill>
-            <a:tailEnd type="triangle"/>
-          </a:ln>
-        </p:spPr>
-        <p:style>
-          <a:lnRef idx="1">
-            <a:schemeClr val="accent1"/>
-          </a:lnRef>
-          <a:fillRef idx="0">
-            <a:schemeClr val="accent1"/>
-          </a:fillRef>
-          <a:effectRef idx="0">
-            <a:schemeClr val="accent1"/>
-          </a:effectRef>
-          <a:fontRef idx="minor">
-            <a:schemeClr val="tx1"/>
-          </a:fontRef>
-        </p:style>
-      </p:cxnSp>
-      <p:cxnSp>
-        <p:nvCxnSpPr>
-          <p:cNvPr id="24" name="Straight Arrow Connector 23"/>
-          <p:cNvCxnSpPr>
-            <a:stCxn id="5" idx="4"/>
-            <a:endCxn id="10" idx="0"/>
-          </p:cNvCxnSpPr>
-          <p:nvPr/>
-        </p:nvCxnSpPr>
-        <p:spPr>
-          <a:xfrm flipH="1">
-            <a:off x="4558077" y="1528669"/>
-            <a:ext cx="1" cy="379148"/>
-          </a:xfrm>
-          <a:prstGeom prst="straightConnector1">
-            <a:avLst/>
-          </a:prstGeom>
-          <a:ln w="57150">
-            <a:solidFill>
-              <a:schemeClr val="tx1"/>
-            </a:solidFill>
-            <a:tailEnd type="triangle"/>
-          </a:ln>
-        </p:spPr>
-        <p:style>
-          <a:lnRef idx="1">
-            <a:schemeClr val="accent1"/>
-          </a:lnRef>
-          <a:fillRef idx="0">
-            <a:schemeClr val="accent1"/>
-          </a:fillRef>
-          <a:effectRef idx="0">
-            <a:schemeClr val="accent1"/>
-          </a:effectRef>
-          <a:fontRef idx="minor">
-            <a:schemeClr val="tx1"/>
-          </a:fontRef>
-        </p:style>
-      </p:cxnSp>
-      <p:cxnSp>
-        <p:nvCxnSpPr>
-          <p:cNvPr id="26" name="Straight Arrow Connector 25"/>
-          <p:cNvCxnSpPr>
-            <a:stCxn id="10" idx="1"/>
-            <a:endCxn id="13" idx="6"/>
-          </p:cNvCxnSpPr>
-          <p:nvPr/>
-        </p:nvCxnSpPr>
-        <p:spPr>
-          <a:xfrm flipH="1" flipV="1">
-            <a:off x="2755198" y="2220564"/>
-            <a:ext cx="747802" cy="10419"/>
-          </a:xfrm>
-          <a:prstGeom prst="straightConnector1">
-            <a:avLst/>
-          </a:prstGeom>
-          <a:ln w="57150">
-            <a:solidFill>
-              <a:schemeClr val="tx1"/>
-            </a:solidFill>
-            <a:tailEnd type="triangle"/>
-          </a:ln>
-        </p:spPr>
-        <p:style>
-          <a:lnRef idx="1">
-            <a:schemeClr val="accent1"/>
-          </a:lnRef>
-          <a:fillRef idx="0">
-            <a:schemeClr val="accent1"/>
-          </a:fillRef>
-          <a:effectRef idx="0">
-            <a:schemeClr val="accent1"/>
-          </a:effectRef>
-          <a:fontRef idx="minor">
-            <a:schemeClr val="tx1"/>
-          </a:fontRef>
-        </p:style>
-      </p:cxnSp>
-      <p:cxnSp>
-        <p:nvCxnSpPr>
-          <p:cNvPr id="30" name="Straight Arrow Connector 29"/>
-          <p:cNvCxnSpPr>
-            <a:stCxn id="13" idx="4"/>
-            <a:endCxn id="17" idx="0"/>
-          </p:cNvCxnSpPr>
-          <p:nvPr/>
-        </p:nvCxnSpPr>
-        <p:spPr>
-          <a:xfrm>
-            <a:off x="1553278" y="2639353"/>
-            <a:ext cx="4705" cy="454988"/>
-          </a:xfrm>
-          <a:prstGeom prst="straightConnector1">
-            <a:avLst/>
-          </a:prstGeom>
-          <a:ln w="57150">
-            <a:solidFill>
-              <a:schemeClr val="tx1"/>
-            </a:solidFill>
-            <a:tailEnd type="triangle"/>
-          </a:ln>
-        </p:spPr>
-        <p:style>
-          <a:lnRef idx="1">
-            <a:schemeClr val="accent1"/>
-          </a:lnRef>
-          <a:fillRef idx="0">
-            <a:schemeClr val="accent1"/>
-          </a:fillRef>
-          <a:effectRef idx="0">
-            <a:schemeClr val="accent1"/>
-          </a:effectRef>
-          <a:fontRef idx="minor">
-            <a:schemeClr val="tx1"/>
-          </a:fontRef>
-        </p:style>
-      </p:cxnSp>
-      <p:cxnSp>
-        <p:nvCxnSpPr>
-          <p:cNvPr id="32" name="Straight Arrow Connector 31"/>
-          <p:cNvCxnSpPr>
-            <a:stCxn id="11" idx="2"/>
-            <a:endCxn id="19" idx="0"/>
-          </p:cNvCxnSpPr>
-          <p:nvPr/>
-        </p:nvCxnSpPr>
-        <p:spPr>
-          <a:xfrm flipH="1">
-            <a:off x="4556723" y="2554149"/>
-            <a:ext cx="1354" cy="449180"/>
-          </a:xfrm>
-          <a:prstGeom prst="straightConnector1">
-            <a:avLst/>
-          </a:prstGeom>
-          <a:ln w="57150">
-            <a:solidFill>
-              <a:schemeClr val="tx1"/>
-            </a:solidFill>
-            <a:tailEnd type="triangle"/>
-          </a:ln>
-        </p:spPr>
-        <p:style>
-          <a:lnRef idx="1">
-            <a:schemeClr val="accent1"/>
-          </a:lnRef>
-          <a:fillRef idx="0">
-            <a:schemeClr val="accent1"/>
-          </a:fillRef>
-          <a:effectRef idx="0">
-            <a:schemeClr val="accent1"/>
-          </a:effectRef>
-          <a:fontRef idx="minor">
-            <a:schemeClr val="tx1"/>
-          </a:fontRef>
-        </p:style>
-      </p:cxnSp>
-      <p:grpSp>
-        <p:nvGrpSpPr>
-          <p:cNvPr id="39" name="Group 38"/>
-          <p:cNvGrpSpPr/>
-          <p:nvPr/>
-        </p:nvGrpSpPr>
-        <p:grpSpPr>
-          <a:xfrm>
-            <a:off x="3503000" y="4282373"/>
-            <a:ext cx="2110154" cy="646332"/>
-            <a:chOff x="2286000" y="1868337"/>
-            <a:chExt cx="2110154" cy="646332"/>
-          </a:xfrm>
-        </p:grpSpPr>
-        <p:sp>
-          <p:nvSpPr>
-            <p:cNvPr id="40" name="Rounded Rectangle 39"/>
-            <p:cNvSpPr/>
-            <p:nvPr/>
-          </p:nvSpPr>
-          <p:spPr>
-            <a:xfrm>
-              <a:off x="2286000" y="1868337"/>
-              <a:ext cx="2110154" cy="646331"/>
-            </a:xfrm>
-            <a:prstGeom prst="roundRect">
-              <a:avLst/>
-            </a:prstGeom>
-            <a:noFill/>
-            <a:ln w="57150">
-              <a:solidFill>
-                <a:schemeClr val="tx1"/>
-              </a:solidFill>
-            </a:ln>
-          </p:spPr>
-          <p:style>
-            <a:lnRef idx="2">
-              <a:schemeClr val="accent1">
-                <a:shade val="50000"/>
-              </a:schemeClr>
-            </a:lnRef>
-            <a:fillRef idx="1">
-              <a:schemeClr val="accent1"/>
-            </a:fillRef>
-            <a:effectRef idx="0">
-              <a:schemeClr val="accent1"/>
-            </a:effectRef>
-            <a:fontRef idx="minor">
-              <a:schemeClr val="lt1"/>
-            </a:fontRef>
-          </p:style>
-          <p:txBody>
-            <a:bodyPr rtlCol="0" anchor="ctr"/>
-            <a:lstStyle/>
-            <a:p>
-              <a:pPr algn="ctr"/>
-              <a:endParaRPr lang="en-US"/>
-            </a:p>
-          </p:txBody>
-        </p:sp>
-        <p:sp>
-          <p:nvSpPr>
-            <p:cNvPr id="41" name="TextBox 40"/>
-            <p:cNvSpPr txBox="1"/>
-            <p:nvPr/>
-          </p:nvSpPr>
-          <p:spPr>
-            <a:xfrm>
-              <a:off x="2369527" y="1868338"/>
-              <a:ext cx="1943100" cy="646331"/>
-            </a:xfrm>
-            <a:prstGeom prst="rect">
-              <a:avLst/>
-            </a:prstGeom>
-            <a:noFill/>
-          </p:spPr>
-          <p:txBody>
-            <a:bodyPr wrap="square" rtlCol="0">
-              <a:spAutoFit/>
-            </a:bodyPr>
-            <a:lstStyle/>
-            <a:p>
-              <a:pPr algn="ctr"/>
-              <a:r>
-                <a:rPr lang="en-US" dirty="0" smtClean="0"/>
-                <a:t>Spacing </a:t>
-              </a:r>
-              <a:r>
-                <a:rPr lang="en-US" dirty="0" smtClean="0"/>
-                <a:t>polynomial fit</a:t>
-              </a:r>
-              <a:endParaRPr lang="en-US" dirty="0"/>
-            </a:p>
-          </p:txBody>
-        </p:sp>
-      </p:grpSp>
-      <p:grpSp>
-        <p:nvGrpSpPr>
-          <p:cNvPr id="42" name="Group 41"/>
-          <p:cNvGrpSpPr/>
-          <p:nvPr/>
-        </p:nvGrpSpPr>
-        <p:grpSpPr>
-          <a:xfrm>
-            <a:off x="6419190" y="4161515"/>
-            <a:ext cx="2675048" cy="888046"/>
-            <a:chOff x="4989633" y="1407201"/>
-            <a:chExt cx="2403840" cy="837578"/>
-          </a:xfrm>
-        </p:grpSpPr>
-        <p:sp>
-          <p:nvSpPr>
-            <p:cNvPr id="43" name="Oval 42"/>
-            <p:cNvSpPr/>
-            <p:nvPr/>
-          </p:nvSpPr>
-          <p:spPr>
-            <a:xfrm>
-              <a:off x="4989633" y="1407201"/>
-              <a:ext cx="2403840" cy="837578"/>
-            </a:xfrm>
-            <a:prstGeom prst="ellipse">
-              <a:avLst/>
-            </a:prstGeom>
-            <a:noFill/>
-            <a:ln w="57150">
-              <a:solidFill>
-                <a:schemeClr val="tx1"/>
-              </a:solidFill>
-            </a:ln>
-          </p:spPr>
-          <p:style>
-            <a:lnRef idx="2">
-              <a:schemeClr val="accent1">
-                <a:shade val="50000"/>
-              </a:schemeClr>
-            </a:lnRef>
-            <a:fillRef idx="1">
-              <a:schemeClr val="accent1"/>
-            </a:fillRef>
-            <a:effectRef idx="0">
-              <a:schemeClr val="accent1"/>
-            </a:effectRef>
-            <a:fontRef idx="minor">
-              <a:schemeClr val="lt1"/>
-            </a:fontRef>
-          </p:style>
-          <p:txBody>
-            <a:bodyPr rtlCol="0" anchor="ctr"/>
-            <a:lstStyle/>
-            <a:p>
-              <a:pPr algn="ctr"/>
-              <a:endParaRPr lang="en-US"/>
-            </a:p>
-          </p:txBody>
-        </p:sp>
-        <p:sp>
-          <p:nvSpPr>
-            <p:cNvPr id="44" name="TextBox 43"/>
-            <p:cNvSpPr txBox="1"/>
-            <p:nvPr/>
-          </p:nvSpPr>
-          <p:spPr>
-            <a:xfrm>
-              <a:off x="5037562" y="1545172"/>
-              <a:ext cx="2307981" cy="646331"/>
-            </a:xfrm>
-            <a:prstGeom prst="rect">
-              <a:avLst/>
-            </a:prstGeom>
-            <a:noFill/>
-          </p:spPr>
-          <p:txBody>
-            <a:bodyPr wrap="square" rtlCol="0" anchor="ctr" anchorCtr="0">
-              <a:spAutoFit/>
-            </a:bodyPr>
-            <a:lstStyle/>
-            <a:p>
-              <a:pPr algn="ctr"/>
-              <a:r>
-                <a:rPr lang="en-US" dirty="0" smtClean="0"/>
-                <a:t>Impute points optimizing spacing fit</a:t>
-              </a:r>
-              <a:endParaRPr lang="en-US" dirty="0"/>
-            </a:p>
-          </p:txBody>
-        </p:sp>
-      </p:grpSp>
-      <p:grpSp>
-        <p:nvGrpSpPr>
-          <p:cNvPr id="45" name="Group 44"/>
-          <p:cNvGrpSpPr/>
-          <p:nvPr/>
-        </p:nvGrpSpPr>
-        <p:grpSpPr>
-          <a:xfrm>
-            <a:off x="3351524" y="5544913"/>
-            <a:ext cx="2403840" cy="837578"/>
-            <a:chOff x="4989633" y="1449549"/>
-            <a:chExt cx="2403840" cy="837578"/>
-          </a:xfrm>
-        </p:grpSpPr>
-        <p:sp>
-          <p:nvSpPr>
-            <p:cNvPr id="46" name="Oval 45"/>
-            <p:cNvSpPr/>
-            <p:nvPr/>
-          </p:nvSpPr>
-          <p:spPr>
-            <a:xfrm>
-              <a:off x="4989633" y="1449549"/>
-              <a:ext cx="2403840" cy="837578"/>
-            </a:xfrm>
-            <a:prstGeom prst="ellipse">
-              <a:avLst/>
-            </a:prstGeom>
-            <a:noFill/>
-            <a:ln w="57150">
-              <a:solidFill>
-                <a:schemeClr val="tx1"/>
-              </a:solidFill>
-            </a:ln>
-          </p:spPr>
-          <p:style>
-            <a:lnRef idx="2">
-              <a:schemeClr val="accent1">
-                <a:shade val="50000"/>
-              </a:schemeClr>
-            </a:lnRef>
-            <a:fillRef idx="1">
-              <a:schemeClr val="accent1"/>
-            </a:fillRef>
-            <a:effectRef idx="0">
-              <a:schemeClr val="accent1"/>
-            </a:effectRef>
-            <a:fontRef idx="minor">
-              <a:schemeClr val="lt1"/>
-            </a:fontRef>
-          </p:style>
-          <p:txBody>
-            <a:bodyPr rtlCol="0" anchor="ctr"/>
-            <a:lstStyle/>
-            <a:p>
-              <a:pPr algn="ctr"/>
-              <a:endParaRPr lang="en-US"/>
-            </a:p>
-          </p:txBody>
-        </p:sp>
-        <p:sp>
-          <p:nvSpPr>
-            <p:cNvPr id="47" name="TextBox 46"/>
-            <p:cNvSpPr txBox="1"/>
-            <p:nvPr/>
-          </p:nvSpPr>
-          <p:spPr>
-            <a:xfrm>
-              <a:off x="5073160" y="1535429"/>
-              <a:ext cx="2307981" cy="646331"/>
-            </a:xfrm>
-            <a:prstGeom prst="rect">
-              <a:avLst/>
-            </a:prstGeom>
-            <a:noFill/>
-          </p:spPr>
-          <p:txBody>
-            <a:bodyPr wrap="square" rtlCol="0" anchor="ctr" anchorCtr="0">
-              <a:spAutoFit/>
-            </a:bodyPr>
-            <a:lstStyle/>
-            <a:p>
-              <a:pPr algn="ctr"/>
-              <a:r>
-                <a:rPr lang="en-US" dirty="0" smtClean="0"/>
-                <a:t>Identify unusually </a:t>
-              </a:r>
-              <a:br>
-                <a:rPr lang="en-US" dirty="0" smtClean="0"/>
-              </a:br>
-              <a:r>
-                <a:rPr lang="en-US" dirty="0" smtClean="0"/>
-                <a:t>long intervals</a:t>
-              </a:r>
-              <a:endParaRPr lang="en-US" dirty="0"/>
-            </a:p>
-          </p:txBody>
-        </p:sp>
-      </p:grpSp>
-      <p:cxnSp>
-        <p:nvCxnSpPr>
-          <p:cNvPr id="69" name="Straight Arrow Connector 68"/>
-          <p:cNvCxnSpPr>
-            <a:stCxn id="16" idx="3"/>
-            <a:endCxn id="19" idx="2"/>
-          </p:cNvCxnSpPr>
-          <p:nvPr/>
-        </p:nvCxnSpPr>
-        <p:spPr>
-          <a:xfrm>
-            <a:off x="2613060" y="3417506"/>
-            <a:ext cx="741743" cy="4612"/>
-          </a:xfrm>
-          <a:prstGeom prst="straightConnector1">
-            <a:avLst/>
-          </a:prstGeom>
-          <a:ln w="57150">
-            <a:solidFill>
-              <a:schemeClr val="tx1"/>
-            </a:solidFill>
-            <a:tailEnd type="triangle"/>
-          </a:ln>
-        </p:spPr>
-        <p:style>
-          <a:lnRef idx="1">
-            <a:schemeClr val="accent1"/>
-          </a:lnRef>
-          <a:fillRef idx="0">
-            <a:schemeClr val="accent1"/>
-          </a:fillRef>
-          <a:effectRef idx="0">
-            <a:schemeClr val="accent1"/>
-          </a:effectRef>
-          <a:fontRef idx="minor">
-            <a:schemeClr val="tx1"/>
-          </a:fontRef>
-        </p:style>
-      </p:cxnSp>
-      <p:cxnSp>
-        <p:nvCxnSpPr>
-          <p:cNvPr id="71" name="Straight Arrow Connector 70"/>
-          <p:cNvCxnSpPr>
-            <a:stCxn id="19" idx="4"/>
-            <a:endCxn id="41" idx="0"/>
-          </p:cNvCxnSpPr>
-          <p:nvPr/>
-        </p:nvCxnSpPr>
-        <p:spPr>
-          <a:xfrm>
-            <a:off x="4556723" y="3840907"/>
-            <a:ext cx="1354" cy="441467"/>
-          </a:xfrm>
-          <a:prstGeom prst="straightConnector1">
-            <a:avLst/>
-          </a:prstGeom>
-          <a:ln w="57150">
-            <a:solidFill>
-              <a:schemeClr val="tx1"/>
-            </a:solidFill>
-            <a:tailEnd type="triangle"/>
-          </a:ln>
-        </p:spPr>
-        <p:style>
-          <a:lnRef idx="1">
-            <a:schemeClr val="accent1"/>
-          </a:lnRef>
-          <a:fillRef idx="0">
-            <a:schemeClr val="accent1"/>
-          </a:fillRef>
-          <a:effectRef idx="0">
-            <a:schemeClr val="accent1"/>
-          </a:effectRef>
-          <a:fontRef idx="minor">
-            <a:schemeClr val="tx1"/>
-          </a:fontRef>
-        </p:style>
-      </p:cxnSp>
-      <p:cxnSp>
-        <p:nvCxnSpPr>
-          <p:cNvPr id="73" name="Straight Arrow Connector 72"/>
-          <p:cNvCxnSpPr>
-            <a:stCxn id="41" idx="2"/>
-            <a:endCxn id="46" idx="0"/>
-          </p:cNvCxnSpPr>
-          <p:nvPr/>
-        </p:nvCxnSpPr>
-        <p:spPr>
-          <a:xfrm flipH="1">
-            <a:off x="4553444" y="4928705"/>
-            <a:ext cx="4633" cy="616208"/>
-          </a:xfrm>
-          <a:prstGeom prst="straightConnector1">
-            <a:avLst/>
-          </a:prstGeom>
-          <a:ln w="57150">
-            <a:solidFill>
-              <a:schemeClr val="tx1"/>
-            </a:solidFill>
-            <a:tailEnd type="triangle"/>
-          </a:ln>
-        </p:spPr>
-        <p:style>
-          <a:lnRef idx="1">
-            <a:schemeClr val="accent1"/>
-          </a:lnRef>
-          <a:fillRef idx="0">
-            <a:schemeClr val="accent1"/>
-          </a:fillRef>
-          <a:effectRef idx="0">
-            <a:schemeClr val="accent1"/>
-          </a:effectRef>
-          <a:fontRef idx="minor">
-            <a:schemeClr val="tx1"/>
-          </a:fontRef>
-        </p:style>
-      </p:cxnSp>
-      <p:grpSp>
-        <p:nvGrpSpPr>
-          <p:cNvPr id="79" name="Group 78"/>
-          <p:cNvGrpSpPr/>
-          <p:nvPr/>
-        </p:nvGrpSpPr>
-        <p:grpSpPr>
-          <a:xfrm>
-            <a:off x="6643664" y="5630793"/>
-            <a:ext cx="2221400" cy="923331"/>
-            <a:chOff x="2286000" y="1868337"/>
-            <a:chExt cx="2110154" cy="923331"/>
-          </a:xfrm>
-        </p:grpSpPr>
-        <p:sp>
-          <p:nvSpPr>
-            <p:cNvPr id="80" name="Rounded Rectangle 79"/>
-            <p:cNvSpPr/>
-            <p:nvPr/>
-          </p:nvSpPr>
-          <p:spPr>
-            <a:xfrm>
-              <a:off x="2286000" y="1868337"/>
-              <a:ext cx="2110154" cy="646331"/>
-            </a:xfrm>
-            <a:prstGeom prst="roundRect">
-              <a:avLst/>
-            </a:prstGeom>
-            <a:noFill/>
-            <a:ln w="57150">
-              <a:solidFill>
-                <a:schemeClr val="tx1"/>
-              </a:solidFill>
-            </a:ln>
-          </p:spPr>
-          <p:style>
-            <a:lnRef idx="2">
-              <a:schemeClr val="accent1">
-                <a:shade val="50000"/>
-              </a:schemeClr>
-            </a:lnRef>
-            <a:fillRef idx="1">
-              <a:schemeClr val="accent1"/>
-            </a:fillRef>
-            <a:effectRef idx="0">
-              <a:schemeClr val="accent1"/>
-            </a:effectRef>
-            <a:fontRef idx="minor">
-              <a:schemeClr val="lt1"/>
-            </a:fontRef>
-          </p:style>
-          <p:txBody>
-            <a:bodyPr rtlCol="0" anchor="ctr"/>
-            <a:lstStyle/>
-            <a:p>
-              <a:pPr algn="ctr"/>
-              <a:endParaRPr lang="en-US"/>
-            </a:p>
-          </p:txBody>
-        </p:sp>
-        <p:sp>
-          <p:nvSpPr>
-            <p:cNvPr id="81" name="TextBox 80"/>
-            <p:cNvSpPr txBox="1"/>
-            <p:nvPr/>
-          </p:nvSpPr>
-          <p:spPr>
-            <a:xfrm>
-              <a:off x="2369527" y="1868338"/>
-              <a:ext cx="1943100" cy="923330"/>
-            </a:xfrm>
-            <a:prstGeom prst="rect">
-              <a:avLst/>
-            </a:prstGeom>
-            <a:noFill/>
-          </p:spPr>
-          <p:txBody>
-            <a:bodyPr wrap="square" rtlCol="0">
-              <a:spAutoFit/>
-            </a:bodyPr>
-            <a:lstStyle/>
-            <a:p>
-              <a:pPr algn="ctr"/>
-              <a:r>
-                <a:rPr lang="en-US" dirty="0" smtClean="0"/>
-                <a:t>Intervals suspected of omission</a:t>
-              </a:r>
-              <a:endParaRPr lang="en-US" dirty="0"/>
-            </a:p>
-          </p:txBody>
-        </p:sp>
-      </p:grpSp>
-      <p:cxnSp>
-        <p:nvCxnSpPr>
-          <p:cNvPr id="87" name="Straight Arrow Connector 86"/>
-          <p:cNvCxnSpPr>
-            <a:stCxn id="46" idx="6"/>
-            <a:endCxn id="80" idx="1"/>
-          </p:cNvCxnSpPr>
-          <p:nvPr/>
-        </p:nvCxnSpPr>
-        <p:spPr>
-          <a:xfrm flipV="1">
-            <a:off x="5755364" y="5953959"/>
-            <a:ext cx="888300" cy="9743"/>
-          </a:xfrm>
-          <a:prstGeom prst="straightConnector1">
-            <a:avLst/>
-          </a:prstGeom>
-          <a:ln w="57150">
-            <a:solidFill>
-              <a:schemeClr val="tx1"/>
-            </a:solidFill>
-            <a:tailEnd type="triangle"/>
-          </a:ln>
-        </p:spPr>
-        <p:style>
-          <a:lnRef idx="1">
-            <a:schemeClr val="accent1"/>
-          </a:lnRef>
-          <a:fillRef idx="0">
-            <a:schemeClr val="accent1"/>
-          </a:fillRef>
-          <a:effectRef idx="0">
-            <a:schemeClr val="accent1"/>
-          </a:effectRef>
-          <a:fontRef idx="minor">
-            <a:schemeClr val="tx1"/>
-          </a:fontRef>
-        </p:style>
-      </p:cxnSp>
-      <p:cxnSp>
-        <p:nvCxnSpPr>
-          <p:cNvPr id="89" name="Straight Arrow Connector 88"/>
-          <p:cNvCxnSpPr>
-            <a:stCxn id="81" idx="0"/>
-            <a:endCxn id="43" idx="4"/>
-          </p:cNvCxnSpPr>
-          <p:nvPr/>
-        </p:nvCxnSpPr>
-        <p:spPr>
-          <a:xfrm flipV="1">
-            <a:off x="7754364" y="5049561"/>
-            <a:ext cx="2350" cy="581233"/>
-          </a:xfrm>
-          <a:prstGeom prst="straightConnector1">
-            <a:avLst/>
-          </a:prstGeom>
-          <a:ln w="57150">
-            <a:solidFill>
-              <a:schemeClr val="tx1"/>
-            </a:solidFill>
-            <a:tailEnd type="triangle"/>
-          </a:ln>
-        </p:spPr>
-        <p:style>
-          <a:lnRef idx="1">
-            <a:schemeClr val="accent1"/>
-          </a:lnRef>
-          <a:fillRef idx="0">
-            <a:schemeClr val="accent1"/>
-          </a:fillRef>
-          <a:effectRef idx="0">
-            <a:schemeClr val="accent1"/>
-          </a:effectRef>
-          <a:fontRef idx="minor">
-            <a:schemeClr val="tx1"/>
-          </a:fontRef>
-        </p:style>
-      </p:cxnSp>
-      <p:grpSp>
-        <p:nvGrpSpPr>
-          <p:cNvPr id="98" name="Group 97"/>
-          <p:cNvGrpSpPr/>
-          <p:nvPr/>
-        </p:nvGrpSpPr>
-        <p:grpSpPr>
-          <a:xfrm>
-            <a:off x="6547344" y="1819881"/>
-            <a:ext cx="2403840" cy="837578"/>
-            <a:chOff x="4989633" y="1449549"/>
-            <a:chExt cx="2403840" cy="837578"/>
-          </a:xfrm>
-        </p:grpSpPr>
-        <p:sp>
-          <p:nvSpPr>
-            <p:cNvPr id="99" name="Oval 98"/>
-            <p:cNvSpPr/>
-            <p:nvPr/>
-          </p:nvSpPr>
-          <p:spPr>
-            <a:xfrm>
-              <a:off x="4989633" y="1449549"/>
-              <a:ext cx="2403840" cy="837578"/>
-            </a:xfrm>
-            <a:prstGeom prst="ellipse">
-              <a:avLst/>
-            </a:prstGeom>
-            <a:noFill/>
-            <a:ln w="57150">
-              <a:solidFill>
-                <a:schemeClr val="tx1"/>
-              </a:solidFill>
-            </a:ln>
-          </p:spPr>
-          <p:style>
-            <a:lnRef idx="2">
-              <a:schemeClr val="accent1">
-                <a:shade val="50000"/>
-              </a:schemeClr>
-            </a:lnRef>
-            <a:fillRef idx="1">
-              <a:schemeClr val="accent1"/>
-            </a:fillRef>
-            <a:effectRef idx="0">
-              <a:schemeClr val="accent1"/>
-            </a:effectRef>
-            <a:fontRef idx="minor">
-              <a:schemeClr val="lt1"/>
-            </a:fontRef>
-          </p:style>
-          <p:txBody>
-            <a:bodyPr rtlCol="0" anchor="ctr"/>
-            <a:lstStyle/>
-            <a:p>
-              <a:pPr algn="ctr"/>
-              <a:endParaRPr lang="en-US"/>
-            </a:p>
-          </p:txBody>
-        </p:sp>
-        <p:sp>
-          <p:nvSpPr>
-            <p:cNvPr id="100" name="TextBox 99"/>
-            <p:cNvSpPr txBox="1"/>
-            <p:nvPr/>
-          </p:nvSpPr>
-          <p:spPr>
-            <a:xfrm>
-              <a:off x="5073160" y="1673928"/>
-              <a:ext cx="2307981" cy="369332"/>
-            </a:xfrm>
-            <a:prstGeom prst="rect">
-              <a:avLst/>
-            </a:prstGeom>
-            <a:noFill/>
-          </p:spPr>
-          <p:txBody>
-            <a:bodyPr wrap="square" rtlCol="0" anchor="ctr" anchorCtr="0">
-              <a:spAutoFit/>
-            </a:bodyPr>
-            <a:lstStyle/>
-            <a:p>
-              <a:pPr algn="ctr"/>
-              <a:r>
-                <a:rPr lang="en-US" dirty="0" smtClean="0"/>
-                <a:t>Operator is satisfied?</a:t>
-              </a:r>
-              <a:endParaRPr lang="en-US" dirty="0"/>
-            </a:p>
-          </p:txBody>
-        </p:sp>
-      </p:grpSp>
-      <p:grpSp>
-        <p:nvGrpSpPr>
-          <p:cNvPr id="101" name="Group 100"/>
-          <p:cNvGrpSpPr/>
-          <p:nvPr/>
-        </p:nvGrpSpPr>
-        <p:grpSpPr>
-          <a:xfrm>
-            <a:off x="6697850" y="3061617"/>
-            <a:ext cx="2110154" cy="646332"/>
-            <a:chOff x="2286000" y="1868337"/>
-            <a:chExt cx="2110154" cy="646332"/>
-          </a:xfrm>
-        </p:grpSpPr>
-        <p:sp>
-          <p:nvSpPr>
-            <p:cNvPr id="102" name="Rounded Rectangle 101"/>
-            <p:cNvSpPr/>
-            <p:nvPr/>
-          </p:nvSpPr>
-          <p:spPr>
-            <a:xfrm>
-              <a:off x="2286000" y="1868337"/>
-              <a:ext cx="2110154" cy="646331"/>
-            </a:xfrm>
-            <a:prstGeom prst="roundRect">
-              <a:avLst/>
-            </a:prstGeom>
-            <a:noFill/>
-            <a:ln w="57150">
-              <a:solidFill>
-                <a:schemeClr val="tx1"/>
-              </a:solidFill>
-            </a:ln>
-          </p:spPr>
-          <p:style>
-            <a:lnRef idx="2">
-              <a:schemeClr val="accent1">
-                <a:shade val="50000"/>
-              </a:schemeClr>
-            </a:lnRef>
-            <a:fillRef idx="1">
-              <a:schemeClr val="accent1"/>
-            </a:fillRef>
-            <a:effectRef idx="0">
-              <a:schemeClr val="accent1"/>
-            </a:effectRef>
-            <a:fontRef idx="minor">
-              <a:schemeClr val="lt1"/>
-            </a:fontRef>
-          </p:style>
-          <p:txBody>
-            <a:bodyPr rtlCol="0" anchor="ctr"/>
-            <a:lstStyle/>
-            <a:p>
-              <a:pPr algn="ctr"/>
-              <a:endParaRPr lang="en-US"/>
-            </a:p>
-          </p:txBody>
-        </p:sp>
-        <p:sp>
-          <p:nvSpPr>
-            <p:cNvPr id="103" name="TextBox 102"/>
-            <p:cNvSpPr txBox="1"/>
-            <p:nvPr/>
-          </p:nvSpPr>
-          <p:spPr>
-            <a:xfrm>
-              <a:off x="2369527" y="1868338"/>
-              <a:ext cx="1943100" cy="646331"/>
-            </a:xfrm>
-            <a:prstGeom prst="rect">
-              <a:avLst/>
-            </a:prstGeom>
-            <a:noFill/>
-          </p:spPr>
-          <p:txBody>
-            <a:bodyPr wrap="square" rtlCol="0">
-              <a:spAutoFit/>
-            </a:bodyPr>
-            <a:lstStyle/>
-            <a:p>
-              <a:pPr algn="ctr"/>
-              <a:r>
-                <a:rPr lang="en-US" dirty="0" smtClean="0"/>
-                <a:t>Potentially repaired side</a:t>
-              </a:r>
-              <a:endParaRPr lang="en-US" dirty="0"/>
-            </a:p>
-          </p:txBody>
-        </p:sp>
-      </p:grpSp>
-      <p:cxnSp>
-        <p:nvCxnSpPr>
-          <p:cNvPr id="105" name="Straight Arrow Connector 104"/>
-          <p:cNvCxnSpPr>
-            <a:stCxn id="103" idx="0"/>
-            <a:endCxn id="99" idx="4"/>
-          </p:cNvCxnSpPr>
-          <p:nvPr/>
-        </p:nvCxnSpPr>
-        <p:spPr>
-          <a:xfrm flipH="1" flipV="1">
-            <a:off x="7749264" y="2657459"/>
-            <a:ext cx="3663" cy="404159"/>
-          </a:xfrm>
-          <a:prstGeom prst="straightConnector1">
-            <a:avLst/>
-          </a:prstGeom>
-          <a:ln w="57150">
-            <a:solidFill>
-              <a:schemeClr val="tx1"/>
-            </a:solidFill>
-            <a:tailEnd type="triangle"/>
-          </a:ln>
-        </p:spPr>
-        <p:style>
-          <a:lnRef idx="1">
-            <a:schemeClr val="accent1"/>
-          </a:lnRef>
-          <a:fillRef idx="0">
-            <a:schemeClr val="accent1"/>
-          </a:fillRef>
-          <a:effectRef idx="0">
-            <a:schemeClr val="accent1"/>
-          </a:effectRef>
-          <a:fontRef idx="minor">
-            <a:schemeClr val="tx1"/>
-          </a:fontRef>
-        </p:style>
-      </p:cxnSp>
-      <p:cxnSp>
-        <p:nvCxnSpPr>
-          <p:cNvPr id="107" name="Straight Arrow Connector 106"/>
-          <p:cNvCxnSpPr>
-            <a:stCxn id="99" idx="2"/>
-            <a:endCxn id="10" idx="3"/>
-          </p:cNvCxnSpPr>
-          <p:nvPr/>
-        </p:nvCxnSpPr>
-        <p:spPr>
-          <a:xfrm flipH="1" flipV="1">
-            <a:off x="5613154" y="2230983"/>
-            <a:ext cx="934190" cy="7687"/>
-          </a:xfrm>
-          <a:prstGeom prst="straightConnector1">
-            <a:avLst/>
-          </a:prstGeom>
-          <a:ln w="57150">
-            <a:solidFill>
-              <a:schemeClr val="tx1"/>
-            </a:solidFill>
-            <a:tailEnd type="triangle"/>
-          </a:ln>
-        </p:spPr>
-        <p:style>
-          <a:lnRef idx="1">
-            <a:schemeClr val="accent1"/>
-          </a:lnRef>
-          <a:fillRef idx="0">
-            <a:schemeClr val="accent1"/>
-          </a:fillRef>
-          <a:effectRef idx="0">
-            <a:schemeClr val="accent1"/>
-          </a:effectRef>
-          <a:fontRef idx="minor">
-            <a:schemeClr val="tx1"/>
-          </a:fontRef>
-        </p:style>
-      </p:cxnSp>
-      <p:cxnSp>
-        <p:nvCxnSpPr>
-          <p:cNvPr id="109" name="Straight Arrow Connector 108"/>
-          <p:cNvCxnSpPr>
-            <a:stCxn id="43" idx="0"/>
-            <a:endCxn id="102" idx="2"/>
-          </p:cNvCxnSpPr>
-          <p:nvPr/>
-        </p:nvCxnSpPr>
-        <p:spPr>
-          <a:xfrm flipH="1" flipV="1">
-            <a:off x="7752927" y="3707948"/>
-            <a:ext cx="3787" cy="453567"/>
-          </a:xfrm>
-          <a:prstGeom prst="straightConnector1">
-            <a:avLst/>
-          </a:prstGeom>
-          <a:ln w="57150">
-            <a:solidFill>
-              <a:schemeClr val="tx1"/>
-            </a:solidFill>
-            <a:tailEnd type="triangle"/>
-          </a:ln>
-        </p:spPr>
-        <p:style>
-          <a:lnRef idx="1">
-            <a:schemeClr val="accent1"/>
-          </a:lnRef>
-          <a:fillRef idx="0">
-            <a:schemeClr val="accent1"/>
-          </a:fillRef>
-          <a:effectRef idx="0">
-            <a:schemeClr val="accent1"/>
-          </a:effectRef>
-          <a:fontRef idx="minor">
-            <a:schemeClr val="tx1"/>
-          </a:fontRef>
-        </p:style>
-      </p:cxnSp>
-      <p:sp>
-        <p:nvSpPr>
-          <p:cNvPr id="110" name="TextBox 109"/>
-          <p:cNvSpPr txBox="1"/>
-          <p:nvPr/>
-        </p:nvSpPr>
-        <p:spPr>
-          <a:xfrm>
-            <a:off x="5853437" y="1712732"/>
-            <a:ext cx="554299" cy="461665"/>
-          </a:xfrm>
-          <a:prstGeom prst="rect">
-            <a:avLst/>
-          </a:prstGeom>
-          <a:noFill/>
-        </p:spPr>
-        <p:txBody>
-          <a:bodyPr wrap="square" rtlCol="0">
-            <a:spAutoFit/>
-          </a:bodyPr>
-          <a:lstStyle/>
-          <a:p>
-            <a:r>
-              <a:rPr lang="en-US" sz="2400" dirty="0" smtClean="0"/>
-              <a:t>No</a:t>
-            </a:r>
-            <a:endParaRPr lang="en-US" sz="2400" dirty="0"/>
-          </a:p>
-        </p:txBody>
-      </p:sp>
-      <p:grpSp>
-        <p:nvGrpSpPr>
-          <p:cNvPr id="111" name="Group 110"/>
-          <p:cNvGrpSpPr/>
-          <p:nvPr/>
-        </p:nvGrpSpPr>
-        <p:grpSpPr>
-          <a:xfrm>
-            <a:off x="9568524" y="3071916"/>
-            <a:ext cx="2110154" cy="646331"/>
-            <a:chOff x="2286000" y="1868337"/>
-            <a:chExt cx="2110154" cy="646331"/>
-          </a:xfrm>
-        </p:grpSpPr>
-        <p:sp>
-          <p:nvSpPr>
-            <p:cNvPr id="112" name="Rounded Rectangle 111"/>
-            <p:cNvSpPr/>
-            <p:nvPr/>
-          </p:nvSpPr>
-          <p:spPr>
-            <a:xfrm>
-              <a:off x="2286000" y="1868337"/>
-              <a:ext cx="2110154" cy="646331"/>
-            </a:xfrm>
-            <a:prstGeom prst="roundRect">
-              <a:avLst/>
-            </a:prstGeom>
-            <a:noFill/>
-            <a:ln w="57150">
-              <a:solidFill>
-                <a:schemeClr val="tx1"/>
-              </a:solidFill>
-            </a:ln>
-          </p:spPr>
-          <p:style>
-            <a:lnRef idx="2">
-              <a:schemeClr val="accent1">
-                <a:shade val="50000"/>
-              </a:schemeClr>
-            </a:lnRef>
-            <a:fillRef idx="1">
-              <a:schemeClr val="accent1"/>
-            </a:fillRef>
-            <a:effectRef idx="0">
-              <a:schemeClr val="accent1"/>
-            </a:effectRef>
-            <a:fontRef idx="minor">
-              <a:schemeClr val="lt1"/>
-            </a:fontRef>
-          </p:style>
-          <p:txBody>
-            <a:bodyPr rtlCol="0" anchor="ctr"/>
-            <a:lstStyle/>
-            <a:p>
-              <a:pPr algn="ctr"/>
-              <a:endParaRPr lang="en-US"/>
-            </a:p>
-          </p:txBody>
-        </p:sp>
-        <p:sp>
-          <p:nvSpPr>
-            <p:cNvPr id="113" name="TextBox 112"/>
-            <p:cNvSpPr txBox="1"/>
-            <p:nvPr/>
-          </p:nvSpPr>
-          <p:spPr>
-            <a:xfrm>
-              <a:off x="2369527" y="2006836"/>
-              <a:ext cx="1943100" cy="369332"/>
-            </a:xfrm>
-            <a:prstGeom prst="rect">
-              <a:avLst/>
-            </a:prstGeom>
-            <a:noFill/>
-          </p:spPr>
-          <p:txBody>
-            <a:bodyPr wrap="square" rtlCol="0">
-              <a:spAutoFit/>
-            </a:bodyPr>
-            <a:lstStyle/>
-            <a:p>
-              <a:pPr algn="ctr"/>
-              <a:r>
-                <a:rPr lang="en-US" dirty="0"/>
-                <a:t>R</a:t>
-              </a:r>
-              <a:r>
-                <a:rPr lang="en-US" dirty="0" smtClean="0"/>
-                <a:t>epaired side</a:t>
-              </a:r>
-              <a:endParaRPr lang="en-US" dirty="0"/>
-            </a:p>
-          </p:txBody>
-        </p:sp>
-      </p:grpSp>
-      <p:cxnSp>
-        <p:nvCxnSpPr>
-          <p:cNvPr id="115" name="Elbow Connector 114"/>
-          <p:cNvCxnSpPr>
-            <a:stCxn id="100" idx="3"/>
-            <a:endCxn id="112" idx="0"/>
-          </p:cNvCxnSpPr>
-          <p:nvPr/>
-        </p:nvCxnSpPr>
-        <p:spPr>
-          <a:xfrm>
-            <a:off x="8938852" y="2228926"/>
-            <a:ext cx="1684749" cy="842990"/>
-          </a:xfrm>
-          <a:prstGeom prst="bentConnector2">
-            <a:avLst/>
-          </a:prstGeom>
-          <a:ln w="57150">
-            <a:solidFill>
-              <a:schemeClr val="tx1"/>
-            </a:solidFill>
-            <a:tailEnd type="triangle"/>
-          </a:ln>
-        </p:spPr>
-        <p:style>
-          <a:lnRef idx="1">
-            <a:schemeClr val="accent1"/>
-          </a:lnRef>
-          <a:fillRef idx="0">
-            <a:schemeClr val="accent1"/>
-          </a:fillRef>
-          <a:effectRef idx="0">
-            <a:schemeClr val="accent1"/>
-          </a:effectRef>
-          <a:fontRef idx="minor">
-            <a:schemeClr val="tx1"/>
-          </a:fontRef>
-        </p:style>
-      </p:cxnSp>
-      <p:sp>
-        <p:nvSpPr>
-          <p:cNvPr id="116" name="TextBox 115"/>
-          <p:cNvSpPr txBox="1"/>
-          <p:nvPr/>
-        </p:nvSpPr>
-        <p:spPr>
-          <a:xfrm>
-            <a:off x="9547186" y="1767261"/>
-            <a:ext cx="676376" cy="461665"/>
-          </a:xfrm>
-          <a:prstGeom prst="rect">
-            <a:avLst/>
-          </a:prstGeom>
-          <a:noFill/>
-        </p:spPr>
-        <p:txBody>
-          <a:bodyPr wrap="square" rtlCol="0">
-            <a:spAutoFit/>
-          </a:bodyPr>
-          <a:lstStyle/>
-          <a:p>
-            <a:r>
-              <a:rPr lang="en-US" sz="2400" dirty="0" smtClean="0"/>
-              <a:t>Yes</a:t>
-            </a:r>
-            <a:endParaRPr lang="en-US" sz="2400" dirty="0"/>
-          </a:p>
-        </p:txBody>
-      </p:sp>
-      <p:grpSp>
-        <p:nvGrpSpPr>
-          <p:cNvPr id="123" name="Group 122"/>
-          <p:cNvGrpSpPr/>
-          <p:nvPr/>
-        </p:nvGrpSpPr>
-        <p:grpSpPr>
-          <a:xfrm>
-            <a:off x="9424761" y="4187171"/>
-            <a:ext cx="2403840" cy="837578"/>
-            <a:chOff x="4989633" y="1449549"/>
-            <a:chExt cx="2403840" cy="837578"/>
-          </a:xfrm>
-        </p:grpSpPr>
-        <p:sp>
-          <p:nvSpPr>
-            <p:cNvPr id="124" name="Oval 123"/>
-            <p:cNvSpPr/>
-            <p:nvPr/>
-          </p:nvSpPr>
-          <p:spPr>
-            <a:xfrm>
-              <a:off x="4989633" y="1449549"/>
-              <a:ext cx="2403840" cy="837578"/>
-            </a:xfrm>
-            <a:prstGeom prst="ellipse">
-              <a:avLst/>
-            </a:prstGeom>
-            <a:noFill/>
-            <a:ln w="57150">
-              <a:solidFill>
-                <a:schemeClr val="tx1"/>
-              </a:solidFill>
-            </a:ln>
-          </p:spPr>
-          <p:style>
-            <a:lnRef idx="2">
-              <a:schemeClr val="accent1">
-                <a:shade val="50000"/>
-              </a:schemeClr>
-            </a:lnRef>
-            <a:fillRef idx="1">
-              <a:schemeClr val="accent1"/>
-            </a:fillRef>
-            <a:effectRef idx="0">
-              <a:schemeClr val="accent1"/>
-            </a:effectRef>
-            <a:fontRef idx="minor">
-              <a:schemeClr val="lt1"/>
-            </a:fontRef>
-          </p:style>
-          <p:txBody>
-            <a:bodyPr rtlCol="0" anchor="ctr"/>
-            <a:lstStyle/>
-            <a:p>
-              <a:pPr algn="ctr"/>
-              <a:endParaRPr lang="en-US"/>
-            </a:p>
-          </p:txBody>
-        </p:sp>
-        <p:sp>
-          <p:nvSpPr>
-            <p:cNvPr id="125" name="TextBox 124"/>
-            <p:cNvSpPr txBox="1"/>
-            <p:nvPr/>
-          </p:nvSpPr>
-          <p:spPr>
-            <a:xfrm>
-              <a:off x="5073160" y="1535429"/>
-              <a:ext cx="2307981" cy="646331"/>
-            </a:xfrm>
-            <a:prstGeom prst="rect">
-              <a:avLst/>
-            </a:prstGeom>
-            <a:noFill/>
-          </p:spPr>
-          <p:txBody>
-            <a:bodyPr wrap="square" rtlCol="0" anchor="ctr" anchorCtr="0">
-              <a:spAutoFit/>
-            </a:bodyPr>
-            <a:lstStyle/>
-            <a:p>
-              <a:pPr algn="ctr"/>
-              <a:r>
-                <a:rPr lang="en-US" dirty="0" smtClean="0"/>
-                <a:t>Combine with other repaired side</a:t>
-              </a:r>
-              <a:endParaRPr lang="en-US" dirty="0"/>
-            </a:p>
-          </p:txBody>
-        </p:sp>
-      </p:grpSp>
-      <p:cxnSp>
-        <p:nvCxnSpPr>
-          <p:cNvPr id="127" name="Straight Arrow Connector 126"/>
-          <p:cNvCxnSpPr>
-            <a:stCxn id="112" idx="2"/>
-            <a:endCxn id="124" idx="0"/>
-          </p:cNvCxnSpPr>
-          <p:nvPr/>
-        </p:nvCxnSpPr>
-        <p:spPr>
-          <a:xfrm>
-            <a:off x="10623601" y="3718247"/>
-            <a:ext cx="3080" cy="468924"/>
-          </a:xfrm>
-          <a:prstGeom prst="straightConnector1">
-            <a:avLst/>
-          </a:prstGeom>
-          <a:ln w="57150">
-            <a:solidFill>
-              <a:schemeClr val="tx1"/>
-            </a:solidFill>
-            <a:tailEnd type="triangle"/>
-          </a:ln>
-        </p:spPr>
-        <p:style>
-          <a:lnRef idx="1">
-            <a:schemeClr val="accent1"/>
-          </a:lnRef>
-          <a:fillRef idx="0">
-            <a:schemeClr val="accent1"/>
-          </a:fillRef>
-          <a:effectRef idx="0">
-            <a:schemeClr val="accent1"/>
-          </a:effectRef>
-          <a:fontRef idx="minor">
-            <a:schemeClr val="tx1"/>
-          </a:fontRef>
-        </p:style>
-      </p:cxnSp>
-      <p:grpSp>
-        <p:nvGrpSpPr>
-          <p:cNvPr id="128" name="Group 127"/>
-          <p:cNvGrpSpPr/>
-          <p:nvPr/>
-        </p:nvGrpSpPr>
-        <p:grpSpPr>
-          <a:xfrm>
-            <a:off x="9455664" y="5643827"/>
-            <a:ext cx="2341372" cy="738664"/>
-            <a:chOff x="2286000" y="1776005"/>
-            <a:chExt cx="2110154" cy="738664"/>
-          </a:xfrm>
-        </p:grpSpPr>
-        <p:sp>
-          <p:nvSpPr>
-            <p:cNvPr id="129" name="Rounded Rectangle 128"/>
-            <p:cNvSpPr/>
-            <p:nvPr/>
-          </p:nvSpPr>
-          <p:spPr>
-            <a:xfrm>
-              <a:off x="2286000" y="1776005"/>
-              <a:ext cx="2110154" cy="553998"/>
-            </a:xfrm>
-            <a:prstGeom prst="roundRect">
-              <a:avLst/>
-            </a:prstGeom>
-            <a:noFill/>
-            <a:ln w="57150">
-              <a:solidFill>
-                <a:schemeClr val="tx1"/>
-              </a:solidFill>
-            </a:ln>
-          </p:spPr>
-          <p:style>
-            <a:lnRef idx="2">
-              <a:schemeClr val="accent1">
-                <a:shade val="50000"/>
-              </a:schemeClr>
-            </a:lnRef>
-            <a:fillRef idx="1">
-              <a:schemeClr val="accent1"/>
-            </a:fillRef>
-            <a:effectRef idx="0">
-              <a:schemeClr val="accent1"/>
-            </a:effectRef>
-            <a:fontRef idx="minor">
-              <a:schemeClr val="lt1"/>
-            </a:fontRef>
-          </p:style>
-          <p:txBody>
-            <a:bodyPr rtlCol="0" anchor="ctr"/>
-            <a:lstStyle/>
-            <a:p>
-              <a:pPr algn="ctr"/>
-              <a:endParaRPr lang="en-US"/>
-            </a:p>
-          </p:txBody>
-        </p:sp>
-        <p:sp>
-          <p:nvSpPr>
-            <p:cNvPr id="130" name="TextBox 129"/>
-            <p:cNvSpPr txBox="1"/>
-            <p:nvPr/>
-          </p:nvSpPr>
-          <p:spPr>
-            <a:xfrm>
-              <a:off x="2369527" y="1868338"/>
-              <a:ext cx="1943100" cy="646331"/>
-            </a:xfrm>
-            <a:prstGeom prst="rect">
-              <a:avLst/>
-            </a:prstGeom>
-            <a:noFill/>
-          </p:spPr>
-          <p:txBody>
-            <a:bodyPr wrap="square" rtlCol="0">
-              <a:spAutoFit/>
-            </a:bodyPr>
-            <a:lstStyle/>
-            <a:p>
-              <a:r>
-                <a:rPr lang="en-US" dirty="0" smtClean="0"/>
-                <a:t>Output </a:t>
-              </a:r>
-              <a:r>
-                <a:rPr lang="en-US" dirty="0" smtClean="0"/>
-                <a:t>landmark set</a:t>
-              </a:r>
-              <a:endParaRPr lang="en-US" dirty="0"/>
-            </a:p>
-          </p:txBody>
-        </p:sp>
-      </p:grpSp>
-      <p:cxnSp>
-        <p:nvCxnSpPr>
-          <p:cNvPr id="132" name="Straight Arrow Connector 131"/>
-          <p:cNvCxnSpPr>
-            <a:stCxn id="124" idx="4"/>
-            <a:endCxn id="129" idx="0"/>
-          </p:cNvCxnSpPr>
-          <p:nvPr/>
-        </p:nvCxnSpPr>
-        <p:spPr>
-          <a:xfrm flipH="1">
-            <a:off x="10626350" y="5024749"/>
-            <a:ext cx="331" cy="619078"/>
-          </a:xfrm>
-          <a:prstGeom prst="straightConnector1">
-            <a:avLst/>
-          </a:prstGeom>
-          <a:ln w="57150">
-            <a:solidFill>
-              <a:schemeClr val="tx1"/>
-            </a:solidFill>
-            <a:tailEnd type="triangle"/>
-          </a:ln>
-        </p:spPr>
-        <p:style>
-          <a:lnRef idx="1">
-            <a:schemeClr val="accent1"/>
-          </a:lnRef>
-          <a:fillRef idx="0">
-            <a:schemeClr val="accent1"/>
-          </a:fillRef>
-          <a:effectRef idx="0">
-            <a:schemeClr val="accent1"/>
-          </a:effectRef>
-          <a:fontRef idx="minor">
-            <a:schemeClr val="tx1"/>
-          </a:fontRef>
-        </p:style>
-      </p:cxnSp>
-      <p:cxnSp>
-        <p:nvCxnSpPr>
-          <p:cNvPr id="134" name="Straight Arrow Connector 133"/>
-          <p:cNvCxnSpPr>
-            <a:stCxn id="40" idx="3"/>
-            <a:endCxn id="43" idx="2"/>
-          </p:cNvCxnSpPr>
-          <p:nvPr/>
-        </p:nvCxnSpPr>
-        <p:spPr>
-          <a:xfrm flipV="1">
-            <a:off x="5613154" y="4605538"/>
-            <a:ext cx="806036" cy="1"/>
-          </a:xfrm>
-          <a:prstGeom prst="straightConnector1">
-            <a:avLst/>
-          </a:prstGeom>
-          <a:ln w="57150">
-            <a:solidFill>
-              <a:schemeClr val="tx1"/>
-            </a:solidFill>
-            <a:tailEnd type="triangle"/>
-          </a:ln>
-        </p:spPr>
-        <p:style>
-          <a:lnRef idx="1">
-            <a:schemeClr val="accent1"/>
-          </a:lnRef>
-          <a:fillRef idx="0">
-            <a:schemeClr val="accent1"/>
-          </a:fillRef>
-          <a:effectRef idx="0">
-            <a:schemeClr val="accent1"/>
-          </a:effectRef>
-          <a:fontRef idx="minor">
-            <a:schemeClr val="tx1"/>
-          </a:fontRef>
-        </p:style>
-      </p:cxnSp>
     </p:spTree>
     <p:extLst>
       <p:ext uri="{BB962C8B-B14F-4D97-AF65-F5344CB8AC3E}">
-        <p14:creationId xmlns:p14="http://schemas.microsoft.com/office/powerpoint/2010/main" val="3333418677"/>
+        <p14:creationId xmlns:p14="http://schemas.microsoft.com/office/powerpoint/2010/main" val="995173474"/>
       </p:ext>
     </p:extLst>
   </p:cSld>
   <p:clrMapOvr>
     <a:masterClrMapping/>
   </p:clrMapOvr>
+  <p:timing>
+    <p:tnLst>
+      <p:par>
+        <p:cTn id="1" dur="indefinite" restart="never" nodeType="tmRoot"/>
+      </p:par>
+    </p:tnLst>
+  </p:timing>
 </p:sld>
 </file>
 
